--- a/Final Project/finalProjectPresentation_LastName_FirstName.pptx
+++ b/Final Project/finalProjectPresentation_LastName_FirstName.pptx
@@ -118,7 +118,7 @@
   </p:defaultTextStyle>
   <p:extLst>
     <p:ext uri="{EFAFB233-063F-42B5-8137-9DF3F51BA10A}">
-      <p15:sldGuideLst xmlns:p15="http://schemas.microsoft.com/office/powerpoint/2012/main"/>
+      <p15:sldGuideLst xmlns:p15="http://schemas.microsoft.com/office/powerpoint/2012/main" xmlns=""/>
     </p:ext>
   </p:extLst>
 </p:presentation>
@@ -6092,25 +6092,25 @@
           <a:p>
             <a:r>
               <a:rPr lang="en-US" dirty="0" smtClean="0"/>
-              <a:t>CSUMB </a:t>
-            </a:r>
+              <a:t>CSUMB CST205</a:t>
+            </a:r>
+          </a:p>
+          <a:p>
             <a:r>
               <a:rPr lang="en-US" dirty="0" smtClean="0"/>
-              <a:t>CST205</a:t>
-            </a:r>
-          </a:p>
-          <a:p>
+              <a:t>PRESENTED BY: DANIEL HOWE, </a:t>
+            </a:r>
+            <a:r>
+              <a:rPr lang="en-US" smtClean="0"/>
+              <a:t>JIWANOT </a:t>
+            </a:r>
+            <a:r>
+              <a:rPr lang="en-US" smtClean="0"/>
+              <a:t>SANDHU</a:t>
+            </a:r>
             <a:r>
               <a:rPr lang="en-US" dirty="0" smtClean="0"/>
-              <a:t>PRESENTED </a:t>
-            </a:r>
-            <a:r>
-              <a:rPr lang="en-US" dirty="0" smtClean="0"/>
-              <a:t>BY: </a:t>
-            </a:r>
-            <a:r>
-              <a:rPr lang="en-US" dirty="0" smtClean="0"/>
-              <a:t>DANIEL HOWE, JIWANOT SIDHAU, ROGELIO MORENO, NIKOLA PETKOV</a:t>
+              <a:t>, ROGELIO MORENO, NIKOLA PETKOV</a:t>
             </a:r>
             <a:endParaRPr lang="en-US" dirty="0"/>
           </a:p>
@@ -6175,7 +6175,7 @@
   <p:timing>
     <p:tnLst>
       <p:par>
-        <p:cTn id="1" dur="indefinite" restart="never" nodeType="tmRoot"/>
+        <p:cTn xmlns:p14="http://schemas.microsoft.com/office/powerpoint/2010/main" id="1" dur="indefinite" restart="never" nodeType="tmRoot"/>
       </p:par>
     </p:tnLst>
   </p:timing>
@@ -6277,13 +6277,8 @@
           <a:p>
             <a:r>
               <a:rPr lang="en-US" dirty="0" smtClean="0"/>
-              <a:t>Image Credits</a:t>
-            </a:r>
-            <a:r>
-              <a:rPr lang="en-US" dirty="0" smtClean="0"/>
-              <a:t>:</a:t>
-            </a:r>
-            <a:endParaRPr lang="en-US" dirty="0" smtClean="0"/>
+              <a:t>Image Credits:</a:t>
+            </a:r>
           </a:p>
         </p:txBody>
       </p:sp>
@@ -6300,7 +6295,7 @@
   <p:timing>
     <p:tnLst>
       <p:par>
-        <p:cTn id="1" dur="indefinite" restart="never" nodeType="tmRoot"/>
+        <p:cTn xmlns:p14="http://schemas.microsoft.com/office/powerpoint/2010/main" id="1" dur="indefinite" restart="never" nodeType="tmRoot"/>
       </p:par>
     </p:tnLst>
   </p:timing>
@@ -6352,7 +6347,7 @@
           <p:cNvPr id="8" name="Rectangle 7">
             <a:extLst>
               <a:ext uri="{FF2B5EF4-FFF2-40B4-BE49-F238E27FC236}">
-                <a16:creationId xmlns="" xmlns:a16="http://schemas.microsoft.com/office/drawing/2014/main" id="{375136A9-49F9-4DA0-A741-F065B0FA091D}"/>
+                <a16:creationId xmlns:a16="http://schemas.microsoft.com/office/drawing/2014/main" xmlns="" id="{375136A9-49F9-4DA0-A741-F065B0FA091D}"/>
               </a:ext>
             </a:extLst>
           </p:cNvPr>
@@ -6362,7 +6357,7 @@
           <p:nvPr>
             <p:extLst>
               <p:ext uri="{386F3935-93C4-4BCD-93E2-E3B085C9AB24}">
-                <p16:designElem xmlns:p16="http://schemas.microsoft.com/office/powerpoint/2015/main" val="1"/>
+                <p16:designElem xmlns:p16="http://schemas.microsoft.com/office/powerpoint/2015/main" xmlns="" val="1"/>
               </p:ext>
             </p:extLst>
           </p:nvPr>
@@ -6419,7 +6414,7 @@
           <p:cNvPr id="10" name="Rectangle 9">
             <a:extLst>
               <a:ext uri="{FF2B5EF4-FFF2-40B4-BE49-F238E27FC236}">
-                <a16:creationId xmlns="" xmlns:a16="http://schemas.microsoft.com/office/drawing/2014/main" id="{B912F6C7-0423-4B6F-AECE-710C848918FD}"/>
+                <a16:creationId xmlns:a16="http://schemas.microsoft.com/office/drawing/2014/main" xmlns="" id="{B912F6C7-0423-4B6F-AECE-710C848918FD}"/>
               </a:ext>
             </a:extLst>
           </p:cNvPr>
@@ -6429,7 +6424,7 @@
           <p:nvPr>
             <p:extLst>
               <p:ext uri="{386F3935-93C4-4BCD-93E2-E3B085C9AB24}">
-                <p16:designElem xmlns:p16="http://schemas.microsoft.com/office/powerpoint/2015/main" val="1"/>
+                <p16:designElem xmlns:p16="http://schemas.microsoft.com/office/powerpoint/2015/main" xmlns="" val="1"/>
               </p:ext>
             </p:extLst>
           </p:nvPr>
@@ -6497,7 +6492,7 @@
           <p:cNvPr id="12" name="Straight Connector 11">
             <a:extLst>
               <a:ext uri="{FF2B5EF4-FFF2-40B4-BE49-F238E27FC236}">
-                <a16:creationId xmlns="" xmlns:a16="http://schemas.microsoft.com/office/drawing/2014/main" id="{A7208205-03EE-4EC8-9C34-59270C1880D8}"/>
+                <a16:creationId xmlns:a16="http://schemas.microsoft.com/office/drawing/2014/main" xmlns="" id="{A7208205-03EE-4EC8-9C34-59270C1880D8}"/>
               </a:ext>
             </a:extLst>
           </p:cNvPr>
@@ -6507,7 +6502,7 @@
           <p:nvPr>
             <p:extLst>
               <p:ext uri="{386F3935-93C4-4BCD-93E2-E3B085C9AB24}">
-                <p16:designElem xmlns:p16="http://schemas.microsoft.com/office/powerpoint/2015/main" val="1"/>
+                <p16:designElem xmlns:p16="http://schemas.microsoft.com/office/powerpoint/2015/main" xmlns="" val="1"/>
               </p:ext>
             </p:extLst>
           </p:nvPr>
@@ -6666,7 +6661,7 @@
   <p:timing>
     <p:tnLst>
       <p:par>
-        <p:cTn id="1" dur="indefinite" restart="never" nodeType="tmRoot"/>
+        <p:cTn xmlns:p14="http://schemas.microsoft.com/office/powerpoint/2010/main" id="1" dur="indefinite" restart="never" nodeType="tmRoot"/>
       </p:par>
     </p:tnLst>
   </p:timing>
@@ -6853,7 +6848,7 @@
           <p:cNvPr id="8" name="Rectangle 7">
             <a:extLst>
               <a:ext uri="{FF2B5EF4-FFF2-40B4-BE49-F238E27FC236}">
-                <a16:creationId xmlns="" xmlns:a16="http://schemas.microsoft.com/office/drawing/2014/main" id="{375136A9-49F9-4DA0-A741-F065B0FA091D}"/>
+                <a16:creationId xmlns:a16="http://schemas.microsoft.com/office/drawing/2014/main" xmlns="" id="{375136A9-49F9-4DA0-A741-F065B0FA091D}"/>
               </a:ext>
             </a:extLst>
           </p:cNvPr>
@@ -6863,7 +6858,7 @@
           <p:nvPr>
             <p:extLst>
               <p:ext uri="{386F3935-93C4-4BCD-93E2-E3B085C9AB24}">
-                <p16:designElem xmlns:p16="http://schemas.microsoft.com/office/powerpoint/2015/main" val="1"/>
+                <p16:designElem xmlns:p16="http://schemas.microsoft.com/office/powerpoint/2015/main" xmlns="" val="1"/>
               </p:ext>
             </p:extLst>
           </p:nvPr>
@@ -6920,7 +6915,7 @@
           <p:cNvPr id="10" name="Rectangle 9">
             <a:extLst>
               <a:ext uri="{FF2B5EF4-FFF2-40B4-BE49-F238E27FC236}">
-                <a16:creationId xmlns="" xmlns:a16="http://schemas.microsoft.com/office/drawing/2014/main" id="{B912F6C7-0423-4B6F-AECE-710C848918FD}"/>
+                <a16:creationId xmlns:a16="http://schemas.microsoft.com/office/drawing/2014/main" xmlns="" id="{B912F6C7-0423-4B6F-AECE-710C848918FD}"/>
               </a:ext>
             </a:extLst>
           </p:cNvPr>
@@ -6930,7 +6925,7 @@
           <p:nvPr>
             <p:extLst>
               <p:ext uri="{386F3935-93C4-4BCD-93E2-E3B085C9AB24}">
-                <p16:designElem xmlns:p16="http://schemas.microsoft.com/office/powerpoint/2015/main" val="1"/>
+                <p16:designElem xmlns:p16="http://schemas.microsoft.com/office/powerpoint/2015/main" xmlns="" val="1"/>
               </p:ext>
             </p:extLst>
           </p:nvPr>
@@ -6998,7 +6993,7 @@
           <p:cNvPr id="12" name="Straight Connector 11">
             <a:extLst>
               <a:ext uri="{FF2B5EF4-FFF2-40B4-BE49-F238E27FC236}">
-                <a16:creationId xmlns="" xmlns:a16="http://schemas.microsoft.com/office/drawing/2014/main" id="{A7208205-03EE-4EC8-9C34-59270C1880D8}"/>
+                <a16:creationId xmlns:a16="http://schemas.microsoft.com/office/drawing/2014/main" xmlns="" id="{A7208205-03EE-4EC8-9C34-59270C1880D8}"/>
               </a:ext>
             </a:extLst>
           </p:cNvPr>
@@ -7008,7 +7003,7 @@
           <p:nvPr>
             <p:extLst>
               <p:ext uri="{386F3935-93C4-4BCD-93E2-E3B085C9AB24}">
-                <p16:designElem xmlns:p16="http://schemas.microsoft.com/office/powerpoint/2015/main" val="1"/>
+                <p16:designElem xmlns:p16="http://schemas.microsoft.com/office/powerpoint/2015/main" xmlns="" val="1"/>
               </p:ext>
             </p:extLst>
           </p:nvPr>
@@ -7223,7 +7218,7 @@
   <p:timing>
     <p:tnLst>
       <p:par>
-        <p:cTn id="1" dur="indefinite" restart="never" nodeType="tmRoot"/>
+        <p:cTn xmlns:p14="http://schemas.microsoft.com/office/powerpoint/2010/main" id="1" dur="indefinite" restart="never" nodeType="tmRoot"/>
       </p:par>
     </p:tnLst>
   </p:timing>
@@ -7275,7 +7270,7 @@
           <p:cNvPr id="8" name="Rounded Rectangle 9">
             <a:extLst>
               <a:ext uri="{FF2B5EF4-FFF2-40B4-BE49-F238E27FC236}">
-                <a16:creationId xmlns="" xmlns:a16="http://schemas.microsoft.com/office/drawing/2014/main" id="{BCA2EB72-13DC-4DC6-B461-3B036C55B925}"/>
+                <a16:creationId xmlns:a16="http://schemas.microsoft.com/office/drawing/2014/main" xmlns="" id="{BCA2EB72-13DC-4DC6-B461-3B036C55B925}"/>
               </a:ext>
             </a:extLst>
           </p:cNvPr>
@@ -7285,7 +7280,7 @@
           <p:nvPr>
             <p:extLst>
               <p:ext uri="{386F3935-93C4-4BCD-93E2-E3B085C9AB24}">
-                <p16:designElem xmlns:p16="http://schemas.microsoft.com/office/powerpoint/2015/main" val="1"/>
+                <p16:designElem xmlns:p16="http://schemas.microsoft.com/office/powerpoint/2015/main" xmlns="" val="1"/>
               </p:ext>
             </p:extLst>
           </p:nvPr>
@@ -7361,7 +7356,7 @@
           <p:cNvPr id="10" name="Straight Connector 9">
             <a:extLst>
               <a:ext uri="{FF2B5EF4-FFF2-40B4-BE49-F238E27FC236}">
-                <a16:creationId xmlns="" xmlns:a16="http://schemas.microsoft.com/office/drawing/2014/main" id="{C8F75BF3-096E-451E-A222-96A7F0946814}"/>
+                <a16:creationId xmlns:a16="http://schemas.microsoft.com/office/drawing/2014/main" xmlns="" id="{C8F75BF3-096E-451E-A222-96A7F0946814}"/>
               </a:ext>
             </a:extLst>
           </p:cNvPr>
@@ -7371,7 +7366,7 @@
           <p:nvPr>
             <p:extLst>
               <p:ext uri="{386F3935-93C4-4BCD-93E2-E3B085C9AB24}">
-                <p16:designElem xmlns:p16="http://schemas.microsoft.com/office/powerpoint/2015/main" val="1"/>
+                <p16:designElem xmlns:p16="http://schemas.microsoft.com/office/powerpoint/2015/main" xmlns="" val="1"/>
               </p:ext>
             </p:extLst>
           </p:nvPr>
@@ -7459,7 +7454,7 @@
   <p:timing>
     <p:tnLst>
       <p:par>
-        <p:cTn id="1" dur="indefinite" restart="never" nodeType="tmRoot"/>
+        <p:cTn xmlns:p14="http://schemas.microsoft.com/office/powerpoint/2010/main" id="1" dur="indefinite" restart="never" nodeType="tmRoot"/>
       </p:par>
     </p:tnLst>
   </p:timing>
@@ -7511,7 +7506,7 @@
           <p:cNvPr id="8" name="Rectangle 7">
             <a:extLst>
               <a:ext uri="{FF2B5EF4-FFF2-40B4-BE49-F238E27FC236}">
-                <a16:creationId xmlns="" xmlns:a16="http://schemas.microsoft.com/office/drawing/2014/main" id="{375136A9-49F9-4DA0-A741-F065B0FA091D}"/>
+                <a16:creationId xmlns:a16="http://schemas.microsoft.com/office/drawing/2014/main" xmlns="" id="{375136A9-49F9-4DA0-A741-F065B0FA091D}"/>
               </a:ext>
             </a:extLst>
           </p:cNvPr>
@@ -7521,7 +7516,7 @@
           <p:nvPr>
             <p:extLst>
               <p:ext uri="{386F3935-93C4-4BCD-93E2-E3B085C9AB24}">
-                <p16:designElem xmlns:p16="http://schemas.microsoft.com/office/powerpoint/2015/main" val="1"/>
+                <p16:designElem xmlns:p16="http://schemas.microsoft.com/office/powerpoint/2015/main" xmlns="" val="1"/>
               </p:ext>
             </p:extLst>
           </p:nvPr>
@@ -7578,7 +7573,7 @@
           <p:cNvPr id="10" name="Rectangle 9">
             <a:extLst>
               <a:ext uri="{FF2B5EF4-FFF2-40B4-BE49-F238E27FC236}">
-                <a16:creationId xmlns="" xmlns:a16="http://schemas.microsoft.com/office/drawing/2014/main" id="{B912F6C7-0423-4B6F-AECE-710C848918FD}"/>
+                <a16:creationId xmlns:a16="http://schemas.microsoft.com/office/drawing/2014/main" xmlns="" id="{B912F6C7-0423-4B6F-AECE-710C848918FD}"/>
               </a:ext>
             </a:extLst>
           </p:cNvPr>
@@ -7588,7 +7583,7 @@
           <p:nvPr>
             <p:extLst>
               <p:ext uri="{386F3935-93C4-4BCD-93E2-E3B085C9AB24}">
-                <p16:designElem xmlns:p16="http://schemas.microsoft.com/office/powerpoint/2015/main" val="1"/>
+                <p16:designElem xmlns:p16="http://schemas.microsoft.com/office/powerpoint/2015/main" xmlns="" val="1"/>
               </p:ext>
             </p:extLst>
           </p:nvPr>
@@ -7656,7 +7651,7 @@
           <p:cNvPr id="12" name="Straight Connector 11">
             <a:extLst>
               <a:ext uri="{FF2B5EF4-FFF2-40B4-BE49-F238E27FC236}">
-                <a16:creationId xmlns="" xmlns:a16="http://schemas.microsoft.com/office/drawing/2014/main" id="{A7208205-03EE-4EC8-9C34-59270C1880D8}"/>
+                <a16:creationId xmlns:a16="http://schemas.microsoft.com/office/drawing/2014/main" xmlns="" id="{A7208205-03EE-4EC8-9C34-59270C1880D8}"/>
               </a:ext>
             </a:extLst>
           </p:cNvPr>
@@ -7666,7 +7661,7 @@
           <p:nvPr>
             <p:extLst>
               <p:ext uri="{386F3935-93C4-4BCD-93E2-E3B085C9AB24}">
-                <p16:designElem xmlns:p16="http://schemas.microsoft.com/office/powerpoint/2015/main" val="1"/>
+                <p16:designElem xmlns:p16="http://schemas.microsoft.com/office/powerpoint/2015/main" xmlns="" val="1"/>
               </p:ext>
             </p:extLst>
           </p:nvPr>
@@ -7835,7 +7830,7 @@
   <p:timing>
     <p:tnLst>
       <p:par>
-        <p:cTn id="1" dur="indefinite" restart="never" nodeType="tmRoot"/>
+        <p:cTn xmlns:p14="http://schemas.microsoft.com/office/powerpoint/2010/main" id="1" dur="indefinite" restart="never" nodeType="tmRoot"/>
       </p:par>
     </p:tnLst>
   </p:timing>
@@ -7887,7 +7882,7 @@
           <p:cNvPr id="8" name="Rounded Rectangle 9">
             <a:extLst>
               <a:ext uri="{FF2B5EF4-FFF2-40B4-BE49-F238E27FC236}">
-                <a16:creationId xmlns="" xmlns:a16="http://schemas.microsoft.com/office/drawing/2014/main" id="{BCA2EB72-13DC-4DC6-B461-3B036C55B925}"/>
+                <a16:creationId xmlns:a16="http://schemas.microsoft.com/office/drawing/2014/main" xmlns="" id="{BCA2EB72-13DC-4DC6-B461-3B036C55B925}"/>
               </a:ext>
             </a:extLst>
           </p:cNvPr>
@@ -7897,7 +7892,7 @@
           <p:nvPr>
             <p:extLst>
               <p:ext uri="{386F3935-93C4-4BCD-93E2-E3B085C9AB24}">
-                <p16:designElem xmlns:p16="http://schemas.microsoft.com/office/powerpoint/2015/main" val="1"/>
+                <p16:designElem xmlns:p16="http://schemas.microsoft.com/office/powerpoint/2015/main" xmlns="" val="1"/>
               </p:ext>
             </p:extLst>
           </p:nvPr>
@@ -7973,7 +7968,7 @@
           <p:cNvPr id="10" name="Straight Connector 9">
             <a:extLst>
               <a:ext uri="{FF2B5EF4-FFF2-40B4-BE49-F238E27FC236}">
-                <a16:creationId xmlns="" xmlns:a16="http://schemas.microsoft.com/office/drawing/2014/main" id="{C8F75BF3-096E-451E-A222-96A7F0946814}"/>
+                <a16:creationId xmlns:a16="http://schemas.microsoft.com/office/drawing/2014/main" xmlns="" id="{C8F75BF3-096E-451E-A222-96A7F0946814}"/>
               </a:ext>
             </a:extLst>
           </p:cNvPr>
@@ -7983,7 +7978,7 @@
           <p:nvPr>
             <p:extLst>
               <p:ext uri="{386F3935-93C4-4BCD-93E2-E3B085C9AB24}">
-                <p16:designElem xmlns:p16="http://schemas.microsoft.com/office/powerpoint/2015/main" val="1"/>
+                <p16:designElem xmlns:p16="http://schemas.microsoft.com/office/powerpoint/2015/main" xmlns="" val="1"/>
               </p:ext>
             </p:extLst>
           </p:nvPr>
@@ -8071,7 +8066,7 @@
   <p:timing>
     <p:tnLst>
       <p:par>
-        <p:cTn id="1" dur="indefinite" restart="never" nodeType="tmRoot"/>
+        <p:cTn xmlns:p14="http://schemas.microsoft.com/office/powerpoint/2010/main" id="1" dur="indefinite" restart="never" nodeType="tmRoot"/>
       </p:par>
     </p:tnLst>
   </p:timing>
@@ -8123,7 +8118,7 @@
           <p:cNvPr id="8" name="Rectangle 7">
             <a:extLst>
               <a:ext uri="{FF2B5EF4-FFF2-40B4-BE49-F238E27FC236}">
-                <a16:creationId xmlns="" xmlns:a16="http://schemas.microsoft.com/office/drawing/2014/main" id="{375136A9-49F9-4DA0-A741-F065B0FA091D}"/>
+                <a16:creationId xmlns:a16="http://schemas.microsoft.com/office/drawing/2014/main" xmlns="" id="{375136A9-49F9-4DA0-A741-F065B0FA091D}"/>
               </a:ext>
             </a:extLst>
           </p:cNvPr>
@@ -8133,7 +8128,7 @@
           <p:nvPr>
             <p:extLst>
               <p:ext uri="{386F3935-93C4-4BCD-93E2-E3B085C9AB24}">
-                <p16:designElem xmlns:p16="http://schemas.microsoft.com/office/powerpoint/2015/main" val="1"/>
+                <p16:designElem xmlns:p16="http://schemas.microsoft.com/office/powerpoint/2015/main" xmlns="" val="1"/>
               </p:ext>
             </p:extLst>
           </p:nvPr>
@@ -8190,7 +8185,7 @@
           <p:cNvPr id="10" name="Rectangle 9">
             <a:extLst>
               <a:ext uri="{FF2B5EF4-FFF2-40B4-BE49-F238E27FC236}">
-                <a16:creationId xmlns="" xmlns:a16="http://schemas.microsoft.com/office/drawing/2014/main" id="{B912F6C7-0423-4B6F-AECE-710C848918FD}"/>
+                <a16:creationId xmlns:a16="http://schemas.microsoft.com/office/drawing/2014/main" xmlns="" id="{B912F6C7-0423-4B6F-AECE-710C848918FD}"/>
               </a:ext>
             </a:extLst>
           </p:cNvPr>
@@ -8200,7 +8195,7 @@
           <p:nvPr>
             <p:extLst>
               <p:ext uri="{386F3935-93C4-4BCD-93E2-E3B085C9AB24}">
-                <p16:designElem xmlns:p16="http://schemas.microsoft.com/office/powerpoint/2015/main" val="1"/>
+                <p16:designElem xmlns:p16="http://schemas.microsoft.com/office/powerpoint/2015/main" xmlns="" val="1"/>
               </p:ext>
             </p:extLst>
           </p:nvPr>
@@ -8268,7 +8263,7 @@
           <p:cNvPr id="12" name="Straight Connector 11">
             <a:extLst>
               <a:ext uri="{FF2B5EF4-FFF2-40B4-BE49-F238E27FC236}">
-                <a16:creationId xmlns="" xmlns:a16="http://schemas.microsoft.com/office/drawing/2014/main" id="{A7208205-03EE-4EC8-9C34-59270C1880D8}"/>
+                <a16:creationId xmlns:a16="http://schemas.microsoft.com/office/drawing/2014/main" xmlns="" id="{A7208205-03EE-4EC8-9C34-59270C1880D8}"/>
               </a:ext>
             </a:extLst>
           </p:cNvPr>
@@ -8278,7 +8273,7 @@
           <p:nvPr>
             <p:extLst>
               <p:ext uri="{386F3935-93C4-4BCD-93E2-E3B085C9AB24}">
-                <p16:designElem xmlns:p16="http://schemas.microsoft.com/office/powerpoint/2015/main" val="1"/>
+                <p16:designElem xmlns:p16="http://schemas.microsoft.com/office/powerpoint/2015/main" xmlns="" val="1"/>
               </p:ext>
             </p:extLst>
           </p:nvPr>
@@ -8510,7 +8505,7 @@
   <p:timing>
     <p:tnLst>
       <p:par>
-        <p:cTn id="1" dur="indefinite" restart="never" nodeType="tmRoot"/>
+        <p:cTn xmlns:p14="http://schemas.microsoft.com/office/powerpoint/2010/main" id="1" dur="indefinite" restart="never" nodeType="tmRoot"/>
       </p:par>
     </p:tnLst>
   </p:timing>
@@ -8562,7 +8557,7 @@
           <p:cNvPr id="8" name="Rounded Rectangle 9">
             <a:extLst>
               <a:ext uri="{FF2B5EF4-FFF2-40B4-BE49-F238E27FC236}">
-                <a16:creationId xmlns="" xmlns:a16="http://schemas.microsoft.com/office/drawing/2014/main" id="{BCA2EB72-13DC-4DC6-B461-3B036C55B925}"/>
+                <a16:creationId xmlns:a16="http://schemas.microsoft.com/office/drawing/2014/main" xmlns="" id="{BCA2EB72-13DC-4DC6-B461-3B036C55B925}"/>
               </a:ext>
             </a:extLst>
           </p:cNvPr>
@@ -8572,7 +8567,7 @@
           <p:nvPr>
             <p:extLst>
               <p:ext uri="{386F3935-93C4-4BCD-93E2-E3B085C9AB24}">
-                <p16:designElem xmlns:p16="http://schemas.microsoft.com/office/powerpoint/2015/main" val="1"/>
+                <p16:designElem xmlns:p16="http://schemas.microsoft.com/office/powerpoint/2015/main" xmlns="" val="1"/>
               </p:ext>
             </p:extLst>
           </p:nvPr>
@@ -8648,7 +8643,7 @@
           <p:cNvPr id="10" name="Straight Connector 9">
             <a:extLst>
               <a:ext uri="{FF2B5EF4-FFF2-40B4-BE49-F238E27FC236}">
-                <a16:creationId xmlns="" xmlns:a16="http://schemas.microsoft.com/office/drawing/2014/main" id="{C8F75BF3-096E-451E-A222-96A7F0946814}"/>
+                <a16:creationId xmlns:a16="http://schemas.microsoft.com/office/drawing/2014/main" xmlns="" id="{C8F75BF3-096E-451E-A222-96A7F0946814}"/>
               </a:ext>
             </a:extLst>
           </p:cNvPr>
@@ -8658,7 +8653,7 @@
           <p:nvPr>
             <p:extLst>
               <p:ext uri="{386F3935-93C4-4BCD-93E2-E3B085C9AB24}">
-                <p16:designElem xmlns:p16="http://schemas.microsoft.com/office/powerpoint/2015/main" val="1"/>
+                <p16:designElem xmlns:p16="http://schemas.microsoft.com/office/powerpoint/2015/main" xmlns="" val="1"/>
               </p:ext>
             </p:extLst>
           </p:nvPr>
@@ -8746,7 +8741,7 @@
   <p:timing>
     <p:tnLst>
       <p:par>
-        <p:cTn id="1" dur="indefinite" restart="never" nodeType="tmRoot"/>
+        <p:cTn xmlns:p14="http://schemas.microsoft.com/office/powerpoint/2010/main" id="1" dur="indefinite" restart="never" nodeType="tmRoot"/>
       </p:par>
     </p:tnLst>
   </p:timing>
@@ -8796,7 +8791,7 @@
     </a:clrScheme>
     <a:fontScheme name="Mesh">
       <a:majorFont>
-        <a:latin typeface="Century Gothic" panose="020B0502020202020204"/>
+        <a:latin typeface="Century Gothic"/>
         <a:ea typeface=""/>
         <a:cs typeface=""/>
         <a:font script="Jpan" typeface="ＭＳ ゴシック"/>
@@ -8831,7 +8826,7 @@
         <a:font script="Geor" typeface="Sylfaen"/>
       </a:majorFont>
       <a:minorFont>
-        <a:latin typeface="Century Gothic" panose="020B0502020202020204"/>
+        <a:latin typeface="Century Gothic"/>
         <a:ea typeface=""/>
         <a:cs typeface=""/>
         <a:font script="Jpan" typeface="ＭＳ ゴシック"/>
@@ -9003,7 +8998,7 @@
   <a:extraClrSchemeLst/>
   <a:extLst>
     <a:ext uri="{05A4C25C-085E-4340-85A3-A5531E510DB2}">
-      <thm15:themeFamily xmlns:thm15="http://schemas.microsoft.com/office/thememl/2012/main" name="Mesh" id="{789EC3FE-34FD-429C-9918-760025E6C145}" vid="{B8BE45C0-8141-4D58-8C71-A009BC26FBBB}"/>
+      <thm15:themeFamily xmlns:thm15="http://schemas.microsoft.com/office/thememl/2012/main" xmlns="" name="Mesh" id="{789EC3FE-34FD-429C-9918-760025E6C145}" vid="{B8BE45C0-8141-4D58-8C71-A009BC26FBBB}"/>
     </a:ext>
   </a:extLst>
 </a:theme>
@@ -9052,7 +9047,7 @@
     </a:clrScheme>
     <a:fontScheme name="Office">
       <a:majorFont>
-        <a:latin typeface="Calibri Light" panose="020F0302020204030204"/>
+        <a:latin typeface="Calibri Light"/>
         <a:ea typeface=""/>
         <a:cs typeface=""/>
         <a:font script="Jpan" typeface="Yu Gothic Light"/>
@@ -9087,7 +9082,7 @@
         <a:font script="Geor" typeface="Sylfaen"/>
       </a:majorFont>
       <a:minorFont>
-        <a:latin typeface="Calibri" panose="020F0502020204030204"/>
+        <a:latin typeface="Calibri"/>
         <a:ea typeface=""/>
         <a:cs typeface=""/>
         <a:font script="Jpan" typeface="Yu Gothic"/>
@@ -9264,7 +9259,7 @@
   <a:extraClrSchemeLst/>
   <a:extLst>
     <a:ext uri="{05A4C25C-085E-4340-85A3-A5531E510DB2}">
-      <thm15:themeFamily xmlns:thm15="http://schemas.microsoft.com/office/thememl/2012/main" name="Office Theme" id="{62F939B6-93AF-4DB8-9C6B-D6C7DFDC589F}" vid="{4A3C46E8-61CC-4603-A589-7422A47A8E4A}"/>
+      <thm15:themeFamily xmlns:thm15="http://schemas.microsoft.com/office/thememl/2012/main" xmlns="" name="Office Theme" id="{62F939B6-93AF-4DB8-9C6B-D6C7DFDC589F}" vid="{4A3C46E8-61CC-4603-A589-7422A47A8E4A}"/>
     </a:ext>
   </a:extLst>
 </a:theme>

--- a/Final Project/finalProjectPresentation_LastName_FirstName.pptx
+++ b/Final Project/finalProjectPresentation_LastName_FirstName.pptx
@@ -118,7 +118,7 @@
   </p:defaultTextStyle>
   <p:extLst>
     <p:ext uri="{EFAFB233-063F-42B5-8137-9DF3F51BA10A}">
-      <p15:sldGuideLst xmlns:p15="http://schemas.microsoft.com/office/powerpoint/2012/main" xmlns=""/>
+      <p15:sldGuideLst xmlns:p15="http://schemas.microsoft.com/office/powerpoint/2012/main"/>
     </p:ext>
   </p:extLst>
 </p:presentation>
@@ -6092,25 +6092,25 @@
           <a:p>
             <a:r>
               <a:rPr lang="en-US" dirty="0" smtClean="0"/>
-              <a:t>CSUMB CST205</a:t>
-            </a:r>
-          </a:p>
-          <a:p>
+              <a:t>CSUMB </a:t>
+            </a:r>
             <a:r>
               <a:rPr lang="en-US" dirty="0" smtClean="0"/>
-              <a:t>PRESENTED BY: DANIEL HOWE, </a:t>
-            </a:r>
-            <a:r>
-              <a:rPr lang="en-US" smtClean="0"/>
-              <a:t>JIWANOT </a:t>
-            </a:r>
-            <a:r>
-              <a:rPr lang="en-US" smtClean="0"/>
-              <a:t>SANDHU</a:t>
-            </a:r>
+              <a:t>CST205</a:t>
+            </a:r>
+          </a:p>
+          <a:p>
             <a:r>
               <a:rPr lang="en-US" dirty="0" smtClean="0"/>
-              <a:t>, ROGELIO MORENO, NIKOLA PETKOV</a:t>
+              <a:t>PRESENTED </a:t>
+            </a:r>
+            <a:r>
+              <a:rPr lang="en-US" dirty="0" smtClean="0"/>
+              <a:t>BY: </a:t>
+            </a:r>
+            <a:r>
+              <a:rPr lang="en-US" dirty="0" smtClean="0"/>
+              <a:t>DANIEL HOWE, JIWANOT SIDHAU, ROGELIO MORENO, NIKOLA PETKOV</a:t>
             </a:r>
             <a:endParaRPr lang="en-US" dirty="0"/>
           </a:p>
@@ -6175,7 +6175,7 @@
   <p:timing>
     <p:tnLst>
       <p:par>
-        <p:cTn xmlns:p14="http://schemas.microsoft.com/office/powerpoint/2010/main" id="1" dur="indefinite" restart="never" nodeType="tmRoot"/>
+        <p:cTn id="1" dur="indefinite" restart="never" nodeType="tmRoot"/>
       </p:par>
     </p:tnLst>
   </p:timing>
@@ -6277,8 +6277,13 @@
           <a:p>
             <a:r>
               <a:rPr lang="en-US" dirty="0" smtClean="0"/>
-              <a:t>Image Credits:</a:t>
-            </a:r>
+              <a:t>Image Credits</a:t>
+            </a:r>
+            <a:r>
+              <a:rPr lang="en-US" dirty="0" smtClean="0"/>
+              <a:t>:</a:t>
+            </a:r>
+            <a:endParaRPr lang="en-US" dirty="0" smtClean="0"/>
           </a:p>
         </p:txBody>
       </p:sp>
@@ -6295,7 +6300,7 @@
   <p:timing>
     <p:tnLst>
       <p:par>
-        <p:cTn xmlns:p14="http://schemas.microsoft.com/office/powerpoint/2010/main" id="1" dur="indefinite" restart="never" nodeType="tmRoot"/>
+        <p:cTn id="1" dur="indefinite" restart="never" nodeType="tmRoot"/>
       </p:par>
     </p:tnLst>
   </p:timing>
@@ -6347,7 +6352,7 @@
           <p:cNvPr id="8" name="Rectangle 7">
             <a:extLst>
               <a:ext uri="{FF2B5EF4-FFF2-40B4-BE49-F238E27FC236}">
-                <a16:creationId xmlns:a16="http://schemas.microsoft.com/office/drawing/2014/main" xmlns="" id="{375136A9-49F9-4DA0-A741-F065B0FA091D}"/>
+                <a16:creationId xmlns="" xmlns:a16="http://schemas.microsoft.com/office/drawing/2014/main" id="{375136A9-49F9-4DA0-A741-F065B0FA091D}"/>
               </a:ext>
             </a:extLst>
           </p:cNvPr>
@@ -6357,7 +6362,7 @@
           <p:nvPr>
             <p:extLst>
               <p:ext uri="{386F3935-93C4-4BCD-93E2-E3B085C9AB24}">
-                <p16:designElem xmlns:p16="http://schemas.microsoft.com/office/powerpoint/2015/main" xmlns="" val="1"/>
+                <p16:designElem xmlns:p16="http://schemas.microsoft.com/office/powerpoint/2015/main" val="1"/>
               </p:ext>
             </p:extLst>
           </p:nvPr>
@@ -6414,7 +6419,7 @@
           <p:cNvPr id="10" name="Rectangle 9">
             <a:extLst>
               <a:ext uri="{FF2B5EF4-FFF2-40B4-BE49-F238E27FC236}">
-                <a16:creationId xmlns:a16="http://schemas.microsoft.com/office/drawing/2014/main" xmlns="" id="{B912F6C7-0423-4B6F-AECE-710C848918FD}"/>
+                <a16:creationId xmlns="" xmlns:a16="http://schemas.microsoft.com/office/drawing/2014/main" id="{B912F6C7-0423-4B6F-AECE-710C848918FD}"/>
               </a:ext>
             </a:extLst>
           </p:cNvPr>
@@ -6424,7 +6429,7 @@
           <p:nvPr>
             <p:extLst>
               <p:ext uri="{386F3935-93C4-4BCD-93E2-E3B085C9AB24}">
-                <p16:designElem xmlns:p16="http://schemas.microsoft.com/office/powerpoint/2015/main" xmlns="" val="1"/>
+                <p16:designElem xmlns:p16="http://schemas.microsoft.com/office/powerpoint/2015/main" val="1"/>
               </p:ext>
             </p:extLst>
           </p:nvPr>
@@ -6492,7 +6497,7 @@
           <p:cNvPr id="12" name="Straight Connector 11">
             <a:extLst>
               <a:ext uri="{FF2B5EF4-FFF2-40B4-BE49-F238E27FC236}">
-                <a16:creationId xmlns:a16="http://schemas.microsoft.com/office/drawing/2014/main" xmlns="" id="{A7208205-03EE-4EC8-9C34-59270C1880D8}"/>
+                <a16:creationId xmlns="" xmlns:a16="http://schemas.microsoft.com/office/drawing/2014/main" id="{A7208205-03EE-4EC8-9C34-59270C1880D8}"/>
               </a:ext>
             </a:extLst>
           </p:cNvPr>
@@ -6502,7 +6507,7 @@
           <p:nvPr>
             <p:extLst>
               <p:ext uri="{386F3935-93C4-4BCD-93E2-E3B085C9AB24}">
-                <p16:designElem xmlns:p16="http://schemas.microsoft.com/office/powerpoint/2015/main" xmlns="" val="1"/>
+                <p16:designElem xmlns:p16="http://schemas.microsoft.com/office/powerpoint/2015/main" val="1"/>
               </p:ext>
             </p:extLst>
           </p:nvPr>
@@ -6661,7 +6666,7 @@
   <p:timing>
     <p:tnLst>
       <p:par>
-        <p:cTn xmlns:p14="http://schemas.microsoft.com/office/powerpoint/2010/main" id="1" dur="indefinite" restart="never" nodeType="tmRoot"/>
+        <p:cTn id="1" dur="indefinite" restart="never" nodeType="tmRoot"/>
       </p:par>
     </p:tnLst>
   </p:timing>
@@ -6848,7 +6853,7 @@
           <p:cNvPr id="8" name="Rectangle 7">
             <a:extLst>
               <a:ext uri="{FF2B5EF4-FFF2-40B4-BE49-F238E27FC236}">
-                <a16:creationId xmlns:a16="http://schemas.microsoft.com/office/drawing/2014/main" xmlns="" id="{375136A9-49F9-4DA0-A741-F065B0FA091D}"/>
+                <a16:creationId xmlns="" xmlns:a16="http://schemas.microsoft.com/office/drawing/2014/main" id="{375136A9-49F9-4DA0-A741-F065B0FA091D}"/>
               </a:ext>
             </a:extLst>
           </p:cNvPr>
@@ -6858,7 +6863,7 @@
           <p:nvPr>
             <p:extLst>
               <p:ext uri="{386F3935-93C4-4BCD-93E2-E3B085C9AB24}">
-                <p16:designElem xmlns:p16="http://schemas.microsoft.com/office/powerpoint/2015/main" xmlns="" val="1"/>
+                <p16:designElem xmlns:p16="http://schemas.microsoft.com/office/powerpoint/2015/main" val="1"/>
               </p:ext>
             </p:extLst>
           </p:nvPr>
@@ -6915,7 +6920,7 @@
           <p:cNvPr id="10" name="Rectangle 9">
             <a:extLst>
               <a:ext uri="{FF2B5EF4-FFF2-40B4-BE49-F238E27FC236}">
-                <a16:creationId xmlns:a16="http://schemas.microsoft.com/office/drawing/2014/main" xmlns="" id="{B912F6C7-0423-4B6F-AECE-710C848918FD}"/>
+                <a16:creationId xmlns="" xmlns:a16="http://schemas.microsoft.com/office/drawing/2014/main" id="{B912F6C7-0423-4B6F-AECE-710C848918FD}"/>
               </a:ext>
             </a:extLst>
           </p:cNvPr>
@@ -6925,7 +6930,7 @@
           <p:nvPr>
             <p:extLst>
               <p:ext uri="{386F3935-93C4-4BCD-93E2-E3B085C9AB24}">
-                <p16:designElem xmlns:p16="http://schemas.microsoft.com/office/powerpoint/2015/main" xmlns="" val="1"/>
+                <p16:designElem xmlns:p16="http://schemas.microsoft.com/office/powerpoint/2015/main" val="1"/>
               </p:ext>
             </p:extLst>
           </p:nvPr>
@@ -6993,7 +6998,7 @@
           <p:cNvPr id="12" name="Straight Connector 11">
             <a:extLst>
               <a:ext uri="{FF2B5EF4-FFF2-40B4-BE49-F238E27FC236}">
-                <a16:creationId xmlns:a16="http://schemas.microsoft.com/office/drawing/2014/main" xmlns="" id="{A7208205-03EE-4EC8-9C34-59270C1880D8}"/>
+                <a16:creationId xmlns="" xmlns:a16="http://schemas.microsoft.com/office/drawing/2014/main" id="{A7208205-03EE-4EC8-9C34-59270C1880D8}"/>
               </a:ext>
             </a:extLst>
           </p:cNvPr>
@@ -7003,7 +7008,7 @@
           <p:nvPr>
             <p:extLst>
               <p:ext uri="{386F3935-93C4-4BCD-93E2-E3B085C9AB24}">
-                <p16:designElem xmlns:p16="http://schemas.microsoft.com/office/powerpoint/2015/main" xmlns="" val="1"/>
+                <p16:designElem xmlns:p16="http://schemas.microsoft.com/office/powerpoint/2015/main" val="1"/>
               </p:ext>
             </p:extLst>
           </p:nvPr>
@@ -7218,7 +7223,7 @@
   <p:timing>
     <p:tnLst>
       <p:par>
-        <p:cTn xmlns:p14="http://schemas.microsoft.com/office/powerpoint/2010/main" id="1" dur="indefinite" restart="never" nodeType="tmRoot"/>
+        <p:cTn id="1" dur="indefinite" restart="never" nodeType="tmRoot"/>
       </p:par>
     </p:tnLst>
   </p:timing>
@@ -7270,7 +7275,7 @@
           <p:cNvPr id="8" name="Rounded Rectangle 9">
             <a:extLst>
               <a:ext uri="{FF2B5EF4-FFF2-40B4-BE49-F238E27FC236}">
-                <a16:creationId xmlns:a16="http://schemas.microsoft.com/office/drawing/2014/main" xmlns="" id="{BCA2EB72-13DC-4DC6-B461-3B036C55B925}"/>
+                <a16:creationId xmlns="" xmlns:a16="http://schemas.microsoft.com/office/drawing/2014/main" id="{BCA2EB72-13DC-4DC6-B461-3B036C55B925}"/>
               </a:ext>
             </a:extLst>
           </p:cNvPr>
@@ -7280,7 +7285,7 @@
           <p:nvPr>
             <p:extLst>
               <p:ext uri="{386F3935-93C4-4BCD-93E2-E3B085C9AB24}">
-                <p16:designElem xmlns:p16="http://schemas.microsoft.com/office/powerpoint/2015/main" xmlns="" val="1"/>
+                <p16:designElem xmlns:p16="http://schemas.microsoft.com/office/powerpoint/2015/main" val="1"/>
               </p:ext>
             </p:extLst>
           </p:nvPr>
@@ -7356,7 +7361,7 @@
           <p:cNvPr id="10" name="Straight Connector 9">
             <a:extLst>
               <a:ext uri="{FF2B5EF4-FFF2-40B4-BE49-F238E27FC236}">
-                <a16:creationId xmlns:a16="http://schemas.microsoft.com/office/drawing/2014/main" xmlns="" id="{C8F75BF3-096E-451E-A222-96A7F0946814}"/>
+                <a16:creationId xmlns="" xmlns:a16="http://schemas.microsoft.com/office/drawing/2014/main" id="{C8F75BF3-096E-451E-A222-96A7F0946814}"/>
               </a:ext>
             </a:extLst>
           </p:cNvPr>
@@ -7366,7 +7371,7 @@
           <p:nvPr>
             <p:extLst>
               <p:ext uri="{386F3935-93C4-4BCD-93E2-E3B085C9AB24}">
-                <p16:designElem xmlns:p16="http://schemas.microsoft.com/office/powerpoint/2015/main" xmlns="" val="1"/>
+                <p16:designElem xmlns:p16="http://schemas.microsoft.com/office/powerpoint/2015/main" val="1"/>
               </p:ext>
             </p:extLst>
           </p:nvPr>
@@ -7454,7 +7459,7 @@
   <p:timing>
     <p:tnLst>
       <p:par>
-        <p:cTn xmlns:p14="http://schemas.microsoft.com/office/powerpoint/2010/main" id="1" dur="indefinite" restart="never" nodeType="tmRoot"/>
+        <p:cTn id="1" dur="indefinite" restart="never" nodeType="tmRoot"/>
       </p:par>
     </p:tnLst>
   </p:timing>
@@ -7506,7 +7511,7 @@
           <p:cNvPr id="8" name="Rectangle 7">
             <a:extLst>
               <a:ext uri="{FF2B5EF4-FFF2-40B4-BE49-F238E27FC236}">
-                <a16:creationId xmlns:a16="http://schemas.microsoft.com/office/drawing/2014/main" xmlns="" id="{375136A9-49F9-4DA0-A741-F065B0FA091D}"/>
+                <a16:creationId xmlns="" xmlns:a16="http://schemas.microsoft.com/office/drawing/2014/main" id="{375136A9-49F9-4DA0-A741-F065B0FA091D}"/>
               </a:ext>
             </a:extLst>
           </p:cNvPr>
@@ -7516,7 +7521,7 @@
           <p:nvPr>
             <p:extLst>
               <p:ext uri="{386F3935-93C4-4BCD-93E2-E3B085C9AB24}">
-                <p16:designElem xmlns:p16="http://schemas.microsoft.com/office/powerpoint/2015/main" xmlns="" val="1"/>
+                <p16:designElem xmlns:p16="http://schemas.microsoft.com/office/powerpoint/2015/main" val="1"/>
               </p:ext>
             </p:extLst>
           </p:nvPr>
@@ -7573,7 +7578,7 @@
           <p:cNvPr id="10" name="Rectangle 9">
             <a:extLst>
               <a:ext uri="{FF2B5EF4-FFF2-40B4-BE49-F238E27FC236}">
-                <a16:creationId xmlns:a16="http://schemas.microsoft.com/office/drawing/2014/main" xmlns="" id="{B912F6C7-0423-4B6F-AECE-710C848918FD}"/>
+                <a16:creationId xmlns="" xmlns:a16="http://schemas.microsoft.com/office/drawing/2014/main" id="{B912F6C7-0423-4B6F-AECE-710C848918FD}"/>
               </a:ext>
             </a:extLst>
           </p:cNvPr>
@@ -7583,7 +7588,7 @@
           <p:nvPr>
             <p:extLst>
               <p:ext uri="{386F3935-93C4-4BCD-93E2-E3B085C9AB24}">
-                <p16:designElem xmlns:p16="http://schemas.microsoft.com/office/powerpoint/2015/main" xmlns="" val="1"/>
+                <p16:designElem xmlns:p16="http://schemas.microsoft.com/office/powerpoint/2015/main" val="1"/>
               </p:ext>
             </p:extLst>
           </p:nvPr>
@@ -7651,7 +7656,7 @@
           <p:cNvPr id="12" name="Straight Connector 11">
             <a:extLst>
               <a:ext uri="{FF2B5EF4-FFF2-40B4-BE49-F238E27FC236}">
-                <a16:creationId xmlns:a16="http://schemas.microsoft.com/office/drawing/2014/main" xmlns="" id="{A7208205-03EE-4EC8-9C34-59270C1880D8}"/>
+                <a16:creationId xmlns="" xmlns:a16="http://schemas.microsoft.com/office/drawing/2014/main" id="{A7208205-03EE-4EC8-9C34-59270C1880D8}"/>
               </a:ext>
             </a:extLst>
           </p:cNvPr>
@@ -7661,7 +7666,7 @@
           <p:nvPr>
             <p:extLst>
               <p:ext uri="{386F3935-93C4-4BCD-93E2-E3B085C9AB24}">
-                <p16:designElem xmlns:p16="http://schemas.microsoft.com/office/powerpoint/2015/main" xmlns="" val="1"/>
+                <p16:designElem xmlns:p16="http://schemas.microsoft.com/office/powerpoint/2015/main" val="1"/>
               </p:ext>
             </p:extLst>
           </p:nvPr>
@@ -7830,7 +7835,7 @@
   <p:timing>
     <p:tnLst>
       <p:par>
-        <p:cTn xmlns:p14="http://schemas.microsoft.com/office/powerpoint/2010/main" id="1" dur="indefinite" restart="never" nodeType="tmRoot"/>
+        <p:cTn id="1" dur="indefinite" restart="never" nodeType="tmRoot"/>
       </p:par>
     </p:tnLst>
   </p:timing>
@@ -7882,7 +7887,7 @@
           <p:cNvPr id="8" name="Rounded Rectangle 9">
             <a:extLst>
               <a:ext uri="{FF2B5EF4-FFF2-40B4-BE49-F238E27FC236}">
-                <a16:creationId xmlns:a16="http://schemas.microsoft.com/office/drawing/2014/main" xmlns="" id="{BCA2EB72-13DC-4DC6-B461-3B036C55B925}"/>
+                <a16:creationId xmlns="" xmlns:a16="http://schemas.microsoft.com/office/drawing/2014/main" id="{BCA2EB72-13DC-4DC6-B461-3B036C55B925}"/>
               </a:ext>
             </a:extLst>
           </p:cNvPr>
@@ -7892,7 +7897,7 @@
           <p:nvPr>
             <p:extLst>
               <p:ext uri="{386F3935-93C4-4BCD-93E2-E3B085C9AB24}">
-                <p16:designElem xmlns:p16="http://schemas.microsoft.com/office/powerpoint/2015/main" xmlns="" val="1"/>
+                <p16:designElem xmlns:p16="http://schemas.microsoft.com/office/powerpoint/2015/main" val="1"/>
               </p:ext>
             </p:extLst>
           </p:nvPr>
@@ -7968,7 +7973,7 @@
           <p:cNvPr id="10" name="Straight Connector 9">
             <a:extLst>
               <a:ext uri="{FF2B5EF4-FFF2-40B4-BE49-F238E27FC236}">
-                <a16:creationId xmlns:a16="http://schemas.microsoft.com/office/drawing/2014/main" xmlns="" id="{C8F75BF3-096E-451E-A222-96A7F0946814}"/>
+                <a16:creationId xmlns="" xmlns:a16="http://schemas.microsoft.com/office/drawing/2014/main" id="{C8F75BF3-096E-451E-A222-96A7F0946814}"/>
               </a:ext>
             </a:extLst>
           </p:cNvPr>
@@ -7978,7 +7983,7 @@
           <p:nvPr>
             <p:extLst>
               <p:ext uri="{386F3935-93C4-4BCD-93E2-E3B085C9AB24}">
-                <p16:designElem xmlns:p16="http://schemas.microsoft.com/office/powerpoint/2015/main" xmlns="" val="1"/>
+                <p16:designElem xmlns:p16="http://schemas.microsoft.com/office/powerpoint/2015/main" val="1"/>
               </p:ext>
             </p:extLst>
           </p:nvPr>
@@ -8066,7 +8071,7 @@
   <p:timing>
     <p:tnLst>
       <p:par>
-        <p:cTn xmlns:p14="http://schemas.microsoft.com/office/powerpoint/2010/main" id="1" dur="indefinite" restart="never" nodeType="tmRoot"/>
+        <p:cTn id="1" dur="indefinite" restart="never" nodeType="tmRoot"/>
       </p:par>
     </p:tnLst>
   </p:timing>
@@ -8118,7 +8123,7 @@
           <p:cNvPr id="8" name="Rectangle 7">
             <a:extLst>
               <a:ext uri="{FF2B5EF4-FFF2-40B4-BE49-F238E27FC236}">
-                <a16:creationId xmlns:a16="http://schemas.microsoft.com/office/drawing/2014/main" xmlns="" id="{375136A9-49F9-4DA0-A741-F065B0FA091D}"/>
+                <a16:creationId xmlns="" xmlns:a16="http://schemas.microsoft.com/office/drawing/2014/main" id="{375136A9-49F9-4DA0-A741-F065B0FA091D}"/>
               </a:ext>
             </a:extLst>
           </p:cNvPr>
@@ -8128,7 +8133,7 @@
           <p:nvPr>
             <p:extLst>
               <p:ext uri="{386F3935-93C4-4BCD-93E2-E3B085C9AB24}">
-                <p16:designElem xmlns:p16="http://schemas.microsoft.com/office/powerpoint/2015/main" xmlns="" val="1"/>
+                <p16:designElem xmlns:p16="http://schemas.microsoft.com/office/powerpoint/2015/main" val="1"/>
               </p:ext>
             </p:extLst>
           </p:nvPr>
@@ -8185,7 +8190,7 @@
           <p:cNvPr id="10" name="Rectangle 9">
             <a:extLst>
               <a:ext uri="{FF2B5EF4-FFF2-40B4-BE49-F238E27FC236}">
-                <a16:creationId xmlns:a16="http://schemas.microsoft.com/office/drawing/2014/main" xmlns="" id="{B912F6C7-0423-4B6F-AECE-710C848918FD}"/>
+                <a16:creationId xmlns="" xmlns:a16="http://schemas.microsoft.com/office/drawing/2014/main" id="{B912F6C7-0423-4B6F-AECE-710C848918FD}"/>
               </a:ext>
             </a:extLst>
           </p:cNvPr>
@@ -8195,7 +8200,7 @@
           <p:nvPr>
             <p:extLst>
               <p:ext uri="{386F3935-93C4-4BCD-93E2-E3B085C9AB24}">
-                <p16:designElem xmlns:p16="http://schemas.microsoft.com/office/powerpoint/2015/main" xmlns="" val="1"/>
+                <p16:designElem xmlns:p16="http://schemas.microsoft.com/office/powerpoint/2015/main" val="1"/>
               </p:ext>
             </p:extLst>
           </p:nvPr>
@@ -8263,7 +8268,7 @@
           <p:cNvPr id="12" name="Straight Connector 11">
             <a:extLst>
               <a:ext uri="{FF2B5EF4-FFF2-40B4-BE49-F238E27FC236}">
-                <a16:creationId xmlns:a16="http://schemas.microsoft.com/office/drawing/2014/main" xmlns="" id="{A7208205-03EE-4EC8-9C34-59270C1880D8}"/>
+                <a16:creationId xmlns="" xmlns:a16="http://schemas.microsoft.com/office/drawing/2014/main" id="{A7208205-03EE-4EC8-9C34-59270C1880D8}"/>
               </a:ext>
             </a:extLst>
           </p:cNvPr>
@@ -8273,7 +8278,7 @@
           <p:nvPr>
             <p:extLst>
               <p:ext uri="{386F3935-93C4-4BCD-93E2-E3B085C9AB24}">
-                <p16:designElem xmlns:p16="http://schemas.microsoft.com/office/powerpoint/2015/main" xmlns="" val="1"/>
+                <p16:designElem xmlns:p16="http://schemas.microsoft.com/office/powerpoint/2015/main" val="1"/>
               </p:ext>
             </p:extLst>
           </p:nvPr>
@@ -8505,7 +8510,7 @@
   <p:timing>
     <p:tnLst>
       <p:par>
-        <p:cTn xmlns:p14="http://schemas.microsoft.com/office/powerpoint/2010/main" id="1" dur="indefinite" restart="never" nodeType="tmRoot"/>
+        <p:cTn id="1" dur="indefinite" restart="never" nodeType="tmRoot"/>
       </p:par>
     </p:tnLst>
   </p:timing>
@@ -8557,7 +8562,7 @@
           <p:cNvPr id="8" name="Rounded Rectangle 9">
             <a:extLst>
               <a:ext uri="{FF2B5EF4-FFF2-40B4-BE49-F238E27FC236}">
-                <a16:creationId xmlns:a16="http://schemas.microsoft.com/office/drawing/2014/main" xmlns="" id="{BCA2EB72-13DC-4DC6-B461-3B036C55B925}"/>
+                <a16:creationId xmlns="" xmlns:a16="http://schemas.microsoft.com/office/drawing/2014/main" id="{BCA2EB72-13DC-4DC6-B461-3B036C55B925}"/>
               </a:ext>
             </a:extLst>
           </p:cNvPr>
@@ -8567,7 +8572,7 @@
           <p:nvPr>
             <p:extLst>
               <p:ext uri="{386F3935-93C4-4BCD-93E2-E3B085C9AB24}">
-                <p16:designElem xmlns:p16="http://schemas.microsoft.com/office/powerpoint/2015/main" xmlns="" val="1"/>
+                <p16:designElem xmlns:p16="http://schemas.microsoft.com/office/powerpoint/2015/main" val="1"/>
               </p:ext>
             </p:extLst>
           </p:nvPr>
@@ -8643,7 +8648,7 @@
           <p:cNvPr id="10" name="Straight Connector 9">
             <a:extLst>
               <a:ext uri="{FF2B5EF4-FFF2-40B4-BE49-F238E27FC236}">
-                <a16:creationId xmlns:a16="http://schemas.microsoft.com/office/drawing/2014/main" xmlns="" id="{C8F75BF3-096E-451E-A222-96A7F0946814}"/>
+                <a16:creationId xmlns="" xmlns:a16="http://schemas.microsoft.com/office/drawing/2014/main" id="{C8F75BF3-096E-451E-A222-96A7F0946814}"/>
               </a:ext>
             </a:extLst>
           </p:cNvPr>
@@ -8653,7 +8658,7 @@
           <p:nvPr>
             <p:extLst>
               <p:ext uri="{386F3935-93C4-4BCD-93E2-E3B085C9AB24}">
-                <p16:designElem xmlns:p16="http://schemas.microsoft.com/office/powerpoint/2015/main" xmlns="" val="1"/>
+                <p16:designElem xmlns:p16="http://schemas.microsoft.com/office/powerpoint/2015/main" val="1"/>
               </p:ext>
             </p:extLst>
           </p:nvPr>
@@ -8741,7 +8746,7 @@
   <p:timing>
     <p:tnLst>
       <p:par>
-        <p:cTn xmlns:p14="http://schemas.microsoft.com/office/powerpoint/2010/main" id="1" dur="indefinite" restart="never" nodeType="tmRoot"/>
+        <p:cTn id="1" dur="indefinite" restart="never" nodeType="tmRoot"/>
       </p:par>
     </p:tnLst>
   </p:timing>
@@ -8791,7 +8796,7 @@
     </a:clrScheme>
     <a:fontScheme name="Mesh">
       <a:majorFont>
-        <a:latin typeface="Century Gothic"/>
+        <a:latin typeface="Century Gothic" panose="020B0502020202020204"/>
         <a:ea typeface=""/>
         <a:cs typeface=""/>
         <a:font script="Jpan" typeface="ＭＳ ゴシック"/>
@@ -8826,7 +8831,7 @@
         <a:font script="Geor" typeface="Sylfaen"/>
       </a:majorFont>
       <a:minorFont>
-        <a:latin typeface="Century Gothic"/>
+        <a:latin typeface="Century Gothic" panose="020B0502020202020204"/>
         <a:ea typeface=""/>
         <a:cs typeface=""/>
         <a:font script="Jpan" typeface="ＭＳ ゴシック"/>
@@ -8998,7 +9003,7 @@
   <a:extraClrSchemeLst/>
   <a:extLst>
     <a:ext uri="{05A4C25C-085E-4340-85A3-A5531E510DB2}">
-      <thm15:themeFamily xmlns:thm15="http://schemas.microsoft.com/office/thememl/2012/main" xmlns="" name="Mesh" id="{789EC3FE-34FD-429C-9918-760025E6C145}" vid="{B8BE45C0-8141-4D58-8C71-A009BC26FBBB}"/>
+      <thm15:themeFamily xmlns:thm15="http://schemas.microsoft.com/office/thememl/2012/main" name="Mesh" id="{789EC3FE-34FD-429C-9918-760025E6C145}" vid="{B8BE45C0-8141-4D58-8C71-A009BC26FBBB}"/>
     </a:ext>
   </a:extLst>
 </a:theme>
@@ -9047,7 +9052,7 @@
     </a:clrScheme>
     <a:fontScheme name="Office">
       <a:majorFont>
-        <a:latin typeface="Calibri Light"/>
+        <a:latin typeface="Calibri Light" panose="020F0302020204030204"/>
         <a:ea typeface=""/>
         <a:cs typeface=""/>
         <a:font script="Jpan" typeface="Yu Gothic Light"/>
@@ -9082,7 +9087,7 @@
         <a:font script="Geor" typeface="Sylfaen"/>
       </a:majorFont>
       <a:minorFont>
-        <a:latin typeface="Calibri"/>
+        <a:latin typeface="Calibri" panose="020F0502020204030204"/>
         <a:ea typeface=""/>
         <a:cs typeface=""/>
         <a:font script="Jpan" typeface="Yu Gothic"/>
@@ -9259,7 +9264,7 @@
   <a:extraClrSchemeLst/>
   <a:extLst>
     <a:ext uri="{05A4C25C-085E-4340-85A3-A5531E510DB2}">
-      <thm15:themeFamily xmlns:thm15="http://schemas.microsoft.com/office/thememl/2012/main" xmlns="" name="Office Theme" id="{62F939B6-93AF-4DB8-9C6B-D6C7DFDC589F}" vid="{4A3C46E8-61CC-4603-A589-7422A47A8E4A}"/>
+      <thm15:themeFamily xmlns:thm15="http://schemas.microsoft.com/office/thememl/2012/main" name="Office Theme" id="{62F939B6-93AF-4DB8-9C6B-D6C7DFDC589F}" vid="{4A3C46E8-61CC-4603-A589-7422A47A8E4A}"/>
     </a:ext>
   </a:extLst>
 </a:theme>

--- a/Final Project/finalProjectPresentation_LastName_FirstName.pptx
+++ b/Final Project/finalProjectPresentation_LastName_FirstName.pptx
@@ -5,19 +5,17 @@
     <p:sldMasterId id="2147483648" r:id="rId1"/>
   </p:sldMasterIdLst>
   <p:notesMasterIdLst>
-    <p:notesMasterId r:id="rId12"/>
+    <p:notesMasterId r:id="rId10"/>
   </p:notesMasterIdLst>
   <p:sldIdLst>
     <p:sldId id="256" r:id="rId2"/>
-    <p:sldId id="279" r:id="rId3"/>
-    <p:sldId id="272" r:id="rId4"/>
-    <p:sldId id="261" r:id="rId5"/>
-    <p:sldId id="273" r:id="rId6"/>
-    <p:sldId id="274" r:id="rId7"/>
-    <p:sldId id="275" r:id="rId8"/>
-    <p:sldId id="276" r:id="rId9"/>
-    <p:sldId id="277" r:id="rId10"/>
-    <p:sldId id="270" r:id="rId11"/>
+    <p:sldId id="277" r:id="rId3"/>
+    <p:sldId id="278" r:id="rId4"/>
+    <p:sldId id="279" r:id="rId5"/>
+    <p:sldId id="280" r:id="rId6"/>
+    <p:sldId id="281" r:id="rId7"/>
+    <p:sldId id="282" r:id="rId8"/>
+    <p:sldId id="283" r:id="rId9"/>
   </p:sldIdLst>
   <p:sldSz cx="12192000" cy="6858000"/>
   <p:notesSz cx="6858000" cy="9144000"/>
@@ -118,7 +116,7 @@
   </p:defaultTextStyle>
   <p:extLst>
     <p:ext uri="{EFAFB233-063F-42B5-8137-9DF3F51BA10A}">
-      <p15:sldGuideLst xmlns:p15="http://schemas.microsoft.com/office/powerpoint/2012/main" xmlns=""/>
+      <p15:sldGuideLst xmlns:p15="http://schemas.microsoft.com/office/powerpoint/2012/main"/>
     </p:ext>
   </p:extLst>
 </p:presentation>
@@ -6054,17 +6052,16 @@
           <a:lstStyle/>
           <a:p>
             <a:r>
-              <a:rPr lang="en-US" dirty="0" smtClean="0"/>
+              <a:rPr lang="en-US" dirty="0"/>
               <a:t>Text Based Game</a:t>
             </a:r>
             <a:br>
-              <a:rPr lang="en-US" dirty="0" smtClean="0"/>
+              <a:rPr lang="en-US" dirty="0"/>
             </a:br>
             <a:r>
-              <a:rPr lang="en-US" dirty="0" smtClean="0"/>
+              <a:rPr lang="en-US" dirty="0"/>
               <a:t>Python Programming</a:t>
             </a:r>
-            <a:endParaRPr lang="en-US" dirty="0"/>
           </a:p>
         </p:txBody>
       </p:sp>
@@ -6080,8 +6077,8 @@
         </p:nvSpPr>
         <p:spPr>
           <a:xfrm>
-            <a:off x="1751012" y="4653644"/>
-            <a:ext cx="8676222" cy="1567541"/>
+            <a:off x="1751012" y="3892062"/>
+            <a:ext cx="8676222" cy="2699703"/>
           </a:xfrm>
         </p:spPr>
         <p:txBody>
@@ -6098,21 +6095,30 @@
           <a:p>
             <a:r>
               <a:rPr lang="en-US" dirty="0" smtClean="0"/>
-              <a:t>PRESENTED BY: DANIEL HOWE, </a:t>
-            </a:r>
-            <a:r>
-              <a:rPr lang="en-US" smtClean="0"/>
-              <a:t>JIWANOT </a:t>
-            </a:r>
-            <a:r>
-              <a:rPr lang="en-US" smtClean="0"/>
-              <a:t>SANDHU</a:t>
-            </a:r>
+              <a:t>PRESENTED BY: </a:t>
+            </a:r>
+          </a:p>
+          <a:p>
             <a:r>
               <a:rPr lang="en-US" dirty="0" smtClean="0"/>
-              <a:t>, ROGELIO MORENO, NIKOLA PETKOV</a:t>
-            </a:r>
-            <a:endParaRPr lang="en-US" dirty="0"/>
+              <a:t>DANIEL HOWE, ROGELIO MORENO, </a:t>
+            </a:r>
+            <a:endParaRPr lang="en-US" dirty="0" smtClean="0"/>
+          </a:p>
+          <a:p>
+            <a:r>
+              <a:rPr lang="en-US" dirty="0" smtClean="0"/>
+              <a:t>JIWANJOT </a:t>
+            </a:r>
+            <a:r>
+              <a:rPr lang="en-US" dirty="0" smtClean="0"/>
+              <a:t>SANDHU, NIKOLA </a:t>
+            </a:r>
+            <a:r>
+              <a:rPr lang="en-US" dirty="0" smtClean="0"/>
+              <a:t>PETKOV</a:t>
+            </a:r>
+            <a:endParaRPr lang="en-US" dirty="0" smtClean="0"/>
           </a:p>
         </p:txBody>
       </p:sp>
@@ -6175,14 +6181,14 @@
   <p:timing>
     <p:tnLst>
       <p:par>
-        <p:cTn xmlns:p14="http://schemas.microsoft.com/office/powerpoint/2010/main" id="1" dur="indefinite" restart="never" nodeType="tmRoot"/>
+        <p:cTn id="1" dur="indefinite" restart="never" nodeType="tmRoot"/>
       </p:par>
     </p:tnLst>
   </p:timing>
 </p:sld>
 </file>
 
-<file path=ppt/slides/slide10.xml><?xml version="1.0" encoding="utf-8"?>
+<file path=ppt/slides/slide2.xml><?xml version="1.0" encoding="utf-8"?>
 <p:sld xmlns:a="http://schemas.openxmlformats.org/drawingml/2006/main" xmlns:r="http://schemas.openxmlformats.org/officeDocument/2006/relationships" xmlns:p="http://schemas.openxmlformats.org/presentationml/2006/main">
   <p:cSld>
     <p:spTree>
@@ -6199,85 +6205,84 @@
           <a:chExt cx="0" cy="0"/>
         </a:xfrm>
       </p:grpSpPr>
-      <p:sp>
-        <p:nvSpPr>
-          <p:cNvPr id="3" name="Content Placeholder 2"/>
-          <p:cNvSpPr>
-            <a:spLocks noGrp="1"/>
-          </p:cNvSpPr>
-          <p:nvPr>
-            <p:ph idx="1"/>
-          </p:nvPr>
-        </p:nvSpPr>
+      <p:pic>
+        <p:nvPicPr>
+          <p:cNvPr id="3" name="Picture 2"/>
+          <p:cNvPicPr>
+            <a:picLocks noChangeAspect="1"/>
+          </p:cNvPicPr>
+          <p:nvPr/>
+        </p:nvPicPr>
+        <p:blipFill rotWithShape="1">
+          <a:blip r:embed="rId2">
+            <a:duotone>
+              <a:prstClr val="black"/>
+              <a:schemeClr val="bg1">
+                <a:tint val="45000"/>
+                <a:satMod val="400000"/>
+              </a:schemeClr>
+            </a:duotone>
+            <a:alphaModFix amt="25000"/>
+            <a:extLst>
+              <a:ext uri="{28A0092B-C50C-407E-A947-70E740481C1C}">
+                <a14:useLocalDpi xmlns:a14="http://schemas.microsoft.com/office/drawing/2010/main" val="0"/>
+              </a:ext>
+            </a:extLst>
+          </a:blip>
+          <a:srcRect t="38989" r="1" b="5324"/>
+          <a:stretch/>
+        </p:blipFill>
         <p:spPr>
           <a:xfrm>
-            <a:off x="1009112" y="1754637"/>
-            <a:ext cx="10170600" cy="2301616"/>
-          </a:xfrm>
-        </p:spPr>
-        <p:txBody>
-          <a:bodyPr>
-            <a:normAutofit/>
-          </a:bodyPr>
-          <a:lstStyle/>
-          <a:p>
-            <a:pPr marL="0" indent="0" algn="ctr">
-              <a:buNone/>
-            </a:pPr>
-            <a:r>
-              <a:rPr lang="en-US" sz="4800" cap="none" dirty="0" smtClean="0">
-                <a:solidFill>
-                  <a:schemeClr val="tx1"/>
-                </a:solidFill>
-                <a:ea typeface="Andale Mono" charset="0"/>
-                <a:cs typeface="Andale Mono" charset="0"/>
-              </a:rPr>
-              <a:t>Wrap up</a:t>
-            </a:r>
-            <a:endParaRPr lang="en-US" sz="4800" cap="none" dirty="0">
-              <a:solidFill>
-                <a:schemeClr val="tx1"/>
-              </a:solidFill>
-              <a:ea typeface="Andale Mono" charset="0"/>
-              <a:cs typeface="Andale Mono" charset="0"/>
-            </a:endParaRPr>
-          </a:p>
-        </p:txBody>
-      </p:sp>
-      <p:sp>
-        <p:nvSpPr>
-          <p:cNvPr id="4" name="TextBox 3"/>
-          <p:cNvSpPr txBox="1"/>
-          <p:nvPr/>
-        </p:nvSpPr>
-        <p:spPr>
-          <a:xfrm>
-            <a:off x="1349230" y="4991699"/>
-            <a:ext cx="9490364" cy="923330"/>
+            <a:off x="20" y="10"/>
+            <a:ext cx="12191980" cy="6857990"/>
           </a:xfrm>
           <a:prstGeom prst="rect">
             <a:avLst/>
           </a:prstGeom>
-          <a:noFill/>
         </p:spPr>
-        <p:txBody>
-          <a:bodyPr wrap="square" rtlCol="0">
-            <a:spAutoFit/>
+      </p:pic>
+      <p:sp>
+        <p:nvSpPr>
+          <p:cNvPr id="2" name="Title 1"/>
+          <p:cNvSpPr>
+            <a:spLocks noGrp="1"/>
+          </p:cNvSpPr>
+          <p:nvPr>
+            <p:ph type="title"/>
+          </p:nvPr>
+        </p:nvSpPr>
+        <p:spPr>
+          <a:xfrm>
+            <a:off x="1751012" y="609601"/>
+            <a:ext cx="8676222" cy="3200400"/>
+          </a:xfrm>
+        </p:spPr>
+        <p:txBody>
+          <a:bodyPr vert="horz" lIns="91440" tIns="45720" rIns="91440" bIns="45720" rtlCol="0" anchor="b">
+            <a:normAutofit/>
           </a:bodyPr>
           <a:lstStyle/>
           <a:p>
-            <a:r>
-              <a:rPr lang="en-US" dirty="0" smtClean="0"/>
-              <a:t>Learning Resources: </a:t>
-            </a:r>
-          </a:p>
-          <a:p>
-            <a:endParaRPr lang="en-US" dirty="0" smtClean="0"/>
-          </a:p>
-          <a:p>
-            <a:r>
-              <a:rPr lang="en-US" dirty="0" smtClean="0"/>
-              <a:t>Image Credits:</a:t>
+            <a:pPr algn="ctr"/>
+            <a:r>
+              <a:rPr lang="en-US" sz="4800" dirty="0">
+                <a:effectLst>
+                  <a:glow rad="38100">
+                    <a:schemeClr val="bg1">
+                      <a:lumMod val="65000"/>
+                      <a:lumOff val="35000"/>
+                      <a:alpha val="50000"/>
+                    </a:schemeClr>
+                  </a:glow>
+                  <a:outerShdw blurRad="28575" dist="31750" dir="13200000" algn="tl" rotWithShape="0">
+                    <a:srgbClr val="000000">
+                      <a:alpha val="25000"/>
+                    </a:srgbClr>
+                  </a:outerShdw>
+                </a:effectLst>
+              </a:rPr>
+              <a:t>Objective</a:t>
             </a:r>
           </a:p>
         </p:txBody>
@@ -6285,386 +6290,13 @@
     </p:spTree>
     <p:extLst>
       <p:ext uri="{BB962C8B-B14F-4D97-AF65-F5344CB8AC3E}">
-        <p14:creationId xmlns:p14="http://schemas.microsoft.com/office/powerpoint/2010/main" val="1853800954"/>
+        <p14:creationId xmlns:p14="http://schemas.microsoft.com/office/powerpoint/2010/main" val="2090644850"/>
       </p:ext>
     </p:extLst>
   </p:cSld>
   <p:clrMapOvr>
     <a:masterClrMapping/>
   </p:clrMapOvr>
-  <p:timing>
-    <p:tnLst>
-      <p:par>
-        <p:cTn xmlns:p14="http://schemas.microsoft.com/office/powerpoint/2010/main" id="1" dur="indefinite" restart="never" nodeType="tmRoot"/>
-      </p:par>
-    </p:tnLst>
-  </p:timing>
-</p:sld>
-</file>
-
-<file path=ppt/slides/slide2.xml><?xml version="1.0" encoding="utf-8"?>
-<p:sld xmlns:a="http://schemas.openxmlformats.org/drawingml/2006/main" xmlns:r="http://schemas.openxmlformats.org/officeDocument/2006/relationships" xmlns:p="http://schemas.openxmlformats.org/presentationml/2006/main">
-  <p:cSld>
-    <p:bg>
-      <p:bgPr>
-        <a:blipFill rotWithShape="1">
-          <a:blip r:embed="rId2">
-            <a:duotone>
-              <a:schemeClr val="bg2">
-                <a:shade val="28000"/>
-                <a:satMod val="94000"/>
-                <a:lumMod val="20000"/>
-              </a:schemeClr>
-              <a:schemeClr val="bg2">
-                <a:tint val="94000"/>
-                <a:shade val="84000"/>
-                <a:satMod val="148000"/>
-                <a:lumMod val="114000"/>
-              </a:schemeClr>
-            </a:duotone>
-          </a:blip>
-          <a:stretch/>
-        </a:blipFill>
-        <a:effectLst/>
-      </p:bgPr>
-    </p:bg>
-    <p:spTree>
-      <p:nvGrpSpPr>
-        <p:cNvPr id="1" name=""/>
-        <p:cNvGrpSpPr/>
-        <p:nvPr/>
-      </p:nvGrpSpPr>
-      <p:grpSpPr>
-        <a:xfrm>
-          <a:off x="0" y="0"/>
-          <a:ext cx="0" cy="0"/>
-          <a:chOff x="0" y="0"/>
-          <a:chExt cx="0" cy="0"/>
-        </a:xfrm>
-      </p:grpSpPr>
-      <p:sp>
-        <p:nvSpPr>
-          <p:cNvPr id="8" name="Rectangle 7">
-            <a:extLst>
-              <a:ext uri="{FF2B5EF4-FFF2-40B4-BE49-F238E27FC236}">
-                <a16:creationId xmlns:a16="http://schemas.microsoft.com/office/drawing/2014/main" xmlns="" id="{375136A9-49F9-4DA0-A741-F065B0FA091D}"/>
-              </a:ext>
-            </a:extLst>
-          </p:cNvPr>
-          <p:cNvSpPr>
-            <a:spLocks noGrp="1" noRot="1" noChangeAspect="1" noMove="1" noResize="1" noEditPoints="1" noAdjustHandles="1" noChangeArrowheads="1" noChangeShapeType="1" noTextEdit="1"/>
-          </p:cNvSpPr>
-          <p:nvPr>
-            <p:extLst>
-              <p:ext uri="{386F3935-93C4-4BCD-93E2-E3B085C9AB24}">
-                <p16:designElem xmlns:p16="http://schemas.microsoft.com/office/powerpoint/2015/main" xmlns="" val="1"/>
-              </p:ext>
-            </p:extLst>
-          </p:nvPr>
-        </p:nvSpPr>
-        <p:spPr>
-          <a:xfrm>
-            <a:off x="4633356" y="0"/>
-            <a:ext cx="7558643" cy="6858000"/>
-          </a:xfrm>
-          <a:prstGeom prst="rect">
-            <a:avLst/>
-          </a:prstGeom>
-          <a:solidFill>
-            <a:schemeClr val="bg2"/>
-          </a:solidFill>
-          <a:ln>
-            <a:noFill/>
-          </a:ln>
-          <a:effectLst>
-            <a:innerShdw blurRad="63500" dist="50800" dir="10800000">
-              <a:prstClr val="black">
-                <a:alpha val="50000"/>
-              </a:prstClr>
-            </a:innerShdw>
-          </a:effectLst>
-        </p:spPr>
-        <p:style>
-          <a:lnRef idx="2">
-            <a:schemeClr val="accent1">
-              <a:shade val="50000"/>
-            </a:schemeClr>
-          </a:lnRef>
-          <a:fillRef idx="1">
-            <a:schemeClr val="accent1"/>
-          </a:fillRef>
-          <a:effectRef idx="0">
-            <a:schemeClr val="accent1"/>
-          </a:effectRef>
-          <a:fontRef idx="minor">
-            <a:schemeClr val="lt1"/>
-          </a:fontRef>
-        </p:style>
-        <p:txBody>
-          <a:bodyPr rtlCol="0" anchor="ctr"/>
-          <a:lstStyle/>
-          <a:p>
-            <a:pPr algn="ctr"/>
-            <a:endParaRPr lang="en-US" dirty="0"/>
-          </a:p>
-        </p:txBody>
-      </p:sp>
-      <p:sp>
-        <p:nvSpPr>
-          <p:cNvPr id="10" name="Rectangle 9">
-            <a:extLst>
-              <a:ext uri="{FF2B5EF4-FFF2-40B4-BE49-F238E27FC236}">
-                <a16:creationId xmlns:a16="http://schemas.microsoft.com/office/drawing/2014/main" xmlns="" id="{B912F6C7-0423-4B6F-AECE-710C848918FD}"/>
-              </a:ext>
-            </a:extLst>
-          </p:cNvPr>
-          <p:cNvSpPr>
-            <a:spLocks noGrp="1" noRot="1" noChangeAspect="1" noMove="1" noResize="1" noEditPoints="1" noAdjustHandles="1" noChangeArrowheads="1" noChangeShapeType="1" noTextEdit="1"/>
-          </p:cNvSpPr>
-          <p:nvPr>
-            <p:extLst>
-              <p:ext uri="{386F3935-93C4-4BCD-93E2-E3B085C9AB24}">
-                <p16:designElem xmlns:p16="http://schemas.microsoft.com/office/powerpoint/2015/main" xmlns="" val="1"/>
-              </p:ext>
-            </p:extLst>
-          </p:nvPr>
-        </p:nvSpPr>
-        <p:spPr>
-          <a:xfrm rot="5400000" flipH="1">
-            <a:off x="1446539" y="3195797"/>
-            <a:ext cx="6858000" cy="466406"/>
-          </a:xfrm>
-          <a:prstGeom prst="rect">
-            <a:avLst/>
-          </a:prstGeom>
-          <a:gradFill>
-            <a:gsLst>
-              <a:gs pos="0">
-                <a:srgbClr val="363D46">
-                  <a:alpha val="0"/>
-                </a:srgbClr>
-              </a:gs>
-              <a:gs pos="100000">
-                <a:srgbClr val="363D46">
-                  <a:lumMod val="75000"/>
-                </a:srgbClr>
-              </a:gs>
-            </a:gsLst>
-            <a:lin ang="5400000" scaled="0"/>
-          </a:gradFill>
-          <a:ln>
-            <a:noFill/>
-          </a:ln>
-          <a:effectLst/>
-        </p:spPr>
-        <p:style>
-          <a:lnRef idx="2">
-            <a:schemeClr val="accent1">
-              <a:shade val="50000"/>
-            </a:schemeClr>
-          </a:lnRef>
-          <a:fillRef idx="1">
-            <a:schemeClr val="accent1"/>
-          </a:fillRef>
-          <a:effectRef idx="0">
-            <a:schemeClr val="accent1"/>
-          </a:effectRef>
-          <a:fontRef idx="minor">
-            <a:schemeClr val="lt1"/>
-          </a:fontRef>
-        </p:style>
-        <p:txBody>
-          <a:bodyPr rot="0" spcFirstLastPara="0" vertOverflow="overflow" horzOverflow="overflow" vert="horz" wrap="square" lIns="91440" tIns="45720" rIns="91440" bIns="45720" numCol="1" spcCol="0" rtlCol="0" fromWordArt="0" anchor="ctr" anchorCtr="0" forceAA="0" compatLnSpc="1">
-            <a:prstTxWarp prst="textNoShape">
-              <a:avLst/>
-            </a:prstTxWarp>
-            <a:noAutofit/>
-          </a:bodyPr>
-          <a:lstStyle/>
-          <a:p>
-            <a:pPr algn="ctr"/>
-            <a:endParaRPr lang="en-US"/>
-          </a:p>
-        </p:txBody>
-      </p:sp>
-      <p:cxnSp>
-        <p:nvCxnSpPr>
-          <p:cNvPr id="12" name="Straight Connector 11">
-            <a:extLst>
-              <a:ext uri="{FF2B5EF4-FFF2-40B4-BE49-F238E27FC236}">
-                <a16:creationId xmlns:a16="http://schemas.microsoft.com/office/drawing/2014/main" xmlns="" id="{A7208205-03EE-4EC8-9C34-59270C1880D8}"/>
-              </a:ext>
-            </a:extLst>
-          </p:cNvPr>
-          <p:cNvCxnSpPr>
-            <a:cxnSpLocks noGrp="1" noRot="1" noChangeAspect="1" noMove="1" noResize="1" noEditPoints="1" noAdjustHandles="1" noChangeArrowheads="1" noChangeShapeType="1"/>
-          </p:cNvCxnSpPr>
-          <p:nvPr>
-            <p:extLst>
-              <p:ext uri="{386F3935-93C4-4BCD-93E2-E3B085C9AB24}">
-                <p16:designElem xmlns:p16="http://schemas.microsoft.com/office/powerpoint/2015/main" xmlns="" val="1"/>
-              </p:ext>
-            </p:extLst>
-          </p:nvPr>
-        </p:nvCxnSpPr>
-        <p:spPr>
-          <a:xfrm>
-            <a:off x="4642336" y="0"/>
-            <a:ext cx="0" cy="6858000"/>
-          </a:xfrm>
-          <a:prstGeom prst="line">
-            <a:avLst/>
-          </a:prstGeom>
-          <a:solidFill>
-            <a:srgbClr val="FFFFFF"/>
-          </a:solidFill>
-          <a:ln w="38100" cap="flat">
-            <a:gradFill flip="none" rotWithShape="1">
-              <a:gsLst>
-                <a:gs pos="0">
-                  <a:srgbClr val="363D46"/>
-                </a:gs>
-                <a:gs pos="100000">
-                  <a:srgbClr val="363D46">
-                    <a:lumMod val="75000"/>
-                  </a:srgbClr>
-                </a:gs>
-              </a:gsLst>
-              <a:lin ang="5400000" scaled="0"/>
-              <a:tileRect/>
-            </a:gradFill>
-            <a:miter lim="800000"/>
-          </a:ln>
-          <a:effectLst>
-            <a:innerShdw blurRad="57150" dist="38100" dir="14460000">
-              <a:srgbClr val="000000">
-                <a:alpha val="70000"/>
-              </a:srgbClr>
-            </a:innerShdw>
-          </a:effectLst>
-        </p:spPr>
-        <p:style>
-          <a:lnRef idx="2">
-            <a:schemeClr val="accent1">
-              <a:shade val="50000"/>
-            </a:schemeClr>
-          </a:lnRef>
-          <a:fillRef idx="1">
-            <a:schemeClr val="accent1"/>
-          </a:fillRef>
-          <a:effectRef idx="0">
-            <a:schemeClr val="accent1"/>
-          </a:effectRef>
-          <a:fontRef idx="minor">
-            <a:schemeClr val="lt1"/>
-          </a:fontRef>
-        </p:style>
-      </p:cxnSp>
-      <p:sp>
-        <p:nvSpPr>
-          <p:cNvPr id="2" name="Title 1"/>
-          <p:cNvSpPr>
-            <a:spLocks noGrp="1"/>
-          </p:cNvSpPr>
-          <p:nvPr>
-            <p:ph type="title"/>
-          </p:nvPr>
-        </p:nvSpPr>
-        <p:spPr>
-          <a:xfrm>
-            <a:off x="974179" y="714375"/>
-            <a:ext cx="3332955" cy="5076826"/>
-          </a:xfrm>
-        </p:spPr>
-        <p:txBody>
-          <a:bodyPr anchor="ctr">
-            <a:normAutofit/>
-          </a:bodyPr>
-          <a:lstStyle/>
-          <a:p>
-            <a:r>
-              <a:rPr lang="en-US" sz="3100" dirty="0" smtClean="0"/>
-              <a:t>Overview</a:t>
-            </a:r>
-            <a:endParaRPr lang="en-US" sz="3100" dirty="0"/>
-          </a:p>
-        </p:txBody>
-      </p:sp>
-      <p:sp>
-        <p:nvSpPr>
-          <p:cNvPr id="3" name="Content Placeholder 2"/>
-          <p:cNvSpPr>
-            <a:spLocks noGrp="1"/>
-          </p:cNvSpPr>
-          <p:nvPr>
-            <p:ph idx="1"/>
-          </p:nvPr>
-        </p:nvSpPr>
-        <p:spPr>
-          <a:xfrm>
-            <a:off x="4973046" y="714375"/>
-            <a:ext cx="6253751" cy="5076825"/>
-          </a:xfrm>
-        </p:spPr>
-        <p:txBody>
-          <a:bodyPr>
-            <a:normAutofit/>
-          </a:bodyPr>
-          <a:lstStyle/>
-          <a:p>
-            <a:r>
-              <a:rPr lang="en-US" dirty="0" smtClean="0">
-                <a:solidFill>
-                  <a:schemeClr val="tx1"/>
-                </a:solidFill>
-              </a:rPr>
-              <a:t>OBJECTIVE</a:t>
-            </a:r>
-          </a:p>
-          <a:p>
-            <a:r>
-              <a:rPr lang="en-US" dirty="0" smtClean="0">
-                <a:solidFill>
-                  <a:schemeClr val="tx1"/>
-                </a:solidFill>
-              </a:rPr>
-              <a:t>APPROACH</a:t>
-            </a:r>
-          </a:p>
-          <a:p>
-            <a:r>
-              <a:rPr lang="en-US" dirty="0" smtClean="0">
-                <a:solidFill>
-                  <a:schemeClr val="tx1"/>
-                </a:solidFill>
-              </a:rPr>
-              <a:t>RESULTS</a:t>
-            </a:r>
-            <a:endParaRPr lang="en-US" dirty="0">
-              <a:solidFill>
-                <a:schemeClr val="tx1"/>
-              </a:solidFill>
-            </a:endParaRPr>
-          </a:p>
-        </p:txBody>
-      </p:sp>
-    </p:spTree>
-    <p:extLst>
-      <p:ext uri="{BB962C8B-B14F-4D97-AF65-F5344CB8AC3E}">
-        <p14:creationId xmlns:p14="http://schemas.microsoft.com/office/powerpoint/2010/main" val="639169079"/>
-      </p:ext>
-    </p:extLst>
-  </p:cSld>
-  <p:clrMapOvr>
-    <a:masterClrMapping/>
-  </p:clrMapOvr>
-  <p:timing>
-    <p:tnLst>
-      <p:par>
-        <p:cTn xmlns:p14="http://schemas.microsoft.com/office/powerpoint/2010/main" id="1" dur="indefinite" restart="never" nodeType="tmRoot"/>
-      </p:par>
-    </p:tnLst>
-  </p:timing>
 </p:sld>
 </file>
 
@@ -6708,84 +6340,711 @@
           <a:chExt cx="0" cy="0"/>
         </a:xfrm>
       </p:grpSpPr>
-      <p:pic>
-        <p:nvPicPr>
-          <p:cNvPr id="3" name="Picture 2"/>
-          <p:cNvPicPr>
-            <a:picLocks noChangeAspect="1"/>
-          </p:cNvPicPr>
-          <p:nvPr/>
-        </p:nvPicPr>
-        <p:blipFill rotWithShape="1">
-          <a:blip r:embed="rId3">
-            <a:duotone>
-              <a:prstClr val="black"/>
-              <a:schemeClr val="bg1">
-                <a:tint val="45000"/>
-                <a:satMod val="400000"/>
-              </a:schemeClr>
-            </a:duotone>
-            <a:alphaModFix amt="25000"/>
+      <p:sp>
+        <p:nvSpPr>
+          <p:cNvPr id="8" name="Rectangle 7">
             <a:extLst>
-              <a:ext uri="{28A0092B-C50C-407E-A947-70E740481C1C}">
-                <a14:useLocalDpi xmlns:a14="http://schemas.microsoft.com/office/drawing/2010/main" val="0"/>
+              <a:ext uri="{FF2B5EF4-FFF2-40B4-BE49-F238E27FC236}">
+                <a16:creationId xmlns="" xmlns:a16="http://schemas.microsoft.com/office/drawing/2014/main" id="{5690F3EE-0CD1-4520-B020-4E1DF3141C74}"/>
               </a:ext>
             </a:extLst>
-          </a:blip>
-          <a:srcRect t="38989" r="1" b="5324"/>
-          <a:stretch/>
-        </p:blipFill>
+          </p:cNvPr>
+          <p:cNvSpPr>
+            <a:spLocks noGrp="1" noRot="1" noChangeAspect="1" noMove="1" noResize="1" noEditPoints="1" noAdjustHandles="1" noChangeArrowheads="1" noChangeShapeType="1" noTextEdit="1"/>
+          </p:cNvSpPr>
+          <p:nvPr>
+            <p:extLst>
+              <p:ext uri="{386F3935-93C4-4BCD-93E2-E3B085C9AB24}">
+                <p16:designElem xmlns:p16="http://schemas.microsoft.com/office/powerpoint/2015/main" val="1"/>
+              </p:ext>
+            </p:extLst>
+          </p:nvPr>
+        </p:nvSpPr>
         <p:spPr>
           <a:xfrm>
-            <a:off x="20" y="10"/>
-            <a:ext cx="12191980" cy="6857990"/>
+            <a:off x="0" y="-1"/>
+            <a:ext cx="12192000" cy="6858001"/>
           </a:xfrm>
           <a:prstGeom prst="rect">
             <a:avLst/>
           </a:prstGeom>
+          <a:solidFill>
+            <a:schemeClr val="bg2"/>
+          </a:solidFill>
+          <a:ln>
+            <a:noFill/>
+          </a:ln>
         </p:spPr>
-      </p:pic>
-      <p:sp>
-        <p:nvSpPr>
-          <p:cNvPr id="2" name="Title 1"/>
-          <p:cNvSpPr>
-            <a:spLocks noGrp="1"/>
-          </p:cNvSpPr>
-          <p:nvPr>
-            <p:ph type="title"/>
+        <p:style>
+          <a:lnRef idx="2">
+            <a:schemeClr val="accent1">
+              <a:shade val="50000"/>
+            </a:schemeClr>
+          </a:lnRef>
+          <a:fillRef idx="1">
+            <a:schemeClr val="accent1"/>
+          </a:fillRef>
+          <a:effectRef idx="0">
+            <a:schemeClr val="accent1"/>
+          </a:effectRef>
+          <a:fontRef idx="minor">
+            <a:schemeClr val="lt1"/>
+          </a:fontRef>
+        </p:style>
+        <p:txBody>
+          <a:bodyPr rtlCol="0" anchor="ctr"/>
+          <a:lstStyle/>
+          <a:p>
+            <a:pPr algn="ctr"/>
+            <a:endParaRPr lang="en-US"/>
+          </a:p>
+        </p:txBody>
+      </p:sp>
+      <p:sp useBgFill="1">
+        <p:nvSpPr>
+          <p:cNvPr id="10" name="Freeform: Shape 9">
+            <a:extLst>
+              <a:ext uri="{FF2B5EF4-FFF2-40B4-BE49-F238E27FC236}">
+                <a16:creationId xmlns="" xmlns:a16="http://schemas.microsoft.com/office/drawing/2014/main" id="{9EFDE1E9-7FE0-45CA-9DE2-237F77319A9F}"/>
+              </a:ext>
+            </a:extLst>
+          </p:cNvPr>
+          <p:cNvSpPr>
+            <a:spLocks noGrp="1" noRot="1" noChangeAspect="1" noMove="1" noResize="1" noEditPoints="1" noAdjustHandles="1" noChangeArrowheads="1" noChangeShapeType="1" noTextEdit="1"/>
+          </p:cNvSpPr>
+          <p:nvPr>
+            <p:extLst>
+              <p:ext uri="{386F3935-93C4-4BCD-93E2-E3B085C9AB24}">
+                <p16:designElem xmlns:p16="http://schemas.microsoft.com/office/powerpoint/2015/main" val="1"/>
+              </p:ext>
+            </p:extLst>
           </p:nvPr>
         </p:nvSpPr>
         <p:spPr>
           <a:xfrm>
-            <a:off x="1751012" y="609601"/>
-            <a:ext cx="8676222" cy="3200400"/>
+            <a:off x="0" y="-1"/>
+            <a:ext cx="12192000" cy="2270840"/>
+          </a:xfrm>
+          <a:custGeom>
+            <a:avLst/>
+            <a:gdLst>
+              <a:gd name="connsiteX0" fmla="*/ 0 w 12192000"/>
+              <a:gd name="connsiteY0" fmla="*/ 0 h 2270840"/>
+              <a:gd name="connsiteX1" fmla="*/ 12192000 w 12192000"/>
+              <a:gd name="connsiteY1" fmla="*/ 0 h 2270840"/>
+              <a:gd name="connsiteX2" fmla="*/ 12192000 w 12192000"/>
+              <a:gd name="connsiteY2" fmla="*/ 519831 h 2270840"/>
+              <a:gd name="connsiteX3" fmla="*/ 12192000 w 12192000"/>
+              <a:gd name="connsiteY3" fmla="*/ 744794 h 2270840"/>
+              <a:gd name="connsiteX4" fmla="*/ 12192000 w 12192000"/>
+              <a:gd name="connsiteY4" fmla="*/ 1754022 h 2270840"/>
+              <a:gd name="connsiteX5" fmla="*/ 11957522 w 12192000"/>
+              <a:gd name="connsiteY5" fmla="*/ 1797924 h 2270840"/>
+              <a:gd name="connsiteX6" fmla="*/ 11679973 w 12192000"/>
+              <a:gd name="connsiteY6" fmla="*/ 1847668 h 2270840"/>
+              <a:gd name="connsiteX7" fmla="*/ 11401197 w 12192000"/>
+              <a:gd name="connsiteY7" fmla="*/ 1896361 h 2270840"/>
+              <a:gd name="connsiteX8" fmla="*/ 11121192 w 12192000"/>
+              <a:gd name="connsiteY8" fmla="*/ 1938047 h 2270840"/>
+              <a:gd name="connsiteX9" fmla="*/ 10842416 w 12192000"/>
+              <a:gd name="connsiteY9" fmla="*/ 1980084 h 2270840"/>
+              <a:gd name="connsiteX10" fmla="*/ 10562411 w 12192000"/>
+              <a:gd name="connsiteY10" fmla="*/ 2019319 h 2270840"/>
+              <a:gd name="connsiteX11" fmla="*/ 10286091 w 12192000"/>
+              <a:gd name="connsiteY11" fmla="*/ 2052948 h 2270840"/>
+              <a:gd name="connsiteX12" fmla="*/ 10006086 w 12192000"/>
+              <a:gd name="connsiteY12" fmla="*/ 2084826 h 2270840"/>
+              <a:gd name="connsiteX13" fmla="*/ 9727310 w 12192000"/>
+              <a:gd name="connsiteY13" fmla="*/ 2113902 h 2270840"/>
+              <a:gd name="connsiteX14" fmla="*/ 9453445 w 12192000"/>
+              <a:gd name="connsiteY14" fmla="*/ 2139124 h 2270840"/>
+              <a:gd name="connsiteX15" fmla="*/ 9175897 w 12192000"/>
+              <a:gd name="connsiteY15" fmla="*/ 2164346 h 2270840"/>
+              <a:gd name="connsiteX16" fmla="*/ 8902033 w 12192000"/>
+              <a:gd name="connsiteY16" fmla="*/ 2185365 h 2270840"/>
+              <a:gd name="connsiteX17" fmla="*/ 8628169 w 12192000"/>
+              <a:gd name="connsiteY17" fmla="*/ 2201829 h 2270840"/>
+              <a:gd name="connsiteX18" fmla="*/ 8355533 w 12192000"/>
+              <a:gd name="connsiteY18" fmla="*/ 2218995 h 2270840"/>
+              <a:gd name="connsiteX19" fmla="*/ 8085353 w 12192000"/>
+              <a:gd name="connsiteY19" fmla="*/ 2233357 h 2270840"/>
+              <a:gd name="connsiteX20" fmla="*/ 7817629 w 12192000"/>
+              <a:gd name="connsiteY20" fmla="*/ 2243516 h 2270840"/>
+              <a:gd name="connsiteX21" fmla="*/ 7549905 w 12192000"/>
+              <a:gd name="connsiteY21" fmla="*/ 2252274 h 2270840"/>
+              <a:gd name="connsiteX22" fmla="*/ 7284638 w 12192000"/>
+              <a:gd name="connsiteY22" fmla="*/ 2260681 h 2270840"/>
+              <a:gd name="connsiteX23" fmla="*/ 7023055 w 12192000"/>
+              <a:gd name="connsiteY23" fmla="*/ 2264535 h 2270840"/>
+              <a:gd name="connsiteX24" fmla="*/ 6761472 w 12192000"/>
+              <a:gd name="connsiteY24" fmla="*/ 2268738 h 2270840"/>
+              <a:gd name="connsiteX25" fmla="*/ 6503573 w 12192000"/>
+              <a:gd name="connsiteY25" fmla="*/ 2270840 h 2270840"/>
+              <a:gd name="connsiteX26" fmla="*/ 6248130 w 12192000"/>
+              <a:gd name="connsiteY26" fmla="*/ 2268738 h 2270840"/>
+              <a:gd name="connsiteX27" fmla="*/ 5995144 w 12192000"/>
+              <a:gd name="connsiteY27" fmla="*/ 2268738 h 2270840"/>
+              <a:gd name="connsiteX28" fmla="*/ 5744613 w 12192000"/>
+              <a:gd name="connsiteY28" fmla="*/ 2264535 h 2270840"/>
+              <a:gd name="connsiteX29" fmla="*/ 5498995 w 12192000"/>
+              <a:gd name="connsiteY29" fmla="*/ 2258229 h 2270840"/>
+              <a:gd name="connsiteX30" fmla="*/ 5255834 w 12192000"/>
+              <a:gd name="connsiteY30" fmla="*/ 2252274 h 2270840"/>
+              <a:gd name="connsiteX31" fmla="*/ 5017584 w 12192000"/>
+              <a:gd name="connsiteY31" fmla="*/ 2245618 h 2270840"/>
+              <a:gd name="connsiteX32" fmla="*/ 4780562 w 12192000"/>
+              <a:gd name="connsiteY32" fmla="*/ 2235459 h 2270840"/>
+              <a:gd name="connsiteX33" fmla="*/ 4547227 w 12192000"/>
+              <a:gd name="connsiteY33" fmla="*/ 2224599 h 2270840"/>
+              <a:gd name="connsiteX34" fmla="*/ 4318800 w 12192000"/>
+              <a:gd name="connsiteY34" fmla="*/ 2214791 h 2270840"/>
+              <a:gd name="connsiteX35" fmla="*/ 3873004 w 12192000"/>
+              <a:gd name="connsiteY35" fmla="*/ 2187116 h 2270840"/>
+              <a:gd name="connsiteX36" fmla="*/ 3445628 w 12192000"/>
+              <a:gd name="connsiteY36" fmla="*/ 2157691 h 2270840"/>
+              <a:gd name="connsiteX37" fmla="*/ 3035446 w 12192000"/>
+              <a:gd name="connsiteY37" fmla="*/ 2126863 h 2270840"/>
+              <a:gd name="connsiteX38" fmla="*/ 2647370 w 12192000"/>
+              <a:gd name="connsiteY38" fmla="*/ 2092884 h 2270840"/>
+              <a:gd name="connsiteX39" fmla="*/ 2276487 w 12192000"/>
+              <a:gd name="connsiteY39" fmla="*/ 2057502 h 2270840"/>
+              <a:gd name="connsiteX40" fmla="*/ 1932621 w 12192000"/>
+              <a:gd name="connsiteY40" fmla="*/ 2019319 h 2270840"/>
+              <a:gd name="connsiteX41" fmla="*/ 1609634 w 12192000"/>
+              <a:gd name="connsiteY41" fmla="*/ 1981836 h 2270840"/>
+              <a:gd name="connsiteX42" fmla="*/ 1312435 w 12192000"/>
+              <a:gd name="connsiteY42" fmla="*/ 1944353 h 2270840"/>
+              <a:gd name="connsiteX43" fmla="*/ 1039799 w 12192000"/>
+              <a:gd name="connsiteY43" fmla="*/ 1908972 h 2270840"/>
+              <a:gd name="connsiteX44" fmla="*/ 797865 w 12192000"/>
+              <a:gd name="connsiteY44" fmla="*/ 1875342 h 2270840"/>
+              <a:gd name="connsiteX45" fmla="*/ 579265 w 12192000"/>
+              <a:gd name="connsiteY45" fmla="*/ 1843464 h 2270840"/>
+              <a:gd name="connsiteX46" fmla="*/ 395052 w 12192000"/>
+              <a:gd name="connsiteY46" fmla="*/ 1816841 h 2270840"/>
+              <a:gd name="connsiteX47" fmla="*/ 240312 w 12192000"/>
+              <a:gd name="connsiteY47" fmla="*/ 1791618 h 2270840"/>
+              <a:gd name="connsiteX48" fmla="*/ 27853 w 12192000"/>
+              <a:gd name="connsiteY48" fmla="*/ 1755537 h 2270840"/>
+              <a:gd name="connsiteX49" fmla="*/ 0 w 12192000"/>
+              <a:gd name="connsiteY49" fmla="*/ 1750824 h 2270840"/>
+              <a:gd name="connsiteX50" fmla="*/ 0 w 12192000"/>
+              <a:gd name="connsiteY50" fmla="*/ 744794 h 2270840"/>
+              <a:gd name="connsiteX51" fmla="*/ 0 w 12192000"/>
+              <a:gd name="connsiteY51" fmla="*/ 519831 h 2270840"/>
+            </a:gdLst>
+            <a:ahLst/>
+            <a:cxnLst>
+              <a:cxn ang="0">
+                <a:pos x="connsiteX0" y="connsiteY0"/>
+              </a:cxn>
+              <a:cxn ang="0">
+                <a:pos x="connsiteX1" y="connsiteY1"/>
+              </a:cxn>
+              <a:cxn ang="0">
+                <a:pos x="connsiteX2" y="connsiteY2"/>
+              </a:cxn>
+              <a:cxn ang="0">
+                <a:pos x="connsiteX3" y="connsiteY3"/>
+              </a:cxn>
+              <a:cxn ang="0">
+                <a:pos x="connsiteX4" y="connsiteY4"/>
+              </a:cxn>
+              <a:cxn ang="0">
+                <a:pos x="connsiteX5" y="connsiteY5"/>
+              </a:cxn>
+              <a:cxn ang="0">
+                <a:pos x="connsiteX6" y="connsiteY6"/>
+              </a:cxn>
+              <a:cxn ang="0">
+                <a:pos x="connsiteX7" y="connsiteY7"/>
+              </a:cxn>
+              <a:cxn ang="0">
+                <a:pos x="connsiteX8" y="connsiteY8"/>
+              </a:cxn>
+              <a:cxn ang="0">
+                <a:pos x="connsiteX9" y="connsiteY9"/>
+              </a:cxn>
+              <a:cxn ang="0">
+                <a:pos x="connsiteX10" y="connsiteY10"/>
+              </a:cxn>
+              <a:cxn ang="0">
+                <a:pos x="connsiteX11" y="connsiteY11"/>
+              </a:cxn>
+              <a:cxn ang="0">
+                <a:pos x="connsiteX12" y="connsiteY12"/>
+              </a:cxn>
+              <a:cxn ang="0">
+                <a:pos x="connsiteX13" y="connsiteY13"/>
+              </a:cxn>
+              <a:cxn ang="0">
+                <a:pos x="connsiteX14" y="connsiteY14"/>
+              </a:cxn>
+              <a:cxn ang="0">
+                <a:pos x="connsiteX15" y="connsiteY15"/>
+              </a:cxn>
+              <a:cxn ang="0">
+                <a:pos x="connsiteX16" y="connsiteY16"/>
+              </a:cxn>
+              <a:cxn ang="0">
+                <a:pos x="connsiteX17" y="connsiteY17"/>
+              </a:cxn>
+              <a:cxn ang="0">
+                <a:pos x="connsiteX18" y="connsiteY18"/>
+              </a:cxn>
+              <a:cxn ang="0">
+                <a:pos x="connsiteX19" y="connsiteY19"/>
+              </a:cxn>
+              <a:cxn ang="0">
+                <a:pos x="connsiteX20" y="connsiteY20"/>
+              </a:cxn>
+              <a:cxn ang="0">
+                <a:pos x="connsiteX21" y="connsiteY21"/>
+              </a:cxn>
+              <a:cxn ang="0">
+                <a:pos x="connsiteX22" y="connsiteY22"/>
+              </a:cxn>
+              <a:cxn ang="0">
+                <a:pos x="connsiteX23" y="connsiteY23"/>
+              </a:cxn>
+              <a:cxn ang="0">
+                <a:pos x="connsiteX24" y="connsiteY24"/>
+              </a:cxn>
+              <a:cxn ang="0">
+                <a:pos x="connsiteX25" y="connsiteY25"/>
+              </a:cxn>
+              <a:cxn ang="0">
+                <a:pos x="connsiteX26" y="connsiteY26"/>
+              </a:cxn>
+              <a:cxn ang="0">
+                <a:pos x="connsiteX27" y="connsiteY27"/>
+              </a:cxn>
+              <a:cxn ang="0">
+                <a:pos x="connsiteX28" y="connsiteY28"/>
+              </a:cxn>
+              <a:cxn ang="0">
+                <a:pos x="connsiteX29" y="connsiteY29"/>
+              </a:cxn>
+              <a:cxn ang="0">
+                <a:pos x="connsiteX30" y="connsiteY30"/>
+              </a:cxn>
+              <a:cxn ang="0">
+                <a:pos x="connsiteX31" y="connsiteY31"/>
+              </a:cxn>
+              <a:cxn ang="0">
+                <a:pos x="connsiteX32" y="connsiteY32"/>
+              </a:cxn>
+              <a:cxn ang="0">
+                <a:pos x="connsiteX33" y="connsiteY33"/>
+              </a:cxn>
+              <a:cxn ang="0">
+                <a:pos x="connsiteX34" y="connsiteY34"/>
+              </a:cxn>
+              <a:cxn ang="0">
+                <a:pos x="connsiteX35" y="connsiteY35"/>
+              </a:cxn>
+              <a:cxn ang="0">
+                <a:pos x="connsiteX36" y="connsiteY36"/>
+              </a:cxn>
+              <a:cxn ang="0">
+                <a:pos x="connsiteX37" y="connsiteY37"/>
+              </a:cxn>
+              <a:cxn ang="0">
+                <a:pos x="connsiteX38" y="connsiteY38"/>
+              </a:cxn>
+              <a:cxn ang="0">
+                <a:pos x="connsiteX39" y="connsiteY39"/>
+              </a:cxn>
+              <a:cxn ang="0">
+                <a:pos x="connsiteX40" y="connsiteY40"/>
+              </a:cxn>
+              <a:cxn ang="0">
+                <a:pos x="connsiteX41" y="connsiteY41"/>
+              </a:cxn>
+              <a:cxn ang="0">
+                <a:pos x="connsiteX42" y="connsiteY42"/>
+              </a:cxn>
+              <a:cxn ang="0">
+                <a:pos x="connsiteX43" y="connsiteY43"/>
+              </a:cxn>
+              <a:cxn ang="0">
+                <a:pos x="connsiteX44" y="connsiteY44"/>
+              </a:cxn>
+              <a:cxn ang="0">
+                <a:pos x="connsiteX45" y="connsiteY45"/>
+              </a:cxn>
+              <a:cxn ang="0">
+                <a:pos x="connsiteX46" y="connsiteY46"/>
+              </a:cxn>
+              <a:cxn ang="0">
+                <a:pos x="connsiteX47" y="connsiteY47"/>
+              </a:cxn>
+              <a:cxn ang="0">
+                <a:pos x="connsiteX48" y="connsiteY48"/>
+              </a:cxn>
+              <a:cxn ang="0">
+                <a:pos x="connsiteX49" y="connsiteY49"/>
+              </a:cxn>
+              <a:cxn ang="0">
+                <a:pos x="connsiteX50" y="connsiteY50"/>
+              </a:cxn>
+              <a:cxn ang="0">
+                <a:pos x="connsiteX51" y="connsiteY51"/>
+              </a:cxn>
+            </a:cxnLst>
+            <a:rect l="l" t="t" r="r" b="b"/>
+            <a:pathLst>
+              <a:path w="12192000" h="2270840">
+                <a:moveTo>
+                  <a:pt x="0" y="0"/>
+                </a:moveTo>
+                <a:lnTo>
+                  <a:pt x="12192000" y="0"/>
+                </a:lnTo>
+                <a:lnTo>
+                  <a:pt x="12192000" y="519831"/>
+                </a:lnTo>
+                <a:lnTo>
+                  <a:pt x="12192000" y="744794"/>
+                </a:lnTo>
+                <a:lnTo>
+                  <a:pt x="12192000" y="1754022"/>
+                </a:lnTo>
+                <a:lnTo>
+                  <a:pt x="11957522" y="1797924"/>
+                </a:lnTo>
+                <a:lnTo>
+                  <a:pt x="11679973" y="1847668"/>
+                </a:lnTo>
+                <a:lnTo>
+                  <a:pt x="11401197" y="1896361"/>
+                </a:lnTo>
+                <a:lnTo>
+                  <a:pt x="11121192" y="1938047"/>
+                </a:lnTo>
+                <a:lnTo>
+                  <a:pt x="10842416" y="1980084"/>
+                </a:lnTo>
+                <a:lnTo>
+                  <a:pt x="10562411" y="2019319"/>
+                </a:lnTo>
+                <a:lnTo>
+                  <a:pt x="10286091" y="2052948"/>
+                </a:lnTo>
+                <a:lnTo>
+                  <a:pt x="10006086" y="2084826"/>
+                </a:lnTo>
+                <a:lnTo>
+                  <a:pt x="9727310" y="2113902"/>
+                </a:lnTo>
+                <a:lnTo>
+                  <a:pt x="9453445" y="2139124"/>
+                </a:lnTo>
+                <a:lnTo>
+                  <a:pt x="9175897" y="2164346"/>
+                </a:lnTo>
+                <a:lnTo>
+                  <a:pt x="8902033" y="2185365"/>
+                </a:lnTo>
+                <a:lnTo>
+                  <a:pt x="8628169" y="2201829"/>
+                </a:lnTo>
+                <a:lnTo>
+                  <a:pt x="8355533" y="2218995"/>
+                </a:lnTo>
+                <a:lnTo>
+                  <a:pt x="8085353" y="2233357"/>
+                </a:lnTo>
+                <a:lnTo>
+                  <a:pt x="7817629" y="2243516"/>
+                </a:lnTo>
+                <a:lnTo>
+                  <a:pt x="7549905" y="2252274"/>
+                </a:lnTo>
+                <a:lnTo>
+                  <a:pt x="7284638" y="2260681"/>
+                </a:lnTo>
+                <a:lnTo>
+                  <a:pt x="7023055" y="2264535"/>
+                </a:lnTo>
+                <a:lnTo>
+                  <a:pt x="6761472" y="2268738"/>
+                </a:lnTo>
+                <a:lnTo>
+                  <a:pt x="6503573" y="2270840"/>
+                </a:lnTo>
+                <a:lnTo>
+                  <a:pt x="6248130" y="2268738"/>
+                </a:lnTo>
+                <a:lnTo>
+                  <a:pt x="5995144" y="2268738"/>
+                </a:lnTo>
+                <a:lnTo>
+                  <a:pt x="5744613" y="2264535"/>
+                </a:lnTo>
+                <a:lnTo>
+                  <a:pt x="5498995" y="2258229"/>
+                </a:lnTo>
+                <a:lnTo>
+                  <a:pt x="5255834" y="2252274"/>
+                </a:lnTo>
+                <a:lnTo>
+                  <a:pt x="5017584" y="2245618"/>
+                </a:lnTo>
+                <a:lnTo>
+                  <a:pt x="4780562" y="2235459"/>
+                </a:lnTo>
+                <a:lnTo>
+                  <a:pt x="4547227" y="2224599"/>
+                </a:lnTo>
+                <a:lnTo>
+                  <a:pt x="4318800" y="2214791"/>
+                </a:lnTo>
+                <a:lnTo>
+                  <a:pt x="3873004" y="2187116"/>
+                </a:lnTo>
+                <a:lnTo>
+                  <a:pt x="3445628" y="2157691"/>
+                </a:lnTo>
+                <a:lnTo>
+                  <a:pt x="3035446" y="2126863"/>
+                </a:lnTo>
+                <a:lnTo>
+                  <a:pt x="2647370" y="2092884"/>
+                </a:lnTo>
+                <a:lnTo>
+                  <a:pt x="2276487" y="2057502"/>
+                </a:lnTo>
+                <a:lnTo>
+                  <a:pt x="1932621" y="2019319"/>
+                </a:lnTo>
+                <a:lnTo>
+                  <a:pt x="1609634" y="1981836"/>
+                </a:lnTo>
+                <a:lnTo>
+                  <a:pt x="1312435" y="1944353"/>
+                </a:lnTo>
+                <a:lnTo>
+                  <a:pt x="1039799" y="1908972"/>
+                </a:lnTo>
+                <a:lnTo>
+                  <a:pt x="797865" y="1875342"/>
+                </a:lnTo>
+                <a:lnTo>
+                  <a:pt x="579265" y="1843464"/>
+                </a:lnTo>
+                <a:lnTo>
+                  <a:pt x="395052" y="1816841"/>
+                </a:lnTo>
+                <a:lnTo>
+                  <a:pt x="240312" y="1791618"/>
+                </a:lnTo>
+                <a:lnTo>
+                  <a:pt x="27853" y="1755537"/>
+                </a:lnTo>
+                <a:lnTo>
+                  <a:pt x="0" y="1750824"/>
+                </a:lnTo>
+                <a:lnTo>
+                  <a:pt x="0" y="744794"/>
+                </a:lnTo>
+                <a:lnTo>
+                  <a:pt x="0" y="519831"/>
+                </a:lnTo>
+                <a:close/>
+              </a:path>
+            </a:pathLst>
+          </a:custGeom>
+          <a:ln w="44450">
+            <a:gradFill>
+              <a:gsLst>
+                <a:gs pos="0">
+                  <a:schemeClr val="bg2">
+                    <a:alpha val="65000"/>
+                  </a:schemeClr>
+                </a:gs>
+                <a:gs pos="98000">
+                  <a:schemeClr val="bg2">
+                    <a:lumMod val="75000"/>
+                    <a:alpha val="55000"/>
+                  </a:schemeClr>
+                </a:gs>
+              </a:gsLst>
+              <a:lin ang="5400000" scaled="1"/>
+            </a:gradFill>
+          </a:ln>
+          <a:effectLst>
+            <a:outerShdw blurRad="50800" dist="38100" dir="5400000" algn="t" rotWithShape="0">
+              <a:prstClr val="black">
+                <a:alpha val="50000"/>
+              </a:prstClr>
+            </a:outerShdw>
+          </a:effectLst>
+        </p:spPr>
+        <p:style>
+          <a:lnRef idx="2">
+            <a:schemeClr val="accent1">
+              <a:shade val="50000"/>
+            </a:schemeClr>
+          </a:lnRef>
+          <a:fillRef idx="1003">
+            <a:schemeClr val="dk2"/>
+          </a:fillRef>
+          <a:effectRef idx="0">
+            <a:schemeClr val="accent1"/>
+          </a:effectRef>
+          <a:fontRef idx="minor">
+            <a:schemeClr val="lt1"/>
+          </a:fontRef>
+        </p:style>
+        <p:txBody>
+          <a:bodyPr wrap="square" rtlCol="0" anchor="ctr">
+            <a:noAutofit/>
+          </a:bodyPr>
+          <a:lstStyle/>
+          <a:p>
+            <a:pPr algn="ctr"/>
+            <a:endParaRPr lang="en-US"/>
+          </a:p>
+        </p:txBody>
+      </p:sp>
+      <p:sp>
+        <p:nvSpPr>
+          <p:cNvPr id="2" name="Title 1"/>
+          <p:cNvSpPr>
+            <a:spLocks noGrp="1"/>
+          </p:cNvSpPr>
+          <p:nvPr>
+            <p:ph type="title"/>
+          </p:nvPr>
+        </p:nvSpPr>
+        <p:spPr>
+          <a:xfrm>
+            <a:off x="1141413" y="609600"/>
+            <a:ext cx="9905998" cy="1173480"/>
           </a:xfrm>
         </p:spPr>
         <p:txBody>
-          <a:bodyPr vert="horz" lIns="91440" tIns="45720" rIns="91440" bIns="45720" rtlCol="0" anchor="b">
+          <a:bodyPr>
             <a:normAutofit/>
           </a:bodyPr>
           <a:lstStyle/>
           <a:p>
             <a:pPr algn="ctr"/>
             <a:r>
-              <a:rPr lang="en-US" sz="4800" dirty="0">
-                <a:effectLst>
-                  <a:glow rad="38100">
-                    <a:schemeClr val="bg1">
-                      <a:lumMod val="65000"/>
-                      <a:lumOff val="35000"/>
-                      <a:alpha val="50000"/>
-                    </a:schemeClr>
-                  </a:glow>
-                  <a:outerShdw blurRad="28575" dist="31750" dir="13200000" algn="tl" rotWithShape="0">
-                    <a:srgbClr val="000000">
-                      <a:alpha val="25000"/>
-                    </a:srgbClr>
-                  </a:outerShdw>
-                </a:effectLst>
-              </a:rPr>
+              <a:rPr lang="en-US" dirty="0"/>
               <a:t>Objective</a:t>
+            </a:r>
+          </a:p>
+        </p:txBody>
+      </p:sp>
+      <p:sp>
+        <p:nvSpPr>
+          <p:cNvPr id="3" name="Content Placeholder 2"/>
+          <p:cNvSpPr>
+            <a:spLocks noGrp="1"/>
+          </p:cNvSpPr>
+          <p:nvPr>
+            <p:ph idx="1"/>
+          </p:nvPr>
+        </p:nvSpPr>
+        <p:spPr>
+          <a:xfrm>
+            <a:off x="1141413" y="2666999"/>
+            <a:ext cx="9905998" cy="3124201"/>
+          </a:xfrm>
+        </p:spPr>
+        <p:txBody>
+          <a:bodyPr>
+            <a:normAutofit/>
+          </a:bodyPr>
+          <a:lstStyle/>
+          <a:p>
+            <a:pPr>
+              <a:lnSpc>
+                <a:spcPct val="90000"/>
+              </a:lnSpc>
+            </a:pPr>
+            <a:r>
+              <a:rPr lang="en-US" dirty="0"/>
+              <a:t>USER INTERACTION/ENGAGEMENT</a:t>
+            </a:r>
+          </a:p>
+          <a:p>
+            <a:pPr lvl="1">
+              <a:lnSpc>
+                <a:spcPct val="90000"/>
+              </a:lnSpc>
+            </a:pPr>
+            <a:r>
+              <a:rPr lang="en-US" dirty="0"/>
+              <a:t>KEYBOARD</a:t>
+            </a:r>
+          </a:p>
+          <a:p>
+            <a:pPr lvl="1">
+              <a:lnSpc>
+                <a:spcPct val="90000"/>
+              </a:lnSpc>
+            </a:pPr>
+            <a:r>
+              <a:rPr lang="en-US" dirty="0"/>
+              <a:t>SOUND</a:t>
+            </a:r>
+          </a:p>
+          <a:p>
+            <a:pPr lvl="1">
+              <a:lnSpc>
+                <a:spcPct val="90000"/>
+              </a:lnSpc>
+            </a:pPr>
+            <a:r>
+              <a:rPr lang="en-US" dirty="0"/>
+              <a:t>IMAGES</a:t>
+            </a:r>
+          </a:p>
+          <a:p>
+            <a:pPr>
+              <a:lnSpc>
+                <a:spcPct val="90000"/>
+              </a:lnSpc>
+            </a:pPr>
+            <a:r>
+              <a:rPr lang="en-US" dirty="0"/>
+              <a:t>PROCESS STRINGS</a:t>
+            </a:r>
+          </a:p>
+          <a:p>
+            <a:pPr lvl="1">
+              <a:lnSpc>
+                <a:spcPct val="90000"/>
+              </a:lnSpc>
+            </a:pPr>
+            <a:r>
+              <a:rPr lang="en-US" dirty="0"/>
+              <a:t>NAVIGATION</a:t>
+            </a:r>
+          </a:p>
+          <a:p>
+            <a:pPr lvl="1">
+              <a:lnSpc>
+                <a:spcPct val="90000"/>
+              </a:lnSpc>
+            </a:pPr>
+            <a:r>
+              <a:rPr lang="en-US" dirty="0"/>
+              <a:t>HISTORY</a:t>
+            </a:r>
+          </a:p>
+          <a:p>
+            <a:pPr lvl="1">
+              <a:lnSpc>
+                <a:spcPct val="90000"/>
+              </a:lnSpc>
+            </a:pPr>
+            <a:r>
+              <a:rPr lang="en-US" dirty="0"/>
+              <a:t>COMMANDS</a:t>
             </a:r>
           </a:p>
         </p:txBody>
@@ -6793,7 +7052,7 @@
     </p:spTree>
     <p:extLst>
       <p:ext uri="{BB962C8B-B14F-4D97-AF65-F5344CB8AC3E}">
-        <p14:creationId xmlns:p14="http://schemas.microsoft.com/office/powerpoint/2010/main" val="93491540"/>
+        <p14:creationId xmlns:p14="http://schemas.microsoft.com/office/powerpoint/2010/main" val="1026197515"/>
       </p:ext>
     </p:extLst>
   </p:cSld>
@@ -6845,10 +7104,10 @@
       </p:grpSpPr>
       <p:sp>
         <p:nvSpPr>
-          <p:cNvPr id="8" name="Rectangle 7">
+          <p:cNvPr id="7" name="Rectangle 6">
             <a:extLst>
               <a:ext uri="{FF2B5EF4-FFF2-40B4-BE49-F238E27FC236}">
-                <a16:creationId xmlns:a16="http://schemas.microsoft.com/office/drawing/2014/main" xmlns="" id="{375136A9-49F9-4DA0-A741-F065B0FA091D}"/>
+                <a16:creationId xmlns="" xmlns:a16="http://schemas.microsoft.com/office/drawing/2014/main" id="{DBAB564B-ADD8-4689-B47D-479E0B6B4280}"/>
               </a:ext>
             </a:extLst>
           </p:cNvPr>
@@ -6858,32 +7117,25 @@
           <p:nvPr>
             <p:extLst>
               <p:ext uri="{386F3935-93C4-4BCD-93E2-E3B085C9AB24}">
-                <p16:designElem xmlns:p16="http://schemas.microsoft.com/office/powerpoint/2015/main" xmlns="" val="1"/>
+                <p16:designElem xmlns:p16="http://schemas.microsoft.com/office/powerpoint/2015/main" val="1"/>
               </p:ext>
             </p:extLst>
           </p:nvPr>
         </p:nvSpPr>
         <p:spPr>
           <a:xfrm>
-            <a:off x="4633356" y="0"/>
-            <a:ext cx="7558643" cy="6858000"/>
+            <a:off x="9066900" y="1"/>
+            <a:ext cx="3125099" cy="6858000"/>
           </a:xfrm>
           <a:prstGeom prst="rect">
             <a:avLst/>
           </a:prstGeom>
           <a:solidFill>
-            <a:schemeClr val="bg2"/>
+            <a:srgbClr val="363D46"/>
           </a:solidFill>
           <a:ln>
             <a:noFill/>
           </a:ln>
-          <a:effectLst>
-            <a:innerShdw blurRad="63500" dist="50800" dir="10800000">
-              <a:prstClr val="black">
-                <a:alpha val="50000"/>
-              </a:prstClr>
-            </a:innerShdw>
-          </a:effectLst>
         </p:spPr>
         <p:style>
           <a:lnRef idx="2">
@@ -6906,16 +7158,16 @@
           <a:lstStyle/>
           <a:p>
             <a:pPr algn="ctr"/>
-            <a:endParaRPr lang="en-US" dirty="0"/>
-          </a:p>
-        </p:txBody>
-      </p:sp>
-      <p:sp>
-        <p:nvSpPr>
-          <p:cNvPr id="10" name="Rectangle 9">
+            <a:endParaRPr lang="en-US"/>
+          </a:p>
+        </p:txBody>
+      </p:sp>
+      <p:sp>
+        <p:nvSpPr>
+          <p:cNvPr id="9" name="Rectangle 8">
             <a:extLst>
               <a:ext uri="{FF2B5EF4-FFF2-40B4-BE49-F238E27FC236}">
-                <a16:creationId xmlns:a16="http://schemas.microsoft.com/office/drawing/2014/main" xmlns="" id="{B912F6C7-0423-4B6F-AECE-710C848918FD}"/>
+                <a16:creationId xmlns="" xmlns:a16="http://schemas.microsoft.com/office/drawing/2014/main" id="{A634D109-15AA-4283-A14C-F630CD88D06E}"/>
               </a:ext>
             </a:extLst>
           </p:cNvPr>
@@ -6925,14 +7177,14 @@
           <p:nvPr>
             <p:extLst>
               <p:ext uri="{386F3935-93C4-4BCD-93E2-E3B085C9AB24}">
-                <p16:designElem xmlns:p16="http://schemas.microsoft.com/office/powerpoint/2015/main" xmlns="" val="1"/>
+                <p16:designElem xmlns:p16="http://schemas.microsoft.com/office/powerpoint/2015/main" val="1"/>
               </p:ext>
             </p:extLst>
           </p:nvPr>
         </p:nvSpPr>
         <p:spPr>
           <a:xfrm rot="5400000" flipH="1">
-            <a:off x="1446539" y="3195797"/>
+            <a:off x="5895765" y="3195797"/>
             <a:ext cx="6858000" cy="466406"/>
           </a:xfrm>
           <a:prstGeom prst="rect">
@@ -6990,10 +7242,10 @@
       </p:sp>
       <p:cxnSp>
         <p:nvCxnSpPr>
-          <p:cNvPr id="12" name="Straight Connector 11">
+          <p:cNvPr id="11" name="Straight Connector 10">
             <a:extLst>
               <a:ext uri="{FF2B5EF4-FFF2-40B4-BE49-F238E27FC236}">
-                <a16:creationId xmlns:a16="http://schemas.microsoft.com/office/drawing/2014/main" xmlns="" id="{A7208205-03EE-4EC8-9C34-59270C1880D8}"/>
+                <a16:creationId xmlns="" xmlns:a16="http://schemas.microsoft.com/office/drawing/2014/main" id="{AF1E8C17-E280-423E-BE27-607AA18BDBA3}"/>
               </a:ext>
             </a:extLst>
           </p:cNvPr>
@@ -7003,14 +7255,14 @@
           <p:nvPr>
             <p:extLst>
               <p:ext uri="{386F3935-93C4-4BCD-93E2-E3B085C9AB24}">
-                <p16:designElem xmlns:p16="http://schemas.microsoft.com/office/powerpoint/2015/main" xmlns="" val="1"/>
+                <p16:designElem xmlns:p16="http://schemas.microsoft.com/office/powerpoint/2015/main" val="1"/>
               </p:ext>
             </p:extLst>
           </p:nvPr>
         </p:nvCxnSpPr>
         <p:spPr>
-          <a:xfrm>
-            <a:off x="4642336" y="0"/>
+          <a:xfrm flipV="1">
+            <a:off x="9066901" y="1"/>
             <a:ext cx="0" cy="6858000"/>
           </a:xfrm>
           <a:prstGeom prst="line">
@@ -7037,11 +7289,11 @@
             <a:miter lim="800000"/>
           </a:ln>
           <a:effectLst>
-            <a:innerShdw blurRad="57150" dist="38100" dir="14460000">
-              <a:srgbClr val="000000">
+            <a:outerShdw blurRad="57150" dist="25400" algn="l" rotWithShape="0">
+              <a:prstClr val="black">
                 <a:alpha val="70000"/>
-              </a:srgbClr>
-            </a:innerShdw>
+              </a:prstClr>
+            </a:outerShdw>
           </a:effectLst>
         </p:spPr>
         <p:style>
@@ -7073,155 +7325,49 @@
         </p:nvSpPr>
         <p:spPr>
           <a:xfrm>
-            <a:off x="974179" y="714375"/>
-            <a:ext cx="3332955" cy="5076826"/>
+            <a:off x="1195251" y="847726"/>
+            <a:ext cx="7252845" cy="4029412"/>
           </a:xfrm>
         </p:spPr>
         <p:txBody>
-          <a:bodyPr anchor="ctr">
+          <a:bodyPr vert="horz" lIns="91440" tIns="45720" rIns="91440" bIns="45720" rtlCol="0" anchor="b">
             <a:normAutofit/>
           </a:bodyPr>
           <a:lstStyle/>
           <a:p>
-            <a:r>
-              <a:rPr lang="en-US" sz="3100" dirty="0" smtClean="0"/>
-              <a:t>Objective</a:t>
-            </a:r>
-            <a:endParaRPr lang="en-US" sz="3100" dirty="0"/>
-          </a:p>
-        </p:txBody>
-      </p:sp>
-      <p:sp>
-        <p:nvSpPr>
-          <p:cNvPr id="3" name="Content Placeholder 2"/>
-          <p:cNvSpPr>
-            <a:spLocks noGrp="1"/>
-          </p:cNvSpPr>
-          <p:nvPr>
-            <p:ph idx="1"/>
-          </p:nvPr>
-        </p:nvSpPr>
-        <p:spPr>
-          <a:xfrm>
-            <a:off x="4973046" y="714375"/>
-            <a:ext cx="6253751" cy="5076825"/>
-          </a:xfrm>
-        </p:spPr>
-        <p:txBody>
-          <a:bodyPr>
-            <a:normAutofit/>
-          </a:bodyPr>
-          <a:lstStyle/>
-          <a:p>
-            <a:r>
-              <a:rPr lang="en-US" dirty="0" smtClean="0">
-                <a:solidFill>
-                  <a:schemeClr val="tx1"/>
-                </a:solidFill>
+            <a:pPr algn="r"/>
+            <a:r>
+              <a:rPr lang="en-US" sz="6600">
+                <a:effectLst>
+                  <a:glow rad="38100">
+                    <a:schemeClr val="bg1">
+                      <a:lumMod val="65000"/>
+                      <a:lumOff val="35000"/>
+                      <a:alpha val="50000"/>
+                    </a:schemeClr>
+                  </a:glow>
+                  <a:outerShdw blurRad="28575" dist="31750" dir="13200000" algn="tl" rotWithShape="0">
+                    <a:srgbClr val="000000">
+                      <a:alpha val="25000"/>
+                    </a:srgbClr>
+                  </a:outerShdw>
+                </a:effectLst>
               </a:rPr>
-              <a:t>USER INTERACTION/ENGAGEMENT</a:t>
-            </a:r>
-          </a:p>
-          <a:p>
-            <a:pPr lvl="1"/>
-            <a:r>
-              <a:rPr lang="en-US" dirty="0" smtClean="0">
-                <a:solidFill>
-                  <a:schemeClr val="tx1"/>
-                </a:solidFill>
-              </a:rPr>
-              <a:t>KEYBOARD</a:t>
-            </a:r>
-          </a:p>
-          <a:p>
-            <a:pPr lvl="1"/>
-            <a:r>
-              <a:rPr lang="en-US" dirty="0" smtClean="0">
-                <a:solidFill>
-                  <a:schemeClr val="tx1"/>
-                </a:solidFill>
-              </a:rPr>
-              <a:t>SOUND</a:t>
-            </a:r>
-          </a:p>
-          <a:p>
-            <a:pPr lvl="1"/>
-            <a:r>
-              <a:rPr lang="en-US" dirty="0" smtClean="0">
-                <a:solidFill>
-                  <a:schemeClr val="tx1"/>
-                </a:solidFill>
-              </a:rPr>
-              <a:t>IMAGES</a:t>
-            </a:r>
-          </a:p>
-          <a:p>
-            <a:r>
-              <a:rPr lang="en-US" dirty="0" smtClean="0">
-                <a:solidFill>
-                  <a:schemeClr val="tx1"/>
-                </a:solidFill>
-              </a:rPr>
-              <a:t>PROCESS STRINGS</a:t>
-            </a:r>
-          </a:p>
-          <a:p>
-            <a:pPr lvl="1"/>
-            <a:r>
-              <a:rPr lang="en-US" dirty="0" smtClean="0">
-                <a:solidFill>
-                  <a:schemeClr val="tx1"/>
-                </a:solidFill>
-              </a:rPr>
-              <a:t>NAVIGATION</a:t>
-            </a:r>
-          </a:p>
-          <a:p>
-            <a:pPr lvl="1"/>
-            <a:r>
-              <a:rPr lang="en-US" dirty="0" smtClean="0">
-                <a:solidFill>
-                  <a:schemeClr val="tx1"/>
-                </a:solidFill>
-              </a:rPr>
-              <a:t>HISTORY</a:t>
-            </a:r>
-          </a:p>
-          <a:p>
-            <a:pPr lvl="1"/>
-            <a:r>
-              <a:rPr lang="en-US" dirty="0" smtClean="0">
-                <a:solidFill>
-                  <a:schemeClr val="tx1"/>
-                </a:solidFill>
-              </a:rPr>
-              <a:t>COMMANDS</a:t>
-            </a:r>
-            <a:endParaRPr lang="en-US" dirty="0">
-              <a:solidFill>
-                <a:schemeClr val="tx1"/>
-              </a:solidFill>
-            </a:endParaRPr>
+              <a:t>Approach</a:t>
+            </a:r>
           </a:p>
         </p:txBody>
       </p:sp>
     </p:spTree>
     <p:extLst>
       <p:ext uri="{BB962C8B-B14F-4D97-AF65-F5344CB8AC3E}">
-        <p14:creationId xmlns:p14="http://schemas.microsoft.com/office/powerpoint/2010/main" val="717962220"/>
+        <p14:creationId xmlns:p14="http://schemas.microsoft.com/office/powerpoint/2010/main" val="3387131213"/>
       </p:ext>
     </p:extLst>
   </p:cSld>
   <p:clrMapOvr>
     <a:masterClrMapping/>
   </p:clrMapOvr>
-  <p:timing>
-    <p:tnLst>
-      <p:par>
-        <p:cTn xmlns:p14="http://schemas.microsoft.com/office/powerpoint/2010/main" id="1" dur="indefinite" restart="never" nodeType="tmRoot"/>
-      </p:par>
-    </p:tnLst>
-  </p:timing>
 </p:sld>
 </file>
 
@@ -7267,10 +7413,10 @@
       </p:grpSpPr>
       <p:sp>
         <p:nvSpPr>
-          <p:cNvPr id="8" name="Rounded Rectangle 9">
+          <p:cNvPr id="8" name="Rectangle 7">
             <a:extLst>
               <a:ext uri="{FF2B5EF4-FFF2-40B4-BE49-F238E27FC236}">
-                <a16:creationId xmlns:a16="http://schemas.microsoft.com/office/drawing/2014/main" xmlns="" id="{BCA2EB72-13DC-4DC6-B461-3B036C55B925}"/>
+                <a16:creationId xmlns="" xmlns:a16="http://schemas.microsoft.com/office/drawing/2014/main" id="{5690F3EE-0CD1-4520-B020-4E1DF3141C74}"/>
               </a:ext>
             </a:extLst>
           </p:cNvPr>
@@ -7280,26 +7426,506 @@
           <p:nvPr>
             <p:extLst>
               <p:ext uri="{386F3935-93C4-4BCD-93E2-E3B085C9AB24}">
-                <p16:designElem xmlns:p16="http://schemas.microsoft.com/office/powerpoint/2015/main" xmlns="" val="1"/>
+                <p16:designElem xmlns:p16="http://schemas.microsoft.com/office/powerpoint/2015/main" val="1"/>
               </p:ext>
             </p:extLst>
           </p:nvPr>
         </p:nvSpPr>
         <p:spPr>
           <a:xfrm>
-            <a:off x="643467" y="643467"/>
-            <a:ext cx="10905066" cy="5571066"/>
+            <a:off x="0" y="-1"/>
+            <a:ext cx="12192000" cy="6858001"/>
           </a:xfrm>
-          <a:prstGeom prst="roundRect">
-            <a:avLst>
-              <a:gd name="adj" fmla="val 2627"/>
-            </a:avLst>
+          <a:prstGeom prst="rect">
+            <a:avLst/>
           </a:prstGeom>
           <a:solidFill>
-            <a:schemeClr val="bg2">
-              <a:lumMod val="75000"/>
+            <a:schemeClr val="bg2"/>
+          </a:solidFill>
+          <a:ln>
+            <a:noFill/>
+          </a:ln>
+        </p:spPr>
+        <p:style>
+          <a:lnRef idx="2">
+            <a:schemeClr val="accent1">
+              <a:shade val="50000"/>
             </a:schemeClr>
-          </a:solidFill>
+          </a:lnRef>
+          <a:fillRef idx="1">
+            <a:schemeClr val="accent1"/>
+          </a:fillRef>
+          <a:effectRef idx="0">
+            <a:schemeClr val="accent1"/>
+          </a:effectRef>
+          <a:fontRef idx="minor">
+            <a:schemeClr val="lt1"/>
+          </a:fontRef>
+        </p:style>
+        <p:txBody>
+          <a:bodyPr rtlCol="0" anchor="ctr"/>
+          <a:lstStyle/>
+          <a:p>
+            <a:pPr algn="ctr"/>
+            <a:endParaRPr lang="en-US"/>
+          </a:p>
+        </p:txBody>
+      </p:sp>
+      <p:sp useBgFill="1">
+        <p:nvSpPr>
+          <p:cNvPr id="10" name="Freeform: Shape 9">
+            <a:extLst>
+              <a:ext uri="{FF2B5EF4-FFF2-40B4-BE49-F238E27FC236}">
+                <a16:creationId xmlns="" xmlns:a16="http://schemas.microsoft.com/office/drawing/2014/main" id="{9EFDE1E9-7FE0-45CA-9DE2-237F77319A9F}"/>
+              </a:ext>
+            </a:extLst>
+          </p:cNvPr>
+          <p:cNvSpPr>
+            <a:spLocks noGrp="1" noRot="1" noChangeAspect="1" noMove="1" noResize="1" noEditPoints="1" noAdjustHandles="1" noChangeArrowheads="1" noChangeShapeType="1" noTextEdit="1"/>
+          </p:cNvSpPr>
+          <p:nvPr>
+            <p:extLst>
+              <p:ext uri="{386F3935-93C4-4BCD-93E2-E3B085C9AB24}">
+                <p16:designElem xmlns:p16="http://schemas.microsoft.com/office/powerpoint/2015/main" val="1"/>
+              </p:ext>
+            </p:extLst>
+          </p:nvPr>
+        </p:nvSpPr>
+        <p:spPr>
+          <a:xfrm>
+            <a:off x="0" y="-1"/>
+            <a:ext cx="12192000" cy="2270840"/>
+          </a:xfrm>
+          <a:custGeom>
+            <a:avLst/>
+            <a:gdLst>
+              <a:gd name="connsiteX0" fmla="*/ 0 w 12192000"/>
+              <a:gd name="connsiteY0" fmla="*/ 0 h 2270840"/>
+              <a:gd name="connsiteX1" fmla="*/ 12192000 w 12192000"/>
+              <a:gd name="connsiteY1" fmla="*/ 0 h 2270840"/>
+              <a:gd name="connsiteX2" fmla="*/ 12192000 w 12192000"/>
+              <a:gd name="connsiteY2" fmla="*/ 519831 h 2270840"/>
+              <a:gd name="connsiteX3" fmla="*/ 12192000 w 12192000"/>
+              <a:gd name="connsiteY3" fmla="*/ 744794 h 2270840"/>
+              <a:gd name="connsiteX4" fmla="*/ 12192000 w 12192000"/>
+              <a:gd name="connsiteY4" fmla="*/ 1754022 h 2270840"/>
+              <a:gd name="connsiteX5" fmla="*/ 11957522 w 12192000"/>
+              <a:gd name="connsiteY5" fmla="*/ 1797924 h 2270840"/>
+              <a:gd name="connsiteX6" fmla="*/ 11679973 w 12192000"/>
+              <a:gd name="connsiteY6" fmla="*/ 1847668 h 2270840"/>
+              <a:gd name="connsiteX7" fmla="*/ 11401197 w 12192000"/>
+              <a:gd name="connsiteY7" fmla="*/ 1896361 h 2270840"/>
+              <a:gd name="connsiteX8" fmla="*/ 11121192 w 12192000"/>
+              <a:gd name="connsiteY8" fmla="*/ 1938047 h 2270840"/>
+              <a:gd name="connsiteX9" fmla="*/ 10842416 w 12192000"/>
+              <a:gd name="connsiteY9" fmla="*/ 1980084 h 2270840"/>
+              <a:gd name="connsiteX10" fmla="*/ 10562411 w 12192000"/>
+              <a:gd name="connsiteY10" fmla="*/ 2019319 h 2270840"/>
+              <a:gd name="connsiteX11" fmla="*/ 10286091 w 12192000"/>
+              <a:gd name="connsiteY11" fmla="*/ 2052948 h 2270840"/>
+              <a:gd name="connsiteX12" fmla="*/ 10006086 w 12192000"/>
+              <a:gd name="connsiteY12" fmla="*/ 2084826 h 2270840"/>
+              <a:gd name="connsiteX13" fmla="*/ 9727310 w 12192000"/>
+              <a:gd name="connsiteY13" fmla="*/ 2113902 h 2270840"/>
+              <a:gd name="connsiteX14" fmla="*/ 9453445 w 12192000"/>
+              <a:gd name="connsiteY14" fmla="*/ 2139124 h 2270840"/>
+              <a:gd name="connsiteX15" fmla="*/ 9175897 w 12192000"/>
+              <a:gd name="connsiteY15" fmla="*/ 2164346 h 2270840"/>
+              <a:gd name="connsiteX16" fmla="*/ 8902033 w 12192000"/>
+              <a:gd name="connsiteY16" fmla="*/ 2185365 h 2270840"/>
+              <a:gd name="connsiteX17" fmla="*/ 8628169 w 12192000"/>
+              <a:gd name="connsiteY17" fmla="*/ 2201829 h 2270840"/>
+              <a:gd name="connsiteX18" fmla="*/ 8355533 w 12192000"/>
+              <a:gd name="connsiteY18" fmla="*/ 2218995 h 2270840"/>
+              <a:gd name="connsiteX19" fmla="*/ 8085353 w 12192000"/>
+              <a:gd name="connsiteY19" fmla="*/ 2233357 h 2270840"/>
+              <a:gd name="connsiteX20" fmla="*/ 7817629 w 12192000"/>
+              <a:gd name="connsiteY20" fmla="*/ 2243516 h 2270840"/>
+              <a:gd name="connsiteX21" fmla="*/ 7549905 w 12192000"/>
+              <a:gd name="connsiteY21" fmla="*/ 2252274 h 2270840"/>
+              <a:gd name="connsiteX22" fmla="*/ 7284638 w 12192000"/>
+              <a:gd name="connsiteY22" fmla="*/ 2260681 h 2270840"/>
+              <a:gd name="connsiteX23" fmla="*/ 7023055 w 12192000"/>
+              <a:gd name="connsiteY23" fmla="*/ 2264535 h 2270840"/>
+              <a:gd name="connsiteX24" fmla="*/ 6761472 w 12192000"/>
+              <a:gd name="connsiteY24" fmla="*/ 2268738 h 2270840"/>
+              <a:gd name="connsiteX25" fmla="*/ 6503573 w 12192000"/>
+              <a:gd name="connsiteY25" fmla="*/ 2270840 h 2270840"/>
+              <a:gd name="connsiteX26" fmla="*/ 6248130 w 12192000"/>
+              <a:gd name="connsiteY26" fmla="*/ 2268738 h 2270840"/>
+              <a:gd name="connsiteX27" fmla="*/ 5995144 w 12192000"/>
+              <a:gd name="connsiteY27" fmla="*/ 2268738 h 2270840"/>
+              <a:gd name="connsiteX28" fmla="*/ 5744613 w 12192000"/>
+              <a:gd name="connsiteY28" fmla="*/ 2264535 h 2270840"/>
+              <a:gd name="connsiteX29" fmla="*/ 5498995 w 12192000"/>
+              <a:gd name="connsiteY29" fmla="*/ 2258229 h 2270840"/>
+              <a:gd name="connsiteX30" fmla="*/ 5255834 w 12192000"/>
+              <a:gd name="connsiteY30" fmla="*/ 2252274 h 2270840"/>
+              <a:gd name="connsiteX31" fmla="*/ 5017584 w 12192000"/>
+              <a:gd name="connsiteY31" fmla="*/ 2245618 h 2270840"/>
+              <a:gd name="connsiteX32" fmla="*/ 4780562 w 12192000"/>
+              <a:gd name="connsiteY32" fmla="*/ 2235459 h 2270840"/>
+              <a:gd name="connsiteX33" fmla="*/ 4547227 w 12192000"/>
+              <a:gd name="connsiteY33" fmla="*/ 2224599 h 2270840"/>
+              <a:gd name="connsiteX34" fmla="*/ 4318800 w 12192000"/>
+              <a:gd name="connsiteY34" fmla="*/ 2214791 h 2270840"/>
+              <a:gd name="connsiteX35" fmla="*/ 3873004 w 12192000"/>
+              <a:gd name="connsiteY35" fmla="*/ 2187116 h 2270840"/>
+              <a:gd name="connsiteX36" fmla="*/ 3445628 w 12192000"/>
+              <a:gd name="connsiteY36" fmla="*/ 2157691 h 2270840"/>
+              <a:gd name="connsiteX37" fmla="*/ 3035446 w 12192000"/>
+              <a:gd name="connsiteY37" fmla="*/ 2126863 h 2270840"/>
+              <a:gd name="connsiteX38" fmla="*/ 2647370 w 12192000"/>
+              <a:gd name="connsiteY38" fmla="*/ 2092884 h 2270840"/>
+              <a:gd name="connsiteX39" fmla="*/ 2276487 w 12192000"/>
+              <a:gd name="connsiteY39" fmla="*/ 2057502 h 2270840"/>
+              <a:gd name="connsiteX40" fmla="*/ 1932621 w 12192000"/>
+              <a:gd name="connsiteY40" fmla="*/ 2019319 h 2270840"/>
+              <a:gd name="connsiteX41" fmla="*/ 1609634 w 12192000"/>
+              <a:gd name="connsiteY41" fmla="*/ 1981836 h 2270840"/>
+              <a:gd name="connsiteX42" fmla="*/ 1312435 w 12192000"/>
+              <a:gd name="connsiteY42" fmla="*/ 1944353 h 2270840"/>
+              <a:gd name="connsiteX43" fmla="*/ 1039799 w 12192000"/>
+              <a:gd name="connsiteY43" fmla="*/ 1908972 h 2270840"/>
+              <a:gd name="connsiteX44" fmla="*/ 797865 w 12192000"/>
+              <a:gd name="connsiteY44" fmla="*/ 1875342 h 2270840"/>
+              <a:gd name="connsiteX45" fmla="*/ 579265 w 12192000"/>
+              <a:gd name="connsiteY45" fmla="*/ 1843464 h 2270840"/>
+              <a:gd name="connsiteX46" fmla="*/ 395052 w 12192000"/>
+              <a:gd name="connsiteY46" fmla="*/ 1816841 h 2270840"/>
+              <a:gd name="connsiteX47" fmla="*/ 240312 w 12192000"/>
+              <a:gd name="connsiteY47" fmla="*/ 1791618 h 2270840"/>
+              <a:gd name="connsiteX48" fmla="*/ 27853 w 12192000"/>
+              <a:gd name="connsiteY48" fmla="*/ 1755537 h 2270840"/>
+              <a:gd name="connsiteX49" fmla="*/ 0 w 12192000"/>
+              <a:gd name="connsiteY49" fmla="*/ 1750824 h 2270840"/>
+              <a:gd name="connsiteX50" fmla="*/ 0 w 12192000"/>
+              <a:gd name="connsiteY50" fmla="*/ 744794 h 2270840"/>
+              <a:gd name="connsiteX51" fmla="*/ 0 w 12192000"/>
+              <a:gd name="connsiteY51" fmla="*/ 519831 h 2270840"/>
+            </a:gdLst>
+            <a:ahLst/>
+            <a:cxnLst>
+              <a:cxn ang="0">
+                <a:pos x="connsiteX0" y="connsiteY0"/>
+              </a:cxn>
+              <a:cxn ang="0">
+                <a:pos x="connsiteX1" y="connsiteY1"/>
+              </a:cxn>
+              <a:cxn ang="0">
+                <a:pos x="connsiteX2" y="connsiteY2"/>
+              </a:cxn>
+              <a:cxn ang="0">
+                <a:pos x="connsiteX3" y="connsiteY3"/>
+              </a:cxn>
+              <a:cxn ang="0">
+                <a:pos x="connsiteX4" y="connsiteY4"/>
+              </a:cxn>
+              <a:cxn ang="0">
+                <a:pos x="connsiteX5" y="connsiteY5"/>
+              </a:cxn>
+              <a:cxn ang="0">
+                <a:pos x="connsiteX6" y="connsiteY6"/>
+              </a:cxn>
+              <a:cxn ang="0">
+                <a:pos x="connsiteX7" y="connsiteY7"/>
+              </a:cxn>
+              <a:cxn ang="0">
+                <a:pos x="connsiteX8" y="connsiteY8"/>
+              </a:cxn>
+              <a:cxn ang="0">
+                <a:pos x="connsiteX9" y="connsiteY9"/>
+              </a:cxn>
+              <a:cxn ang="0">
+                <a:pos x="connsiteX10" y="connsiteY10"/>
+              </a:cxn>
+              <a:cxn ang="0">
+                <a:pos x="connsiteX11" y="connsiteY11"/>
+              </a:cxn>
+              <a:cxn ang="0">
+                <a:pos x="connsiteX12" y="connsiteY12"/>
+              </a:cxn>
+              <a:cxn ang="0">
+                <a:pos x="connsiteX13" y="connsiteY13"/>
+              </a:cxn>
+              <a:cxn ang="0">
+                <a:pos x="connsiteX14" y="connsiteY14"/>
+              </a:cxn>
+              <a:cxn ang="0">
+                <a:pos x="connsiteX15" y="connsiteY15"/>
+              </a:cxn>
+              <a:cxn ang="0">
+                <a:pos x="connsiteX16" y="connsiteY16"/>
+              </a:cxn>
+              <a:cxn ang="0">
+                <a:pos x="connsiteX17" y="connsiteY17"/>
+              </a:cxn>
+              <a:cxn ang="0">
+                <a:pos x="connsiteX18" y="connsiteY18"/>
+              </a:cxn>
+              <a:cxn ang="0">
+                <a:pos x="connsiteX19" y="connsiteY19"/>
+              </a:cxn>
+              <a:cxn ang="0">
+                <a:pos x="connsiteX20" y="connsiteY20"/>
+              </a:cxn>
+              <a:cxn ang="0">
+                <a:pos x="connsiteX21" y="connsiteY21"/>
+              </a:cxn>
+              <a:cxn ang="0">
+                <a:pos x="connsiteX22" y="connsiteY22"/>
+              </a:cxn>
+              <a:cxn ang="0">
+                <a:pos x="connsiteX23" y="connsiteY23"/>
+              </a:cxn>
+              <a:cxn ang="0">
+                <a:pos x="connsiteX24" y="connsiteY24"/>
+              </a:cxn>
+              <a:cxn ang="0">
+                <a:pos x="connsiteX25" y="connsiteY25"/>
+              </a:cxn>
+              <a:cxn ang="0">
+                <a:pos x="connsiteX26" y="connsiteY26"/>
+              </a:cxn>
+              <a:cxn ang="0">
+                <a:pos x="connsiteX27" y="connsiteY27"/>
+              </a:cxn>
+              <a:cxn ang="0">
+                <a:pos x="connsiteX28" y="connsiteY28"/>
+              </a:cxn>
+              <a:cxn ang="0">
+                <a:pos x="connsiteX29" y="connsiteY29"/>
+              </a:cxn>
+              <a:cxn ang="0">
+                <a:pos x="connsiteX30" y="connsiteY30"/>
+              </a:cxn>
+              <a:cxn ang="0">
+                <a:pos x="connsiteX31" y="connsiteY31"/>
+              </a:cxn>
+              <a:cxn ang="0">
+                <a:pos x="connsiteX32" y="connsiteY32"/>
+              </a:cxn>
+              <a:cxn ang="0">
+                <a:pos x="connsiteX33" y="connsiteY33"/>
+              </a:cxn>
+              <a:cxn ang="0">
+                <a:pos x="connsiteX34" y="connsiteY34"/>
+              </a:cxn>
+              <a:cxn ang="0">
+                <a:pos x="connsiteX35" y="connsiteY35"/>
+              </a:cxn>
+              <a:cxn ang="0">
+                <a:pos x="connsiteX36" y="connsiteY36"/>
+              </a:cxn>
+              <a:cxn ang="0">
+                <a:pos x="connsiteX37" y="connsiteY37"/>
+              </a:cxn>
+              <a:cxn ang="0">
+                <a:pos x="connsiteX38" y="connsiteY38"/>
+              </a:cxn>
+              <a:cxn ang="0">
+                <a:pos x="connsiteX39" y="connsiteY39"/>
+              </a:cxn>
+              <a:cxn ang="0">
+                <a:pos x="connsiteX40" y="connsiteY40"/>
+              </a:cxn>
+              <a:cxn ang="0">
+                <a:pos x="connsiteX41" y="connsiteY41"/>
+              </a:cxn>
+              <a:cxn ang="0">
+                <a:pos x="connsiteX42" y="connsiteY42"/>
+              </a:cxn>
+              <a:cxn ang="0">
+                <a:pos x="connsiteX43" y="connsiteY43"/>
+              </a:cxn>
+              <a:cxn ang="0">
+                <a:pos x="connsiteX44" y="connsiteY44"/>
+              </a:cxn>
+              <a:cxn ang="0">
+                <a:pos x="connsiteX45" y="connsiteY45"/>
+              </a:cxn>
+              <a:cxn ang="0">
+                <a:pos x="connsiteX46" y="connsiteY46"/>
+              </a:cxn>
+              <a:cxn ang="0">
+                <a:pos x="connsiteX47" y="connsiteY47"/>
+              </a:cxn>
+              <a:cxn ang="0">
+                <a:pos x="connsiteX48" y="connsiteY48"/>
+              </a:cxn>
+              <a:cxn ang="0">
+                <a:pos x="connsiteX49" y="connsiteY49"/>
+              </a:cxn>
+              <a:cxn ang="0">
+                <a:pos x="connsiteX50" y="connsiteY50"/>
+              </a:cxn>
+              <a:cxn ang="0">
+                <a:pos x="connsiteX51" y="connsiteY51"/>
+              </a:cxn>
+            </a:cxnLst>
+            <a:rect l="l" t="t" r="r" b="b"/>
+            <a:pathLst>
+              <a:path w="12192000" h="2270840">
+                <a:moveTo>
+                  <a:pt x="0" y="0"/>
+                </a:moveTo>
+                <a:lnTo>
+                  <a:pt x="12192000" y="0"/>
+                </a:lnTo>
+                <a:lnTo>
+                  <a:pt x="12192000" y="519831"/>
+                </a:lnTo>
+                <a:lnTo>
+                  <a:pt x="12192000" y="744794"/>
+                </a:lnTo>
+                <a:lnTo>
+                  <a:pt x="12192000" y="1754022"/>
+                </a:lnTo>
+                <a:lnTo>
+                  <a:pt x="11957522" y="1797924"/>
+                </a:lnTo>
+                <a:lnTo>
+                  <a:pt x="11679973" y="1847668"/>
+                </a:lnTo>
+                <a:lnTo>
+                  <a:pt x="11401197" y="1896361"/>
+                </a:lnTo>
+                <a:lnTo>
+                  <a:pt x="11121192" y="1938047"/>
+                </a:lnTo>
+                <a:lnTo>
+                  <a:pt x="10842416" y="1980084"/>
+                </a:lnTo>
+                <a:lnTo>
+                  <a:pt x="10562411" y="2019319"/>
+                </a:lnTo>
+                <a:lnTo>
+                  <a:pt x="10286091" y="2052948"/>
+                </a:lnTo>
+                <a:lnTo>
+                  <a:pt x="10006086" y="2084826"/>
+                </a:lnTo>
+                <a:lnTo>
+                  <a:pt x="9727310" y="2113902"/>
+                </a:lnTo>
+                <a:lnTo>
+                  <a:pt x="9453445" y="2139124"/>
+                </a:lnTo>
+                <a:lnTo>
+                  <a:pt x="9175897" y="2164346"/>
+                </a:lnTo>
+                <a:lnTo>
+                  <a:pt x="8902033" y="2185365"/>
+                </a:lnTo>
+                <a:lnTo>
+                  <a:pt x="8628169" y="2201829"/>
+                </a:lnTo>
+                <a:lnTo>
+                  <a:pt x="8355533" y="2218995"/>
+                </a:lnTo>
+                <a:lnTo>
+                  <a:pt x="8085353" y="2233357"/>
+                </a:lnTo>
+                <a:lnTo>
+                  <a:pt x="7817629" y="2243516"/>
+                </a:lnTo>
+                <a:lnTo>
+                  <a:pt x="7549905" y="2252274"/>
+                </a:lnTo>
+                <a:lnTo>
+                  <a:pt x="7284638" y="2260681"/>
+                </a:lnTo>
+                <a:lnTo>
+                  <a:pt x="7023055" y="2264535"/>
+                </a:lnTo>
+                <a:lnTo>
+                  <a:pt x="6761472" y="2268738"/>
+                </a:lnTo>
+                <a:lnTo>
+                  <a:pt x="6503573" y="2270840"/>
+                </a:lnTo>
+                <a:lnTo>
+                  <a:pt x="6248130" y="2268738"/>
+                </a:lnTo>
+                <a:lnTo>
+                  <a:pt x="5995144" y="2268738"/>
+                </a:lnTo>
+                <a:lnTo>
+                  <a:pt x="5744613" y="2264535"/>
+                </a:lnTo>
+                <a:lnTo>
+                  <a:pt x="5498995" y="2258229"/>
+                </a:lnTo>
+                <a:lnTo>
+                  <a:pt x="5255834" y="2252274"/>
+                </a:lnTo>
+                <a:lnTo>
+                  <a:pt x="5017584" y="2245618"/>
+                </a:lnTo>
+                <a:lnTo>
+                  <a:pt x="4780562" y="2235459"/>
+                </a:lnTo>
+                <a:lnTo>
+                  <a:pt x="4547227" y="2224599"/>
+                </a:lnTo>
+                <a:lnTo>
+                  <a:pt x="4318800" y="2214791"/>
+                </a:lnTo>
+                <a:lnTo>
+                  <a:pt x="3873004" y="2187116"/>
+                </a:lnTo>
+                <a:lnTo>
+                  <a:pt x="3445628" y="2157691"/>
+                </a:lnTo>
+                <a:lnTo>
+                  <a:pt x="3035446" y="2126863"/>
+                </a:lnTo>
+                <a:lnTo>
+                  <a:pt x="2647370" y="2092884"/>
+                </a:lnTo>
+                <a:lnTo>
+                  <a:pt x="2276487" y="2057502"/>
+                </a:lnTo>
+                <a:lnTo>
+                  <a:pt x="1932621" y="2019319"/>
+                </a:lnTo>
+                <a:lnTo>
+                  <a:pt x="1609634" y="1981836"/>
+                </a:lnTo>
+                <a:lnTo>
+                  <a:pt x="1312435" y="1944353"/>
+                </a:lnTo>
+                <a:lnTo>
+                  <a:pt x="1039799" y="1908972"/>
+                </a:lnTo>
+                <a:lnTo>
+                  <a:pt x="797865" y="1875342"/>
+                </a:lnTo>
+                <a:lnTo>
+                  <a:pt x="579265" y="1843464"/>
+                </a:lnTo>
+                <a:lnTo>
+                  <a:pt x="395052" y="1816841"/>
+                </a:lnTo>
+                <a:lnTo>
+                  <a:pt x="240312" y="1791618"/>
+                </a:lnTo>
+                <a:lnTo>
+                  <a:pt x="27853" y="1755537"/>
+                </a:lnTo>
+                <a:lnTo>
+                  <a:pt x="0" y="1750824"/>
+                </a:lnTo>
+                <a:lnTo>
+                  <a:pt x="0" y="744794"/>
+                </a:lnTo>
+                <a:lnTo>
+                  <a:pt x="0" y="519831"/>
+                </a:lnTo>
+                <a:close/>
+              </a:path>
+            </a:pathLst>
+          </a:custGeom>
           <a:ln w="44450">
             <a:gradFill>
               <a:gsLst>
@@ -7319,11 +7945,11 @@
             </a:gradFill>
           </a:ln>
           <a:effectLst>
-            <a:innerShdw blurRad="63500" dist="50800" dir="14460000">
+            <a:outerShdw blurRad="50800" dist="38100" dir="5400000" algn="t" rotWithShape="0">
               <a:prstClr val="black">
-                <a:alpha val="70000"/>
+                <a:alpha val="50000"/>
               </a:prstClr>
-            </a:innerShdw>
+            </a:outerShdw>
           </a:effectLst>
         </p:spPr>
         <p:style>
@@ -7343,7 +7969,9 @@
           </a:fontRef>
         </p:style>
         <p:txBody>
-          <a:bodyPr rtlCol="0" anchor="ctr"/>
+          <a:bodyPr wrap="square" rtlCol="0" anchor="ctr">
+            <a:noAutofit/>
+          </a:bodyPr>
           <a:lstStyle/>
           <a:p>
             <a:pPr algn="ctr"/>
@@ -7351,113 +7979,93 @@
           </a:p>
         </p:txBody>
       </p:sp>
-      <p:cxnSp>
-        <p:nvCxnSpPr>
-          <p:cNvPr id="10" name="Straight Connector 9">
-            <a:extLst>
-              <a:ext uri="{FF2B5EF4-FFF2-40B4-BE49-F238E27FC236}">
-                <a16:creationId xmlns:a16="http://schemas.microsoft.com/office/drawing/2014/main" xmlns="" id="{C8F75BF3-096E-451E-A222-96A7F0946814}"/>
-              </a:ext>
-            </a:extLst>
-          </p:cNvPr>
-          <p:cNvCxnSpPr>
-            <a:cxnSpLocks noGrp="1" noRot="1" noChangeAspect="1" noMove="1" noResize="1" noEditPoints="1" noAdjustHandles="1" noChangeArrowheads="1" noChangeShapeType="1"/>
-          </p:cNvCxnSpPr>
-          <p:nvPr>
-            <p:extLst>
-              <p:ext uri="{386F3935-93C4-4BCD-93E2-E3B085C9AB24}">
-                <p16:designElem xmlns:p16="http://schemas.microsoft.com/office/powerpoint/2015/main" xmlns="" val="1"/>
-              </p:ext>
-            </p:extLst>
-          </p:nvPr>
-        </p:nvCxnSpPr>
+      <p:sp>
+        <p:nvSpPr>
+          <p:cNvPr id="2" name="Title 1"/>
+          <p:cNvSpPr>
+            <a:spLocks noGrp="1"/>
+          </p:cNvSpPr>
+          <p:nvPr>
+            <p:ph type="title"/>
+          </p:nvPr>
+        </p:nvSpPr>
         <p:spPr>
           <a:xfrm>
-            <a:off x="7538699" y="1490778"/>
-            <a:ext cx="0" cy="3876444"/>
-          </a:xfrm>
-          <a:prstGeom prst="line">
-            <a:avLst/>
-          </a:prstGeom>
-        </p:spPr>
-        <p:style>
-          <a:lnRef idx="1">
-            <a:schemeClr val="accent1"/>
-          </a:lnRef>
-          <a:fillRef idx="0">
-            <a:schemeClr val="accent1"/>
-          </a:fillRef>
-          <a:effectRef idx="0">
-            <a:schemeClr val="accent1"/>
-          </a:effectRef>
-          <a:fontRef idx="minor">
-            <a:schemeClr val="tx1"/>
-          </a:fontRef>
-        </p:style>
-      </p:cxnSp>
-      <p:sp>
-        <p:nvSpPr>
-          <p:cNvPr id="2" name="Title 1"/>
-          <p:cNvSpPr>
-            <a:spLocks noGrp="1"/>
-          </p:cNvSpPr>
-          <p:nvPr>
-            <p:ph type="title"/>
-          </p:nvPr>
-        </p:nvSpPr>
-        <p:spPr>
-          <a:xfrm>
-            <a:off x="1141413" y="965199"/>
-            <a:ext cx="6075552" cy="4918075"/>
+            <a:off x="1141413" y="609600"/>
+            <a:ext cx="9905998" cy="1173480"/>
           </a:xfrm>
         </p:spPr>
         <p:txBody>
-          <a:bodyPr vert="horz" lIns="91440" tIns="45720" rIns="91440" bIns="45720" rtlCol="0" anchor="ctr">
+          <a:bodyPr>
             <a:normAutofit/>
           </a:bodyPr>
           <a:lstStyle/>
           <a:p>
-            <a:pPr algn="r"/>
-            <a:r>
-              <a:rPr lang="en-US" sz="5400" cap="none" dirty="0" smtClean="0"/>
+            <a:pPr algn="ctr"/>
+            <a:r>
+              <a:rPr lang="en-US" dirty="0"/>
               <a:t>Approach</a:t>
             </a:r>
-            <a:endParaRPr lang="en-US" sz="5400" dirty="0">
-              <a:effectLst>
-                <a:glow rad="38100">
-                  <a:schemeClr val="bg1">
-                    <a:lumMod val="65000"/>
-                    <a:lumOff val="35000"/>
-                    <a:alpha val="50000"/>
-                  </a:schemeClr>
-                </a:glow>
-                <a:outerShdw blurRad="28575" dist="31750" dir="13200000" algn="tl" rotWithShape="0">
-                  <a:srgbClr val="000000">
-                    <a:alpha val="25000"/>
-                  </a:srgbClr>
-                </a:outerShdw>
-              </a:effectLst>
-            </a:endParaRPr>
+          </a:p>
+        </p:txBody>
+      </p:sp>
+      <p:sp>
+        <p:nvSpPr>
+          <p:cNvPr id="3" name="Content Placeholder 2"/>
+          <p:cNvSpPr>
+            <a:spLocks noGrp="1"/>
+          </p:cNvSpPr>
+          <p:nvPr>
+            <p:ph idx="1"/>
+          </p:nvPr>
+        </p:nvSpPr>
+        <p:spPr>
+          <a:xfrm>
+            <a:off x="1141413" y="2666999"/>
+            <a:ext cx="9905998" cy="3124201"/>
+          </a:xfrm>
+        </p:spPr>
+        <p:txBody>
+          <a:bodyPr>
+            <a:normAutofit/>
+          </a:bodyPr>
+          <a:lstStyle/>
+          <a:p>
+            <a:r>
+              <a:rPr lang="en-US" dirty="0"/>
+              <a:t>Request user to enter their name</a:t>
+            </a:r>
+          </a:p>
+          <a:p>
+            <a:r>
+              <a:rPr lang="en-US" dirty="0"/>
+              <a:t>Allow user to choose direction of play</a:t>
+            </a:r>
+          </a:p>
+          <a:p>
+            <a:r>
+              <a:rPr lang="en-US" dirty="0"/>
+              <a:t>Store history</a:t>
+            </a:r>
+          </a:p>
+          <a:p>
+            <a:r>
+              <a:rPr lang="en-US" dirty="0"/>
+              <a:t>Preserve game logic unique to area</a:t>
+            </a:r>
           </a:p>
         </p:txBody>
       </p:sp>
     </p:spTree>
     <p:extLst>
       <p:ext uri="{BB962C8B-B14F-4D97-AF65-F5344CB8AC3E}">
-        <p14:creationId xmlns:p14="http://schemas.microsoft.com/office/powerpoint/2010/main" val="993307372"/>
+        <p14:creationId xmlns:p14="http://schemas.microsoft.com/office/powerpoint/2010/main" val="4194816747"/>
       </p:ext>
     </p:extLst>
   </p:cSld>
   <p:clrMapOvr>
     <a:masterClrMapping/>
   </p:clrMapOvr>
-  <p:timing>
-    <p:tnLst>
-      <p:par>
-        <p:cTn xmlns:p14="http://schemas.microsoft.com/office/powerpoint/2010/main" id="1" dur="indefinite" restart="never" nodeType="tmRoot"/>
-      </p:par>
-    </p:tnLst>
-  </p:timing>
 </p:sld>
 </file>
 
@@ -7503,10 +8111,10 @@
       </p:grpSpPr>
       <p:sp>
         <p:nvSpPr>
-          <p:cNvPr id="8" name="Rectangle 7">
+          <p:cNvPr id="7" name="Rectangle 6">
             <a:extLst>
               <a:ext uri="{FF2B5EF4-FFF2-40B4-BE49-F238E27FC236}">
-                <a16:creationId xmlns:a16="http://schemas.microsoft.com/office/drawing/2014/main" xmlns="" id="{375136A9-49F9-4DA0-A741-F065B0FA091D}"/>
+                <a16:creationId xmlns="" xmlns:a16="http://schemas.microsoft.com/office/drawing/2014/main" id="{DBAB564B-ADD8-4689-B47D-479E0B6B4280}"/>
               </a:ext>
             </a:extLst>
           </p:cNvPr>
@@ -7516,32 +8124,25 @@
           <p:nvPr>
             <p:extLst>
               <p:ext uri="{386F3935-93C4-4BCD-93E2-E3B085C9AB24}">
-                <p16:designElem xmlns:p16="http://schemas.microsoft.com/office/powerpoint/2015/main" xmlns="" val="1"/>
+                <p16:designElem xmlns:p16="http://schemas.microsoft.com/office/powerpoint/2015/main" val="1"/>
               </p:ext>
             </p:extLst>
           </p:nvPr>
         </p:nvSpPr>
         <p:spPr>
           <a:xfrm>
-            <a:off x="4633356" y="0"/>
-            <a:ext cx="7558643" cy="6858000"/>
+            <a:off x="9066900" y="1"/>
+            <a:ext cx="3125099" cy="6858000"/>
           </a:xfrm>
           <a:prstGeom prst="rect">
             <a:avLst/>
           </a:prstGeom>
           <a:solidFill>
-            <a:schemeClr val="bg2"/>
+            <a:srgbClr val="363D46"/>
           </a:solidFill>
           <a:ln>
             <a:noFill/>
           </a:ln>
-          <a:effectLst>
-            <a:innerShdw blurRad="63500" dist="50800" dir="10800000">
-              <a:prstClr val="black">
-                <a:alpha val="50000"/>
-              </a:prstClr>
-            </a:innerShdw>
-          </a:effectLst>
         </p:spPr>
         <p:style>
           <a:lnRef idx="2">
@@ -7564,16 +8165,16 @@
           <a:lstStyle/>
           <a:p>
             <a:pPr algn="ctr"/>
-            <a:endParaRPr lang="en-US" dirty="0"/>
-          </a:p>
-        </p:txBody>
-      </p:sp>
-      <p:sp>
-        <p:nvSpPr>
-          <p:cNvPr id="10" name="Rectangle 9">
+            <a:endParaRPr lang="en-US"/>
+          </a:p>
+        </p:txBody>
+      </p:sp>
+      <p:sp>
+        <p:nvSpPr>
+          <p:cNvPr id="9" name="Rectangle 8">
             <a:extLst>
               <a:ext uri="{FF2B5EF4-FFF2-40B4-BE49-F238E27FC236}">
-                <a16:creationId xmlns:a16="http://schemas.microsoft.com/office/drawing/2014/main" xmlns="" id="{B912F6C7-0423-4B6F-AECE-710C848918FD}"/>
+                <a16:creationId xmlns="" xmlns:a16="http://schemas.microsoft.com/office/drawing/2014/main" id="{A634D109-15AA-4283-A14C-F630CD88D06E}"/>
               </a:ext>
             </a:extLst>
           </p:cNvPr>
@@ -7583,14 +8184,14 @@
           <p:nvPr>
             <p:extLst>
               <p:ext uri="{386F3935-93C4-4BCD-93E2-E3B085C9AB24}">
-                <p16:designElem xmlns:p16="http://schemas.microsoft.com/office/powerpoint/2015/main" xmlns="" val="1"/>
+                <p16:designElem xmlns:p16="http://schemas.microsoft.com/office/powerpoint/2015/main" val="1"/>
               </p:ext>
             </p:extLst>
           </p:nvPr>
         </p:nvSpPr>
         <p:spPr>
           <a:xfrm rot="5400000" flipH="1">
-            <a:off x="1446539" y="3195797"/>
+            <a:off x="5895765" y="3195797"/>
             <a:ext cx="6858000" cy="466406"/>
           </a:xfrm>
           <a:prstGeom prst="rect">
@@ -7648,10 +8249,10 @@
       </p:sp>
       <p:cxnSp>
         <p:nvCxnSpPr>
-          <p:cNvPr id="12" name="Straight Connector 11">
+          <p:cNvPr id="11" name="Straight Connector 10">
             <a:extLst>
               <a:ext uri="{FF2B5EF4-FFF2-40B4-BE49-F238E27FC236}">
-                <a16:creationId xmlns:a16="http://schemas.microsoft.com/office/drawing/2014/main" xmlns="" id="{A7208205-03EE-4EC8-9C34-59270C1880D8}"/>
+                <a16:creationId xmlns="" xmlns:a16="http://schemas.microsoft.com/office/drawing/2014/main" id="{AF1E8C17-E280-423E-BE27-607AA18BDBA3}"/>
               </a:ext>
             </a:extLst>
           </p:cNvPr>
@@ -7661,14 +8262,14 @@
           <p:nvPr>
             <p:extLst>
               <p:ext uri="{386F3935-93C4-4BCD-93E2-E3B085C9AB24}">
-                <p16:designElem xmlns:p16="http://schemas.microsoft.com/office/powerpoint/2015/main" xmlns="" val="1"/>
+                <p16:designElem xmlns:p16="http://schemas.microsoft.com/office/powerpoint/2015/main" val="1"/>
               </p:ext>
             </p:extLst>
           </p:nvPr>
         </p:nvCxnSpPr>
         <p:spPr>
-          <a:xfrm>
-            <a:off x="4642336" y="0"/>
+          <a:xfrm flipV="1">
+            <a:off x="9066901" y="1"/>
             <a:ext cx="0" cy="6858000"/>
           </a:xfrm>
           <a:prstGeom prst="line">
@@ -7695,11 +8296,11 @@
             <a:miter lim="800000"/>
           </a:ln>
           <a:effectLst>
-            <a:innerShdw blurRad="57150" dist="38100" dir="14460000">
-              <a:srgbClr val="000000">
+            <a:outerShdw blurRad="57150" dist="25400" algn="l" rotWithShape="0">
+              <a:prstClr val="black">
                 <a:alpha val="70000"/>
-              </a:srgbClr>
-            </a:innerShdw>
+              </a:prstClr>
+            </a:outerShdw>
           </a:effectLst>
         </p:spPr>
         <p:style>
@@ -7731,109 +8332,49 @@
         </p:nvSpPr>
         <p:spPr>
           <a:xfrm>
-            <a:off x="974179" y="714375"/>
-            <a:ext cx="3332955" cy="5076826"/>
+            <a:off x="1195251" y="847726"/>
+            <a:ext cx="7252845" cy="4029412"/>
           </a:xfrm>
         </p:spPr>
         <p:txBody>
-          <a:bodyPr anchor="ctr">
+          <a:bodyPr vert="horz" lIns="91440" tIns="45720" rIns="91440" bIns="45720" rtlCol="0" anchor="b">
             <a:normAutofit/>
           </a:bodyPr>
           <a:lstStyle/>
           <a:p>
-            <a:r>
-              <a:rPr lang="en-US" sz="3100" dirty="0" smtClean="0"/>
-              <a:t>Approach</a:t>
-            </a:r>
-            <a:endParaRPr lang="en-US" sz="3100" dirty="0"/>
-          </a:p>
-        </p:txBody>
-      </p:sp>
-      <p:sp>
-        <p:nvSpPr>
-          <p:cNvPr id="3" name="Content Placeholder 2"/>
-          <p:cNvSpPr>
-            <a:spLocks noGrp="1"/>
-          </p:cNvSpPr>
-          <p:nvPr>
-            <p:ph idx="1"/>
-          </p:nvPr>
-        </p:nvSpPr>
-        <p:spPr>
-          <a:xfrm>
-            <a:off x="4973046" y="714375"/>
-            <a:ext cx="6253751" cy="5076825"/>
-          </a:xfrm>
-        </p:spPr>
-        <p:txBody>
-          <a:bodyPr>
-            <a:normAutofit/>
-          </a:bodyPr>
-          <a:lstStyle/>
-          <a:p>
-            <a:r>
-              <a:rPr lang="en-US" dirty="0">
-                <a:solidFill>
-                  <a:schemeClr val="tx1"/>
-                </a:solidFill>
+            <a:pPr algn="r"/>
+            <a:r>
+              <a:rPr lang="en-US" sz="6600">
+                <a:effectLst>
+                  <a:glow rad="38100">
+                    <a:schemeClr val="bg1">
+                      <a:lumMod val="65000"/>
+                      <a:lumOff val="35000"/>
+                      <a:alpha val="50000"/>
+                    </a:schemeClr>
+                  </a:glow>
+                  <a:outerShdw blurRad="28575" dist="31750" dir="13200000" algn="tl" rotWithShape="0">
+                    <a:srgbClr val="000000">
+                      <a:alpha val="25000"/>
+                    </a:srgbClr>
+                  </a:outerShdw>
+                </a:effectLst>
               </a:rPr>
-              <a:t>Request user to enter their name</a:t>
-            </a:r>
-          </a:p>
-          <a:p>
-            <a:r>
-              <a:rPr lang="en-US" dirty="0" smtClean="0">
-                <a:solidFill>
-                  <a:schemeClr val="tx1"/>
-                </a:solidFill>
-              </a:rPr>
-              <a:t>Allow user to choose direction of play</a:t>
-            </a:r>
-          </a:p>
-          <a:p>
-            <a:r>
-              <a:rPr lang="en-US" dirty="0" smtClean="0">
-                <a:solidFill>
-                  <a:schemeClr val="tx1"/>
-                </a:solidFill>
-              </a:rPr>
-              <a:t>Store history</a:t>
-            </a:r>
-          </a:p>
-          <a:p>
-            <a:r>
-              <a:rPr lang="en-US" dirty="0" smtClean="0">
-                <a:solidFill>
-                  <a:schemeClr val="tx1"/>
-                </a:solidFill>
-              </a:rPr>
-              <a:t>Preserve game logic unique to area</a:t>
-            </a:r>
-            <a:endParaRPr lang="en-US" dirty="0">
-              <a:solidFill>
-                <a:schemeClr val="tx1"/>
-              </a:solidFill>
-            </a:endParaRPr>
+              <a:t>Results</a:t>
+            </a:r>
           </a:p>
         </p:txBody>
       </p:sp>
     </p:spTree>
     <p:extLst>
       <p:ext uri="{BB962C8B-B14F-4D97-AF65-F5344CB8AC3E}">
-        <p14:creationId xmlns:p14="http://schemas.microsoft.com/office/powerpoint/2010/main" val="2126613073"/>
+        <p14:creationId xmlns:p14="http://schemas.microsoft.com/office/powerpoint/2010/main" val="4201724618"/>
       </p:ext>
     </p:extLst>
   </p:cSld>
   <p:clrMapOvr>
     <a:masterClrMapping/>
   </p:clrMapOvr>
-  <p:timing>
-    <p:tnLst>
-      <p:par>
-        <p:cTn xmlns:p14="http://schemas.microsoft.com/office/powerpoint/2010/main" id="1" dur="indefinite" restart="never" nodeType="tmRoot"/>
-      </p:par>
-    </p:tnLst>
-  </p:timing>
 </p:sld>
 </file>
 
@@ -7879,10 +8420,10 @@
       </p:grpSpPr>
       <p:sp>
         <p:nvSpPr>
-          <p:cNvPr id="8" name="Rounded Rectangle 9">
+          <p:cNvPr id="8" name="Rectangle 7">
             <a:extLst>
               <a:ext uri="{FF2B5EF4-FFF2-40B4-BE49-F238E27FC236}">
-                <a16:creationId xmlns:a16="http://schemas.microsoft.com/office/drawing/2014/main" xmlns="" id="{BCA2EB72-13DC-4DC6-B461-3B036C55B925}"/>
+                <a16:creationId xmlns="" xmlns:a16="http://schemas.microsoft.com/office/drawing/2014/main" id="{5690F3EE-0CD1-4520-B020-4E1DF3141C74}"/>
               </a:ext>
             </a:extLst>
           </p:cNvPr>
@@ -7892,26 +8433,506 @@
           <p:nvPr>
             <p:extLst>
               <p:ext uri="{386F3935-93C4-4BCD-93E2-E3B085C9AB24}">
-                <p16:designElem xmlns:p16="http://schemas.microsoft.com/office/powerpoint/2015/main" xmlns="" val="1"/>
+                <p16:designElem xmlns:p16="http://schemas.microsoft.com/office/powerpoint/2015/main" val="1"/>
               </p:ext>
             </p:extLst>
           </p:nvPr>
         </p:nvSpPr>
         <p:spPr>
           <a:xfrm>
-            <a:off x="643467" y="643467"/>
-            <a:ext cx="10905066" cy="5571066"/>
+            <a:off x="0" y="-1"/>
+            <a:ext cx="12192000" cy="6858001"/>
           </a:xfrm>
-          <a:prstGeom prst="roundRect">
-            <a:avLst>
-              <a:gd name="adj" fmla="val 2627"/>
-            </a:avLst>
+          <a:prstGeom prst="rect">
+            <a:avLst/>
           </a:prstGeom>
           <a:solidFill>
-            <a:schemeClr val="bg2">
-              <a:lumMod val="75000"/>
+            <a:schemeClr val="bg2"/>
+          </a:solidFill>
+          <a:ln>
+            <a:noFill/>
+          </a:ln>
+        </p:spPr>
+        <p:style>
+          <a:lnRef idx="2">
+            <a:schemeClr val="accent1">
+              <a:shade val="50000"/>
             </a:schemeClr>
-          </a:solidFill>
+          </a:lnRef>
+          <a:fillRef idx="1">
+            <a:schemeClr val="accent1"/>
+          </a:fillRef>
+          <a:effectRef idx="0">
+            <a:schemeClr val="accent1"/>
+          </a:effectRef>
+          <a:fontRef idx="minor">
+            <a:schemeClr val="lt1"/>
+          </a:fontRef>
+        </p:style>
+        <p:txBody>
+          <a:bodyPr rtlCol="0" anchor="ctr"/>
+          <a:lstStyle/>
+          <a:p>
+            <a:pPr algn="ctr"/>
+            <a:endParaRPr lang="en-US"/>
+          </a:p>
+        </p:txBody>
+      </p:sp>
+      <p:sp useBgFill="1">
+        <p:nvSpPr>
+          <p:cNvPr id="10" name="Freeform: Shape 9">
+            <a:extLst>
+              <a:ext uri="{FF2B5EF4-FFF2-40B4-BE49-F238E27FC236}">
+                <a16:creationId xmlns="" xmlns:a16="http://schemas.microsoft.com/office/drawing/2014/main" id="{9EFDE1E9-7FE0-45CA-9DE2-237F77319A9F}"/>
+              </a:ext>
+            </a:extLst>
+          </p:cNvPr>
+          <p:cNvSpPr>
+            <a:spLocks noGrp="1" noRot="1" noChangeAspect="1" noMove="1" noResize="1" noEditPoints="1" noAdjustHandles="1" noChangeArrowheads="1" noChangeShapeType="1" noTextEdit="1"/>
+          </p:cNvSpPr>
+          <p:nvPr>
+            <p:extLst>
+              <p:ext uri="{386F3935-93C4-4BCD-93E2-E3B085C9AB24}">
+                <p16:designElem xmlns:p16="http://schemas.microsoft.com/office/powerpoint/2015/main" val="1"/>
+              </p:ext>
+            </p:extLst>
+          </p:nvPr>
+        </p:nvSpPr>
+        <p:spPr>
+          <a:xfrm>
+            <a:off x="0" y="-1"/>
+            <a:ext cx="12192000" cy="2270840"/>
+          </a:xfrm>
+          <a:custGeom>
+            <a:avLst/>
+            <a:gdLst>
+              <a:gd name="connsiteX0" fmla="*/ 0 w 12192000"/>
+              <a:gd name="connsiteY0" fmla="*/ 0 h 2270840"/>
+              <a:gd name="connsiteX1" fmla="*/ 12192000 w 12192000"/>
+              <a:gd name="connsiteY1" fmla="*/ 0 h 2270840"/>
+              <a:gd name="connsiteX2" fmla="*/ 12192000 w 12192000"/>
+              <a:gd name="connsiteY2" fmla="*/ 519831 h 2270840"/>
+              <a:gd name="connsiteX3" fmla="*/ 12192000 w 12192000"/>
+              <a:gd name="connsiteY3" fmla="*/ 744794 h 2270840"/>
+              <a:gd name="connsiteX4" fmla="*/ 12192000 w 12192000"/>
+              <a:gd name="connsiteY4" fmla="*/ 1754022 h 2270840"/>
+              <a:gd name="connsiteX5" fmla="*/ 11957522 w 12192000"/>
+              <a:gd name="connsiteY5" fmla="*/ 1797924 h 2270840"/>
+              <a:gd name="connsiteX6" fmla="*/ 11679973 w 12192000"/>
+              <a:gd name="connsiteY6" fmla="*/ 1847668 h 2270840"/>
+              <a:gd name="connsiteX7" fmla="*/ 11401197 w 12192000"/>
+              <a:gd name="connsiteY7" fmla="*/ 1896361 h 2270840"/>
+              <a:gd name="connsiteX8" fmla="*/ 11121192 w 12192000"/>
+              <a:gd name="connsiteY8" fmla="*/ 1938047 h 2270840"/>
+              <a:gd name="connsiteX9" fmla="*/ 10842416 w 12192000"/>
+              <a:gd name="connsiteY9" fmla="*/ 1980084 h 2270840"/>
+              <a:gd name="connsiteX10" fmla="*/ 10562411 w 12192000"/>
+              <a:gd name="connsiteY10" fmla="*/ 2019319 h 2270840"/>
+              <a:gd name="connsiteX11" fmla="*/ 10286091 w 12192000"/>
+              <a:gd name="connsiteY11" fmla="*/ 2052948 h 2270840"/>
+              <a:gd name="connsiteX12" fmla="*/ 10006086 w 12192000"/>
+              <a:gd name="connsiteY12" fmla="*/ 2084826 h 2270840"/>
+              <a:gd name="connsiteX13" fmla="*/ 9727310 w 12192000"/>
+              <a:gd name="connsiteY13" fmla="*/ 2113902 h 2270840"/>
+              <a:gd name="connsiteX14" fmla="*/ 9453445 w 12192000"/>
+              <a:gd name="connsiteY14" fmla="*/ 2139124 h 2270840"/>
+              <a:gd name="connsiteX15" fmla="*/ 9175897 w 12192000"/>
+              <a:gd name="connsiteY15" fmla="*/ 2164346 h 2270840"/>
+              <a:gd name="connsiteX16" fmla="*/ 8902033 w 12192000"/>
+              <a:gd name="connsiteY16" fmla="*/ 2185365 h 2270840"/>
+              <a:gd name="connsiteX17" fmla="*/ 8628169 w 12192000"/>
+              <a:gd name="connsiteY17" fmla="*/ 2201829 h 2270840"/>
+              <a:gd name="connsiteX18" fmla="*/ 8355533 w 12192000"/>
+              <a:gd name="connsiteY18" fmla="*/ 2218995 h 2270840"/>
+              <a:gd name="connsiteX19" fmla="*/ 8085353 w 12192000"/>
+              <a:gd name="connsiteY19" fmla="*/ 2233357 h 2270840"/>
+              <a:gd name="connsiteX20" fmla="*/ 7817629 w 12192000"/>
+              <a:gd name="connsiteY20" fmla="*/ 2243516 h 2270840"/>
+              <a:gd name="connsiteX21" fmla="*/ 7549905 w 12192000"/>
+              <a:gd name="connsiteY21" fmla="*/ 2252274 h 2270840"/>
+              <a:gd name="connsiteX22" fmla="*/ 7284638 w 12192000"/>
+              <a:gd name="connsiteY22" fmla="*/ 2260681 h 2270840"/>
+              <a:gd name="connsiteX23" fmla="*/ 7023055 w 12192000"/>
+              <a:gd name="connsiteY23" fmla="*/ 2264535 h 2270840"/>
+              <a:gd name="connsiteX24" fmla="*/ 6761472 w 12192000"/>
+              <a:gd name="connsiteY24" fmla="*/ 2268738 h 2270840"/>
+              <a:gd name="connsiteX25" fmla="*/ 6503573 w 12192000"/>
+              <a:gd name="connsiteY25" fmla="*/ 2270840 h 2270840"/>
+              <a:gd name="connsiteX26" fmla="*/ 6248130 w 12192000"/>
+              <a:gd name="connsiteY26" fmla="*/ 2268738 h 2270840"/>
+              <a:gd name="connsiteX27" fmla="*/ 5995144 w 12192000"/>
+              <a:gd name="connsiteY27" fmla="*/ 2268738 h 2270840"/>
+              <a:gd name="connsiteX28" fmla="*/ 5744613 w 12192000"/>
+              <a:gd name="connsiteY28" fmla="*/ 2264535 h 2270840"/>
+              <a:gd name="connsiteX29" fmla="*/ 5498995 w 12192000"/>
+              <a:gd name="connsiteY29" fmla="*/ 2258229 h 2270840"/>
+              <a:gd name="connsiteX30" fmla="*/ 5255834 w 12192000"/>
+              <a:gd name="connsiteY30" fmla="*/ 2252274 h 2270840"/>
+              <a:gd name="connsiteX31" fmla="*/ 5017584 w 12192000"/>
+              <a:gd name="connsiteY31" fmla="*/ 2245618 h 2270840"/>
+              <a:gd name="connsiteX32" fmla="*/ 4780562 w 12192000"/>
+              <a:gd name="connsiteY32" fmla="*/ 2235459 h 2270840"/>
+              <a:gd name="connsiteX33" fmla="*/ 4547227 w 12192000"/>
+              <a:gd name="connsiteY33" fmla="*/ 2224599 h 2270840"/>
+              <a:gd name="connsiteX34" fmla="*/ 4318800 w 12192000"/>
+              <a:gd name="connsiteY34" fmla="*/ 2214791 h 2270840"/>
+              <a:gd name="connsiteX35" fmla="*/ 3873004 w 12192000"/>
+              <a:gd name="connsiteY35" fmla="*/ 2187116 h 2270840"/>
+              <a:gd name="connsiteX36" fmla="*/ 3445628 w 12192000"/>
+              <a:gd name="connsiteY36" fmla="*/ 2157691 h 2270840"/>
+              <a:gd name="connsiteX37" fmla="*/ 3035446 w 12192000"/>
+              <a:gd name="connsiteY37" fmla="*/ 2126863 h 2270840"/>
+              <a:gd name="connsiteX38" fmla="*/ 2647370 w 12192000"/>
+              <a:gd name="connsiteY38" fmla="*/ 2092884 h 2270840"/>
+              <a:gd name="connsiteX39" fmla="*/ 2276487 w 12192000"/>
+              <a:gd name="connsiteY39" fmla="*/ 2057502 h 2270840"/>
+              <a:gd name="connsiteX40" fmla="*/ 1932621 w 12192000"/>
+              <a:gd name="connsiteY40" fmla="*/ 2019319 h 2270840"/>
+              <a:gd name="connsiteX41" fmla="*/ 1609634 w 12192000"/>
+              <a:gd name="connsiteY41" fmla="*/ 1981836 h 2270840"/>
+              <a:gd name="connsiteX42" fmla="*/ 1312435 w 12192000"/>
+              <a:gd name="connsiteY42" fmla="*/ 1944353 h 2270840"/>
+              <a:gd name="connsiteX43" fmla="*/ 1039799 w 12192000"/>
+              <a:gd name="connsiteY43" fmla="*/ 1908972 h 2270840"/>
+              <a:gd name="connsiteX44" fmla="*/ 797865 w 12192000"/>
+              <a:gd name="connsiteY44" fmla="*/ 1875342 h 2270840"/>
+              <a:gd name="connsiteX45" fmla="*/ 579265 w 12192000"/>
+              <a:gd name="connsiteY45" fmla="*/ 1843464 h 2270840"/>
+              <a:gd name="connsiteX46" fmla="*/ 395052 w 12192000"/>
+              <a:gd name="connsiteY46" fmla="*/ 1816841 h 2270840"/>
+              <a:gd name="connsiteX47" fmla="*/ 240312 w 12192000"/>
+              <a:gd name="connsiteY47" fmla="*/ 1791618 h 2270840"/>
+              <a:gd name="connsiteX48" fmla="*/ 27853 w 12192000"/>
+              <a:gd name="connsiteY48" fmla="*/ 1755537 h 2270840"/>
+              <a:gd name="connsiteX49" fmla="*/ 0 w 12192000"/>
+              <a:gd name="connsiteY49" fmla="*/ 1750824 h 2270840"/>
+              <a:gd name="connsiteX50" fmla="*/ 0 w 12192000"/>
+              <a:gd name="connsiteY50" fmla="*/ 744794 h 2270840"/>
+              <a:gd name="connsiteX51" fmla="*/ 0 w 12192000"/>
+              <a:gd name="connsiteY51" fmla="*/ 519831 h 2270840"/>
+            </a:gdLst>
+            <a:ahLst/>
+            <a:cxnLst>
+              <a:cxn ang="0">
+                <a:pos x="connsiteX0" y="connsiteY0"/>
+              </a:cxn>
+              <a:cxn ang="0">
+                <a:pos x="connsiteX1" y="connsiteY1"/>
+              </a:cxn>
+              <a:cxn ang="0">
+                <a:pos x="connsiteX2" y="connsiteY2"/>
+              </a:cxn>
+              <a:cxn ang="0">
+                <a:pos x="connsiteX3" y="connsiteY3"/>
+              </a:cxn>
+              <a:cxn ang="0">
+                <a:pos x="connsiteX4" y="connsiteY4"/>
+              </a:cxn>
+              <a:cxn ang="0">
+                <a:pos x="connsiteX5" y="connsiteY5"/>
+              </a:cxn>
+              <a:cxn ang="0">
+                <a:pos x="connsiteX6" y="connsiteY6"/>
+              </a:cxn>
+              <a:cxn ang="0">
+                <a:pos x="connsiteX7" y="connsiteY7"/>
+              </a:cxn>
+              <a:cxn ang="0">
+                <a:pos x="connsiteX8" y="connsiteY8"/>
+              </a:cxn>
+              <a:cxn ang="0">
+                <a:pos x="connsiteX9" y="connsiteY9"/>
+              </a:cxn>
+              <a:cxn ang="0">
+                <a:pos x="connsiteX10" y="connsiteY10"/>
+              </a:cxn>
+              <a:cxn ang="0">
+                <a:pos x="connsiteX11" y="connsiteY11"/>
+              </a:cxn>
+              <a:cxn ang="0">
+                <a:pos x="connsiteX12" y="connsiteY12"/>
+              </a:cxn>
+              <a:cxn ang="0">
+                <a:pos x="connsiteX13" y="connsiteY13"/>
+              </a:cxn>
+              <a:cxn ang="0">
+                <a:pos x="connsiteX14" y="connsiteY14"/>
+              </a:cxn>
+              <a:cxn ang="0">
+                <a:pos x="connsiteX15" y="connsiteY15"/>
+              </a:cxn>
+              <a:cxn ang="0">
+                <a:pos x="connsiteX16" y="connsiteY16"/>
+              </a:cxn>
+              <a:cxn ang="0">
+                <a:pos x="connsiteX17" y="connsiteY17"/>
+              </a:cxn>
+              <a:cxn ang="0">
+                <a:pos x="connsiteX18" y="connsiteY18"/>
+              </a:cxn>
+              <a:cxn ang="0">
+                <a:pos x="connsiteX19" y="connsiteY19"/>
+              </a:cxn>
+              <a:cxn ang="0">
+                <a:pos x="connsiteX20" y="connsiteY20"/>
+              </a:cxn>
+              <a:cxn ang="0">
+                <a:pos x="connsiteX21" y="connsiteY21"/>
+              </a:cxn>
+              <a:cxn ang="0">
+                <a:pos x="connsiteX22" y="connsiteY22"/>
+              </a:cxn>
+              <a:cxn ang="0">
+                <a:pos x="connsiteX23" y="connsiteY23"/>
+              </a:cxn>
+              <a:cxn ang="0">
+                <a:pos x="connsiteX24" y="connsiteY24"/>
+              </a:cxn>
+              <a:cxn ang="0">
+                <a:pos x="connsiteX25" y="connsiteY25"/>
+              </a:cxn>
+              <a:cxn ang="0">
+                <a:pos x="connsiteX26" y="connsiteY26"/>
+              </a:cxn>
+              <a:cxn ang="0">
+                <a:pos x="connsiteX27" y="connsiteY27"/>
+              </a:cxn>
+              <a:cxn ang="0">
+                <a:pos x="connsiteX28" y="connsiteY28"/>
+              </a:cxn>
+              <a:cxn ang="0">
+                <a:pos x="connsiteX29" y="connsiteY29"/>
+              </a:cxn>
+              <a:cxn ang="0">
+                <a:pos x="connsiteX30" y="connsiteY30"/>
+              </a:cxn>
+              <a:cxn ang="0">
+                <a:pos x="connsiteX31" y="connsiteY31"/>
+              </a:cxn>
+              <a:cxn ang="0">
+                <a:pos x="connsiteX32" y="connsiteY32"/>
+              </a:cxn>
+              <a:cxn ang="0">
+                <a:pos x="connsiteX33" y="connsiteY33"/>
+              </a:cxn>
+              <a:cxn ang="0">
+                <a:pos x="connsiteX34" y="connsiteY34"/>
+              </a:cxn>
+              <a:cxn ang="0">
+                <a:pos x="connsiteX35" y="connsiteY35"/>
+              </a:cxn>
+              <a:cxn ang="0">
+                <a:pos x="connsiteX36" y="connsiteY36"/>
+              </a:cxn>
+              <a:cxn ang="0">
+                <a:pos x="connsiteX37" y="connsiteY37"/>
+              </a:cxn>
+              <a:cxn ang="0">
+                <a:pos x="connsiteX38" y="connsiteY38"/>
+              </a:cxn>
+              <a:cxn ang="0">
+                <a:pos x="connsiteX39" y="connsiteY39"/>
+              </a:cxn>
+              <a:cxn ang="0">
+                <a:pos x="connsiteX40" y="connsiteY40"/>
+              </a:cxn>
+              <a:cxn ang="0">
+                <a:pos x="connsiteX41" y="connsiteY41"/>
+              </a:cxn>
+              <a:cxn ang="0">
+                <a:pos x="connsiteX42" y="connsiteY42"/>
+              </a:cxn>
+              <a:cxn ang="0">
+                <a:pos x="connsiteX43" y="connsiteY43"/>
+              </a:cxn>
+              <a:cxn ang="0">
+                <a:pos x="connsiteX44" y="connsiteY44"/>
+              </a:cxn>
+              <a:cxn ang="0">
+                <a:pos x="connsiteX45" y="connsiteY45"/>
+              </a:cxn>
+              <a:cxn ang="0">
+                <a:pos x="connsiteX46" y="connsiteY46"/>
+              </a:cxn>
+              <a:cxn ang="0">
+                <a:pos x="connsiteX47" y="connsiteY47"/>
+              </a:cxn>
+              <a:cxn ang="0">
+                <a:pos x="connsiteX48" y="connsiteY48"/>
+              </a:cxn>
+              <a:cxn ang="0">
+                <a:pos x="connsiteX49" y="connsiteY49"/>
+              </a:cxn>
+              <a:cxn ang="0">
+                <a:pos x="connsiteX50" y="connsiteY50"/>
+              </a:cxn>
+              <a:cxn ang="0">
+                <a:pos x="connsiteX51" y="connsiteY51"/>
+              </a:cxn>
+            </a:cxnLst>
+            <a:rect l="l" t="t" r="r" b="b"/>
+            <a:pathLst>
+              <a:path w="12192000" h="2270840">
+                <a:moveTo>
+                  <a:pt x="0" y="0"/>
+                </a:moveTo>
+                <a:lnTo>
+                  <a:pt x="12192000" y="0"/>
+                </a:lnTo>
+                <a:lnTo>
+                  <a:pt x="12192000" y="519831"/>
+                </a:lnTo>
+                <a:lnTo>
+                  <a:pt x="12192000" y="744794"/>
+                </a:lnTo>
+                <a:lnTo>
+                  <a:pt x="12192000" y="1754022"/>
+                </a:lnTo>
+                <a:lnTo>
+                  <a:pt x="11957522" y="1797924"/>
+                </a:lnTo>
+                <a:lnTo>
+                  <a:pt x="11679973" y="1847668"/>
+                </a:lnTo>
+                <a:lnTo>
+                  <a:pt x="11401197" y="1896361"/>
+                </a:lnTo>
+                <a:lnTo>
+                  <a:pt x="11121192" y="1938047"/>
+                </a:lnTo>
+                <a:lnTo>
+                  <a:pt x="10842416" y="1980084"/>
+                </a:lnTo>
+                <a:lnTo>
+                  <a:pt x="10562411" y="2019319"/>
+                </a:lnTo>
+                <a:lnTo>
+                  <a:pt x="10286091" y="2052948"/>
+                </a:lnTo>
+                <a:lnTo>
+                  <a:pt x="10006086" y="2084826"/>
+                </a:lnTo>
+                <a:lnTo>
+                  <a:pt x="9727310" y="2113902"/>
+                </a:lnTo>
+                <a:lnTo>
+                  <a:pt x="9453445" y="2139124"/>
+                </a:lnTo>
+                <a:lnTo>
+                  <a:pt x="9175897" y="2164346"/>
+                </a:lnTo>
+                <a:lnTo>
+                  <a:pt x="8902033" y="2185365"/>
+                </a:lnTo>
+                <a:lnTo>
+                  <a:pt x="8628169" y="2201829"/>
+                </a:lnTo>
+                <a:lnTo>
+                  <a:pt x="8355533" y="2218995"/>
+                </a:lnTo>
+                <a:lnTo>
+                  <a:pt x="8085353" y="2233357"/>
+                </a:lnTo>
+                <a:lnTo>
+                  <a:pt x="7817629" y="2243516"/>
+                </a:lnTo>
+                <a:lnTo>
+                  <a:pt x="7549905" y="2252274"/>
+                </a:lnTo>
+                <a:lnTo>
+                  <a:pt x="7284638" y="2260681"/>
+                </a:lnTo>
+                <a:lnTo>
+                  <a:pt x="7023055" y="2264535"/>
+                </a:lnTo>
+                <a:lnTo>
+                  <a:pt x="6761472" y="2268738"/>
+                </a:lnTo>
+                <a:lnTo>
+                  <a:pt x="6503573" y="2270840"/>
+                </a:lnTo>
+                <a:lnTo>
+                  <a:pt x="6248130" y="2268738"/>
+                </a:lnTo>
+                <a:lnTo>
+                  <a:pt x="5995144" y="2268738"/>
+                </a:lnTo>
+                <a:lnTo>
+                  <a:pt x="5744613" y="2264535"/>
+                </a:lnTo>
+                <a:lnTo>
+                  <a:pt x="5498995" y="2258229"/>
+                </a:lnTo>
+                <a:lnTo>
+                  <a:pt x="5255834" y="2252274"/>
+                </a:lnTo>
+                <a:lnTo>
+                  <a:pt x="5017584" y="2245618"/>
+                </a:lnTo>
+                <a:lnTo>
+                  <a:pt x="4780562" y="2235459"/>
+                </a:lnTo>
+                <a:lnTo>
+                  <a:pt x="4547227" y="2224599"/>
+                </a:lnTo>
+                <a:lnTo>
+                  <a:pt x="4318800" y="2214791"/>
+                </a:lnTo>
+                <a:lnTo>
+                  <a:pt x="3873004" y="2187116"/>
+                </a:lnTo>
+                <a:lnTo>
+                  <a:pt x="3445628" y="2157691"/>
+                </a:lnTo>
+                <a:lnTo>
+                  <a:pt x="3035446" y="2126863"/>
+                </a:lnTo>
+                <a:lnTo>
+                  <a:pt x="2647370" y="2092884"/>
+                </a:lnTo>
+                <a:lnTo>
+                  <a:pt x="2276487" y="2057502"/>
+                </a:lnTo>
+                <a:lnTo>
+                  <a:pt x="1932621" y="2019319"/>
+                </a:lnTo>
+                <a:lnTo>
+                  <a:pt x="1609634" y="1981836"/>
+                </a:lnTo>
+                <a:lnTo>
+                  <a:pt x="1312435" y="1944353"/>
+                </a:lnTo>
+                <a:lnTo>
+                  <a:pt x="1039799" y="1908972"/>
+                </a:lnTo>
+                <a:lnTo>
+                  <a:pt x="797865" y="1875342"/>
+                </a:lnTo>
+                <a:lnTo>
+                  <a:pt x="579265" y="1843464"/>
+                </a:lnTo>
+                <a:lnTo>
+                  <a:pt x="395052" y="1816841"/>
+                </a:lnTo>
+                <a:lnTo>
+                  <a:pt x="240312" y="1791618"/>
+                </a:lnTo>
+                <a:lnTo>
+                  <a:pt x="27853" y="1755537"/>
+                </a:lnTo>
+                <a:lnTo>
+                  <a:pt x="0" y="1750824"/>
+                </a:lnTo>
+                <a:lnTo>
+                  <a:pt x="0" y="744794"/>
+                </a:lnTo>
+                <a:lnTo>
+                  <a:pt x="0" y="519831"/>
+                </a:lnTo>
+                <a:close/>
+              </a:path>
+            </a:pathLst>
+          </a:custGeom>
           <a:ln w="44450">
             <a:gradFill>
               <a:gsLst>
@@ -7931,11 +8952,11 @@
             </a:gradFill>
           </a:ln>
           <a:effectLst>
-            <a:innerShdw blurRad="63500" dist="50800" dir="14460000">
+            <a:outerShdw blurRad="50800" dist="38100" dir="5400000" algn="t" rotWithShape="0">
               <a:prstClr val="black">
-                <a:alpha val="70000"/>
+                <a:alpha val="50000"/>
               </a:prstClr>
-            </a:innerShdw>
+            </a:outerShdw>
           </a:effectLst>
         </p:spPr>
         <p:style>
@@ -7955,7 +8976,9 @@
           </a:fontRef>
         </p:style>
         <p:txBody>
-          <a:bodyPr rtlCol="0" anchor="ctr"/>
+          <a:bodyPr wrap="square" rtlCol="0" anchor="ctr">
+            <a:noAutofit/>
+          </a:bodyPr>
           <a:lstStyle/>
           <a:p>
             <a:pPr algn="ctr"/>
@@ -7963,113 +8986,129 @@
           </a:p>
         </p:txBody>
       </p:sp>
-      <p:cxnSp>
-        <p:nvCxnSpPr>
-          <p:cNvPr id="10" name="Straight Connector 9">
-            <a:extLst>
-              <a:ext uri="{FF2B5EF4-FFF2-40B4-BE49-F238E27FC236}">
-                <a16:creationId xmlns:a16="http://schemas.microsoft.com/office/drawing/2014/main" xmlns="" id="{C8F75BF3-096E-451E-A222-96A7F0946814}"/>
-              </a:ext>
-            </a:extLst>
-          </p:cNvPr>
-          <p:cNvCxnSpPr>
-            <a:cxnSpLocks noGrp="1" noRot="1" noChangeAspect="1" noMove="1" noResize="1" noEditPoints="1" noAdjustHandles="1" noChangeArrowheads="1" noChangeShapeType="1"/>
-          </p:cNvCxnSpPr>
-          <p:nvPr>
-            <p:extLst>
-              <p:ext uri="{386F3935-93C4-4BCD-93E2-E3B085C9AB24}">
-                <p16:designElem xmlns:p16="http://schemas.microsoft.com/office/powerpoint/2015/main" xmlns="" val="1"/>
-              </p:ext>
-            </p:extLst>
-          </p:nvPr>
-        </p:nvCxnSpPr>
+      <p:sp>
+        <p:nvSpPr>
+          <p:cNvPr id="2" name="Title 1"/>
+          <p:cNvSpPr>
+            <a:spLocks noGrp="1"/>
+          </p:cNvSpPr>
+          <p:nvPr>
+            <p:ph type="title"/>
+          </p:nvPr>
+        </p:nvSpPr>
         <p:spPr>
           <a:xfrm>
-            <a:off x="7538699" y="1490778"/>
-            <a:ext cx="0" cy="3876444"/>
-          </a:xfrm>
-          <a:prstGeom prst="line">
-            <a:avLst/>
-          </a:prstGeom>
-        </p:spPr>
-        <p:style>
-          <a:lnRef idx="1">
-            <a:schemeClr val="accent1"/>
-          </a:lnRef>
-          <a:fillRef idx="0">
-            <a:schemeClr val="accent1"/>
-          </a:fillRef>
-          <a:effectRef idx="0">
-            <a:schemeClr val="accent1"/>
-          </a:effectRef>
-          <a:fontRef idx="minor">
-            <a:schemeClr val="tx1"/>
-          </a:fontRef>
-        </p:style>
-      </p:cxnSp>
-      <p:sp>
-        <p:nvSpPr>
-          <p:cNvPr id="2" name="Title 1"/>
-          <p:cNvSpPr>
-            <a:spLocks noGrp="1"/>
-          </p:cNvSpPr>
-          <p:nvPr>
-            <p:ph type="title"/>
-          </p:nvPr>
-        </p:nvSpPr>
-        <p:spPr>
-          <a:xfrm>
-            <a:off x="1141413" y="965199"/>
-            <a:ext cx="6075552" cy="4918075"/>
+            <a:off x="1141413" y="609600"/>
+            <a:ext cx="9905998" cy="1173480"/>
           </a:xfrm>
         </p:spPr>
         <p:txBody>
-          <a:bodyPr vert="horz" lIns="91440" tIns="45720" rIns="91440" bIns="45720" rtlCol="0" anchor="ctr">
+          <a:bodyPr>
             <a:normAutofit/>
           </a:bodyPr>
           <a:lstStyle/>
           <a:p>
-            <a:pPr algn="r"/>
-            <a:r>
-              <a:rPr lang="en-US" sz="5400" cap="none" dirty="0" smtClean="0"/>
-              <a:t>Results</a:t>
-            </a:r>
-            <a:endParaRPr lang="en-US" sz="5400" dirty="0">
-              <a:effectLst>
-                <a:glow rad="38100">
-                  <a:schemeClr val="bg1">
-                    <a:lumMod val="65000"/>
-                    <a:lumOff val="35000"/>
-                    <a:alpha val="50000"/>
-                  </a:schemeClr>
-                </a:glow>
-                <a:outerShdw blurRad="28575" dist="31750" dir="13200000" algn="tl" rotWithShape="0">
-                  <a:srgbClr val="000000">
-                    <a:alpha val="25000"/>
-                  </a:srgbClr>
-                </a:outerShdw>
-              </a:effectLst>
-            </a:endParaRPr>
+            <a:pPr algn="ctr"/>
+            <a:r>
+              <a:rPr lang="en-US" dirty="0"/>
+              <a:t>results</a:t>
+            </a:r>
+          </a:p>
+        </p:txBody>
+      </p:sp>
+      <p:sp>
+        <p:nvSpPr>
+          <p:cNvPr id="3" name="Content Placeholder 2"/>
+          <p:cNvSpPr>
+            <a:spLocks noGrp="1"/>
+          </p:cNvSpPr>
+          <p:nvPr>
+            <p:ph idx="1"/>
+          </p:nvPr>
+        </p:nvSpPr>
+        <p:spPr>
+          <a:xfrm>
+            <a:off x="1141413" y="2666999"/>
+            <a:ext cx="9905998" cy="3124201"/>
+          </a:xfrm>
+        </p:spPr>
+        <p:txBody>
+          <a:bodyPr>
+            <a:normAutofit/>
+          </a:bodyPr>
+          <a:lstStyle/>
+          <a:p>
+            <a:r>
+              <a:rPr lang="en-US" dirty="0"/>
+              <a:t>Found limitations with filenames:</a:t>
+            </a:r>
+          </a:p>
+          <a:p>
+            <a:pPr lvl="1"/>
+            <a:r>
+              <a:rPr lang="en-US" dirty="0"/>
+              <a:t>Windows filename : </a:t>
+            </a:r>
+          </a:p>
+          <a:p>
+            <a:pPr lvl="2"/>
+            <a:r>
+              <a:rPr lang="en-US" dirty="0"/>
+              <a:t>“C:\\Users\Elmo\Dorothy”</a:t>
+            </a:r>
+          </a:p>
+          <a:p>
+            <a:pPr lvl="1"/>
+            <a:r>
+              <a:rPr lang="en-US" dirty="0"/>
+              <a:t>Mac OS/Linux Filename: </a:t>
+            </a:r>
+          </a:p>
+          <a:p>
+            <a:pPr lvl="2"/>
+            <a:r>
+              <a:rPr lang="en-US" dirty="0"/>
+              <a:t>/home/</a:t>
+            </a:r>
+            <a:r>
+              <a:rPr lang="en-US" dirty="0" err="1"/>
+              <a:t>elmo</a:t>
+            </a:r>
+            <a:r>
+              <a:rPr lang="en-US" dirty="0"/>
+              <a:t>/</a:t>
+            </a:r>
+            <a:r>
+              <a:rPr lang="en-US" dirty="0" err="1"/>
+              <a:t>dorothy</a:t>
+            </a:r>
+            <a:endParaRPr lang="en-US" dirty="0"/>
+          </a:p>
+          <a:p>
+            <a:r>
+              <a:rPr lang="en-US" dirty="0"/>
+              <a:t>Repaint/draw images</a:t>
+            </a:r>
+          </a:p>
+          <a:p>
+            <a:endParaRPr lang="en-US" dirty="0"/>
+          </a:p>
+          <a:p>
+            <a:pPr lvl="1"/>
+            <a:endParaRPr lang="en-US" dirty="0"/>
           </a:p>
         </p:txBody>
       </p:sp>
     </p:spTree>
     <p:extLst>
       <p:ext uri="{BB962C8B-B14F-4D97-AF65-F5344CB8AC3E}">
-        <p14:creationId xmlns:p14="http://schemas.microsoft.com/office/powerpoint/2010/main" val="246018933"/>
+        <p14:creationId xmlns:p14="http://schemas.microsoft.com/office/powerpoint/2010/main" val="3118917057"/>
       </p:ext>
     </p:extLst>
   </p:cSld>
   <p:clrMapOvr>
     <a:masterClrMapping/>
   </p:clrMapOvr>
-  <p:timing>
-    <p:tnLst>
-      <p:par>
-        <p:cTn xmlns:p14="http://schemas.microsoft.com/office/powerpoint/2010/main" id="1" dur="indefinite" restart="never" nodeType="tmRoot"/>
-      </p:par>
-    </p:tnLst>
-  </p:timing>
 </p:sld>
 </file>
 
@@ -8115,10 +9154,10 @@
       </p:grpSpPr>
       <p:sp>
         <p:nvSpPr>
-          <p:cNvPr id="8" name="Rectangle 7">
+          <p:cNvPr id="7" name="Rectangle 6">
             <a:extLst>
               <a:ext uri="{FF2B5EF4-FFF2-40B4-BE49-F238E27FC236}">
-                <a16:creationId xmlns:a16="http://schemas.microsoft.com/office/drawing/2014/main" xmlns="" id="{375136A9-49F9-4DA0-A741-F065B0FA091D}"/>
+                <a16:creationId xmlns="" xmlns:a16="http://schemas.microsoft.com/office/drawing/2014/main" id="{DBAB564B-ADD8-4689-B47D-479E0B6B4280}"/>
               </a:ext>
             </a:extLst>
           </p:cNvPr>
@@ -8128,32 +9167,25 @@
           <p:nvPr>
             <p:extLst>
               <p:ext uri="{386F3935-93C4-4BCD-93E2-E3B085C9AB24}">
-                <p16:designElem xmlns:p16="http://schemas.microsoft.com/office/powerpoint/2015/main" xmlns="" val="1"/>
+                <p16:designElem xmlns:p16="http://schemas.microsoft.com/office/powerpoint/2015/main" val="1"/>
               </p:ext>
             </p:extLst>
           </p:nvPr>
         </p:nvSpPr>
         <p:spPr>
           <a:xfrm>
-            <a:off x="4633356" y="0"/>
-            <a:ext cx="7558643" cy="6858000"/>
+            <a:off x="9066900" y="1"/>
+            <a:ext cx="3125099" cy="6858000"/>
           </a:xfrm>
           <a:prstGeom prst="rect">
             <a:avLst/>
           </a:prstGeom>
           <a:solidFill>
-            <a:schemeClr val="bg2"/>
+            <a:srgbClr val="363D46"/>
           </a:solidFill>
           <a:ln>
             <a:noFill/>
           </a:ln>
-          <a:effectLst>
-            <a:innerShdw blurRad="63500" dist="50800" dir="10800000">
-              <a:prstClr val="black">
-                <a:alpha val="50000"/>
-              </a:prstClr>
-            </a:innerShdw>
-          </a:effectLst>
         </p:spPr>
         <p:style>
           <a:lnRef idx="2">
@@ -8176,16 +9208,16 @@
           <a:lstStyle/>
           <a:p>
             <a:pPr algn="ctr"/>
-            <a:endParaRPr lang="en-US" dirty="0"/>
-          </a:p>
-        </p:txBody>
-      </p:sp>
-      <p:sp>
-        <p:nvSpPr>
-          <p:cNvPr id="10" name="Rectangle 9">
+            <a:endParaRPr lang="en-US"/>
+          </a:p>
+        </p:txBody>
+      </p:sp>
+      <p:sp>
+        <p:nvSpPr>
+          <p:cNvPr id="9" name="Rectangle 8">
             <a:extLst>
               <a:ext uri="{FF2B5EF4-FFF2-40B4-BE49-F238E27FC236}">
-                <a16:creationId xmlns:a16="http://schemas.microsoft.com/office/drawing/2014/main" xmlns="" id="{B912F6C7-0423-4B6F-AECE-710C848918FD}"/>
+                <a16:creationId xmlns="" xmlns:a16="http://schemas.microsoft.com/office/drawing/2014/main" id="{A634D109-15AA-4283-A14C-F630CD88D06E}"/>
               </a:ext>
             </a:extLst>
           </p:cNvPr>
@@ -8195,14 +9227,14 @@
           <p:nvPr>
             <p:extLst>
               <p:ext uri="{386F3935-93C4-4BCD-93E2-E3B085C9AB24}">
-                <p16:designElem xmlns:p16="http://schemas.microsoft.com/office/powerpoint/2015/main" xmlns="" val="1"/>
+                <p16:designElem xmlns:p16="http://schemas.microsoft.com/office/powerpoint/2015/main" val="1"/>
               </p:ext>
             </p:extLst>
           </p:nvPr>
         </p:nvSpPr>
         <p:spPr>
           <a:xfrm rot="5400000" flipH="1">
-            <a:off x="1446539" y="3195797"/>
+            <a:off x="5895765" y="3195797"/>
             <a:ext cx="6858000" cy="466406"/>
           </a:xfrm>
           <a:prstGeom prst="rect">
@@ -8260,10 +9292,10 @@
       </p:sp>
       <p:cxnSp>
         <p:nvCxnSpPr>
-          <p:cNvPr id="12" name="Straight Connector 11">
+          <p:cNvPr id="11" name="Straight Connector 10">
             <a:extLst>
               <a:ext uri="{FF2B5EF4-FFF2-40B4-BE49-F238E27FC236}">
-                <a16:creationId xmlns:a16="http://schemas.microsoft.com/office/drawing/2014/main" xmlns="" id="{A7208205-03EE-4EC8-9C34-59270C1880D8}"/>
+                <a16:creationId xmlns="" xmlns:a16="http://schemas.microsoft.com/office/drawing/2014/main" id="{AF1E8C17-E280-423E-BE27-607AA18BDBA3}"/>
               </a:ext>
             </a:extLst>
           </p:cNvPr>
@@ -8273,14 +9305,14 @@
           <p:nvPr>
             <p:extLst>
               <p:ext uri="{386F3935-93C4-4BCD-93E2-E3B085C9AB24}">
-                <p16:designElem xmlns:p16="http://schemas.microsoft.com/office/powerpoint/2015/main" xmlns="" val="1"/>
+                <p16:designElem xmlns:p16="http://schemas.microsoft.com/office/powerpoint/2015/main" val="1"/>
               </p:ext>
             </p:extLst>
           </p:nvPr>
         </p:nvCxnSpPr>
         <p:spPr>
-          <a:xfrm>
-            <a:off x="4642336" y="0"/>
+          <a:xfrm flipV="1">
+            <a:off x="9066901" y="1"/>
             <a:ext cx="0" cy="6858000"/>
           </a:xfrm>
           <a:prstGeom prst="line">
@@ -8307,11 +9339,11 @@
             <a:miter lim="800000"/>
           </a:ln>
           <a:effectLst>
-            <a:innerShdw blurRad="57150" dist="38100" dir="14460000">
-              <a:srgbClr val="000000">
+            <a:outerShdw blurRad="57150" dist="25400" algn="l" rotWithShape="0">
+              <a:prstClr val="black">
                 <a:alpha val="70000"/>
-              </a:srgbClr>
-            </a:innerShdw>
+              </a:prstClr>
+            </a:outerShdw>
           </a:effectLst>
         </p:spPr>
         <p:style>
@@ -8343,408 +9375,49 @@
         </p:nvSpPr>
         <p:spPr>
           <a:xfrm>
-            <a:off x="974179" y="714375"/>
-            <a:ext cx="3332955" cy="5076826"/>
+            <a:off x="1195251" y="847726"/>
+            <a:ext cx="7252845" cy="4029412"/>
           </a:xfrm>
         </p:spPr>
         <p:txBody>
-          <a:bodyPr anchor="ctr">
+          <a:bodyPr vert="horz" lIns="91440" tIns="45720" rIns="91440" bIns="45720" rtlCol="0" anchor="b">
             <a:normAutofit/>
           </a:bodyPr>
           <a:lstStyle/>
           <a:p>
-            <a:r>
-              <a:rPr lang="en-US" sz="3100" dirty="0" smtClean="0"/>
-              <a:t>results</a:t>
-            </a:r>
-            <a:endParaRPr lang="en-US" sz="3100" dirty="0"/>
-          </a:p>
-        </p:txBody>
-      </p:sp>
-      <p:sp>
-        <p:nvSpPr>
-          <p:cNvPr id="3" name="Content Placeholder 2"/>
-          <p:cNvSpPr>
-            <a:spLocks noGrp="1"/>
-          </p:cNvSpPr>
-          <p:nvPr>
-            <p:ph idx="1"/>
-          </p:nvPr>
-        </p:nvSpPr>
-        <p:spPr>
-          <a:xfrm>
-            <a:off x="4973046" y="714375"/>
-            <a:ext cx="6253751" cy="5076825"/>
-          </a:xfrm>
-        </p:spPr>
-        <p:txBody>
-          <a:bodyPr>
-            <a:normAutofit/>
-          </a:bodyPr>
-          <a:lstStyle/>
-          <a:p>
-            <a:r>
-              <a:rPr lang="en-US" dirty="0" smtClean="0">
-                <a:solidFill>
-                  <a:schemeClr val="tx1"/>
-                </a:solidFill>
+            <a:pPr algn="r"/>
+            <a:r>
+              <a:rPr lang="en-US" sz="6600">
+                <a:effectLst>
+                  <a:glow rad="38100">
+                    <a:schemeClr val="bg1">
+                      <a:lumMod val="65000"/>
+                      <a:lumOff val="35000"/>
+                      <a:alpha val="50000"/>
+                    </a:schemeClr>
+                  </a:glow>
+                  <a:outerShdw blurRad="28575" dist="31750" dir="13200000" algn="tl" rotWithShape="0">
+                    <a:srgbClr val="000000">
+                      <a:alpha val="25000"/>
+                    </a:srgbClr>
+                  </a:outerShdw>
+                </a:effectLst>
               </a:rPr>
-              <a:t>Found limitations with filenames:</a:t>
-            </a:r>
-          </a:p>
-          <a:p>
-            <a:pPr lvl="1"/>
-            <a:r>
-              <a:rPr lang="en-US" dirty="0" smtClean="0">
-                <a:solidFill>
-                  <a:schemeClr val="tx1"/>
-                </a:solidFill>
-              </a:rPr>
-              <a:t>Windows filename : </a:t>
-            </a:r>
-          </a:p>
-          <a:p>
-            <a:pPr lvl="2"/>
-            <a:r>
-              <a:rPr lang="en-US" dirty="0" smtClean="0">
-                <a:solidFill>
-                  <a:schemeClr val="tx1"/>
-                </a:solidFill>
-              </a:rPr>
-              <a:t>“C:\\Users\Elmo\Dorothy”</a:t>
-            </a:r>
-          </a:p>
-          <a:p>
-            <a:pPr lvl="1"/>
-            <a:r>
-              <a:rPr lang="en-US" dirty="0" smtClean="0">
-                <a:solidFill>
-                  <a:schemeClr val="tx1"/>
-                </a:solidFill>
-              </a:rPr>
-              <a:t>Mac OS/Linux Filename: </a:t>
-            </a:r>
-          </a:p>
-          <a:p>
-            <a:pPr lvl="2"/>
-            <a:r>
-              <a:rPr lang="en-US" dirty="0" smtClean="0">
-                <a:solidFill>
-                  <a:schemeClr val="tx1"/>
-                </a:solidFill>
-              </a:rPr>
-              <a:t>/home/</a:t>
-            </a:r>
-            <a:r>
-              <a:rPr lang="en-US" dirty="0" err="1" smtClean="0">
-                <a:solidFill>
-                  <a:schemeClr val="tx1"/>
-                </a:solidFill>
-              </a:rPr>
-              <a:t>elmo</a:t>
-            </a:r>
-            <a:r>
-              <a:rPr lang="en-US" dirty="0" smtClean="0">
-                <a:solidFill>
-                  <a:schemeClr val="tx1"/>
-                </a:solidFill>
-              </a:rPr>
-              <a:t>/</a:t>
-            </a:r>
-            <a:r>
-              <a:rPr lang="en-US" dirty="0" err="1" smtClean="0">
-                <a:solidFill>
-                  <a:schemeClr val="tx1"/>
-                </a:solidFill>
-              </a:rPr>
-              <a:t>dorothy</a:t>
-            </a:r>
-            <a:endParaRPr lang="en-US" dirty="0" smtClean="0">
-              <a:solidFill>
-                <a:schemeClr val="tx1"/>
-              </a:solidFill>
-            </a:endParaRPr>
-          </a:p>
-          <a:p>
-            <a:r>
-              <a:rPr lang="en-US" dirty="0" smtClean="0">
-                <a:solidFill>
-                  <a:schemeClr val="tx1"/>
-                </a:solidFill>
-              </a:rPr>
-              <a:t>Repaint/draw images</a:t>
-            </a:r>
-          </a:p>
-          <a:p>
-            <a:endParaRPr lang="en-US" dirty="0">
-              <a:solidFill>
-                <a:schemeClr val="tx1"/>
-              </a:solidFill>
-            </a:endParaRPr>
-          </a:p>
-          <a:p>
-            <a:pPr lvl="1"/>
-            <a:endParaRPr lang="en-US" dirty="0">
-              <a:solidFill>
-                <a:schemeClr val="tx1"/>
-              </a:solidFill>
-            </a:endParaRPr>
+              <a:t>Demo</a:t>
+            </a:r>
           </a:p>
         </p:txBody>
       </p:sp>
     </p:spTree>
     <p:extLst>
       <p:ext uri="{BB962C8B-B14F-4D97-AF65-F5344CB8AC3E}">
-        <p14:creationId xmlns:p14="http://schemas.microsoft.com/office/powerpoint/2010/main" val="934186456"/>
+        <p14:creationId xmlns:p14="http://schemas.microsoft.com/office/powerpoint/2010/main" val="3512321467"/>
       </p:ext>
     </p:extLst>
   </p:cSld>
   <p:clrMapOvr>
     <a:masterClrMapping/>
   </p:clrMapOvr>
-  <p:timing>
-    <p:tnLst>
-      <p:par>
-        <p:cTn xmlns:p14="http://schemas.microsoft.com/office/powerpoint/2010/main" id="1" dur="indefinite" restart="never" nodeType="tmRoot"/>
-      </p:par>
-    </p:tnLst>
-  </p:timing>
-</p:sld>
-</file>
-
-<file path=ppt/slides/slide9.xml><?xml version="1.0" encoding="utf-8"?>
-<p:sld xmlns:a="http://schemas.openxmlformats.org/drawingml/2006/main" xmlns:r="http://schemas.openxmlformats.org/officeDocument/2006/relationships" xmlns:p="http://schemas.openxmlformats.org/presentationml/2006/main">
-  <p:cSld>
-    <p:bg>
-      <p:bgPr>
-        <a:blipFill rotWithShape="1">
-          <a:blip r:embed="rId2">
-            <a:duotone>
-              <a:schemeClr val="bg2">
-                <a:shade val="28000"/>
-                <a:satMod val="94000"/>
-                <a:lumMod val="20000"/>
-              </a:schemeClr>
-              <a:schemeClr val="bg2">
-                <a:tint val="94000"/>
-                <a:shade val="84000"/>
-                <a:satMod val="148000"/>
-                <a:lumMod val="114000"/>
-              </a:schemeClr>
-            </a:duotone>
-          </a:blip>
-          <a:stretch/>
-        </a:blipFill>
-        <a:effectLst/>
-      </p:bgPr>
-    </p:bg>
-    <p:spTree>
-      <p:nvGrpSpPr>
-        <p:cNvPr id="1" name=""/>
-        <p:cNvGrpSpPr/>
-        <p:nvPr/>
-      </p:nvGrpSpPr>
-      <p:grpSpPr>
-        <a:xfrm>
-          <a:off x="0" y="0"/>
-          <a:ext cx="0" cy="0"/>
-          <a:chOff x="0" y="0"/>
-          <a:chExt cx="0" cy="0"/>
-        </a:xfrm>
-      </p:grpSpPr>
-      <p:sp>
-        <p:nvSpPr>
-          <p:cNvPr id="8" name="Rounded Rectangle 9">
-            <a:extLst>
-              <a:ext uri="{FF2B5EF4-FFF2-40B4-BE49-F238E27FC236}">
-                <a16:creationId xmlns:a16="http://schemas.microsoft.com/office/drawing/2014/main" xmlns="" id="{BCA2EB72-13DC-4DC6-B461-3B036C55B925}"/>
-              </a:ext>
-            </a:extLst>
-          </p:cNvPr>
-          <p:cNvSpPr>
-            <a:spLocks noGrp="1" noRot="1" noChangeAspect="1" noMove="1" noResize="1" noEditPoints="1" noAdjustHandles="1" noChangeArrowheads="1" noChangeShapeType="1" noTextEdit="1"/>
-          </p:cNvSpPr>
-          <p:nvPr>
-            <p:extLst>
-              <p:ext uri="{386F3935-93C4-4BCD-93E2-E3B085C9AB24}">
-                <p16:designElem xmlns:p16="http://schemas.microsoft.com/office/powerpoint/2015/main" xmlns="" val="1"/>
-              </p:ext>
-            </p:extLst>
-          </p:nvPr>
-        </p:nvSpPr>
-        <p:spPr>
-          <a:xfrm>
-            <a:off x="643467" y="643467"/>
-            <a:ext cx="10905066" cy="5571066"/>
-          </a:xfrm>
-          <a:prstGeom prst="roundRect">
-            <a:avLst>
-              <a:gd name="adj" fmla="val 2627"/>
-            </a:avLst>
-          </a:prstGeom>
-          <a:solidFill>
-            <a:schemeClr val="bg2">
-              <a:lumMod val="75000"/>
-            </a:schemeClr>
-          </a:solidFill>
-          <a:ln w="44450">
-            <a:gradFill>
-              <a:gsLst>
-                <a:gs pos="0">
-                  <a:schemeClr val="bg2">
-                    <a:alpha val="65000"/>
-                  </a:schemeClr>
-                </a:gs>
-                <a:gs pos="98000">
-                  <a:schemeClr val="bg2">
-                    <a:lumMod val="75000"/>
-                    <a:alpha val="55000"/>
-                  </a:schemeClr>
-                </a:gs>
-              </a:gsLst>
-              <a:lin ang="5400000" scaled="1"/>
-            </a:gradFill>
-          </a:ln>
-          <a:effectLst>
-            <a:innerShdw blurRad="63500" dist="50800" dir="14460000">
-              <a:prstClr val="black">
-                <a:alpha val="70000"/>
-              </a:prstClr>
-            </a:innerShdw>
-          </a:effectLst>
-        </p:spPr>
-        <p:style>
-          <a:lnRef idx="2">
-            <a:schemeClr val="accent1">
-              <a:shade val="50000"/>
-            </a:schemeClr>
-          </a:lnRef>
-          <a:fillRef idx="1003">
-            <a:schemeClr val="dk2"/>
-          </a:fillRef>
-          <a:effectRef idx="0">
-            <a:schemeClr val="accent1"/>
-          </a:effectRef>
-          <a:fontRef idx="minor">
-            <a:schemeClr val="lt1"/>
-          </a:fontRef>
-        </p:style>
-        <p:txBody>
-          <a:bodyPr rtlCol="0" anchor="ctr"/>
-          <a:lstStyle/>
-          <a:p>
-            <a:pPr algn="ctr"/>
-            <a:endParaRPr lang="en-US"/>
-          </a:p>
-        </p:txBody>
-      </p:sp>
-      <p:cxnSp>
-        <p:nvCxnSpPr>
-          <p:cNvPr id="10" name="Straight Connector 9">
-            <a:extLst>
-              <a:ext uri="{FF2B5EF4-FFF2-40B4-BE49-F238E27FC236}">
-                <a16:creationId xmlns:a16="http://schemas.microsoft.com/office/drawing/2014/main" xmlns="" id="{C8F75BF3-096E-451E-A222-96A7F0946814}"/>
-              </a:ext>
-            </a:extLst>
-          </p:cNvPr>
-          <p:cNvCxnSpPr>
-            <a:cxnSpLocks noGrp="1" noRot="1" noChangeAspect="1" noMove="1" noResize="1" noEditPoints="1" noAdjustHandles="1" noChangeArrowheads="1" noChangeShapeType="1"/>
-          </p:cNvCxnSpPr>
-          <p:nvPr>
-            <p:extLst>
-              <p:ext uri="{386F3935-93C4-4BCD-93E2-E3B085C9AB24}">
-                <p16:designElem xmlns:p16="http://schemas.microsoft.com/office/powerpoint/2015/main" xmlns="" val="1"/>
-              </p:ext>
-            </p:extLst>
-          </p:nvPr>
-        </p:nvCxnSpPr>
-        <p:spPr>
-          <a:xfrm>
-            <a:off x="7538699" y="1490778"/>
-            <a:ext cx="0" cy="3876444"/>
-          </a:xfrm>
-          <a:prstGeom prst="line">
-            <a:avLst/>
-          </a:prstGeom>
-        </p:spPr>
-        <p:style>
-          <a:lnRef idx="1">
-            <a:schemeClr val="accent1"/>
-          </a:lnRef>
-          <a:fillRef idx="0">
-            <a:schemeClr val="accent1"/>
-          </a:fillRef>
-          <a:effectRef idx="0">
-            <a:schemeClr val="accent1"/>
-          </a:effectRef>
-          <a:fontRef idx="minor">
-            <a:schemeClr val="tx1"/>
-          </a:fontRef>
-        </p:style>
-      </p:cxnSp>
-      <p:sp>
-        <p:nvSpPr>
-          <p:cNvPr id="2" name="Title 1"/>
-          <p:cNvSpPr>
-            <a:spLocks noGrp="1"/>
-          </p:cNvSpPr>
-          <p:nvPr>
-            <p:ph type="title"/>
-          </p:nvPr>
-        </p:nvSpPr>
-        <p:spPr>
-          <a:xfrm>
-            <a:off x="1141413" y="965199"/>
-            <a:ext cx="6075552" cy="4918075"/>
-          </a:xfrm>
-        </p:spPr>
-        <p:txBody>
-          <a:bodyPr vert="horz" lIns="91440" tIns="45720" rIns="91440" bIns="45720" rtlCol="0" anchor="ctr">
-            <a:normAutofit/>
-          </a:bodyPr>
-          <a:lstStyle/>
-          <a:p>
-            <a:pPr algn="r"/>
-            <a:r>
-              <a:rPr lang="en-US" sz="5400" cap="none" dirty="0" smtClean="0"/>
-              <a:t>Demo</a:t>
-            </a:r>
-            <a:endParaRPr lang="en-US" sz="5400" dirty="0">
-              <a:effectLst>
-                <a:glow rad="38100">
-                  <a:schemeClr val="bg1">
-                    <a:lumMod val="65000"/>
-                    <a:lumOff val="35000"/>
-                    <a:alpha val="50000"/>
-                  </a:schemeClr>
-                </a:glow>
-                <a:outerShdw blurRad="28575" dist="31750" dir="13200000" algn="tl" rotWithShape="0">
-                  <a:srgbClr val="000000">
-                    <a:alpha val="25000"/>
-                  </a:srgbClr>
-                </a:outerShdw>
-              </a:effectLst>
-            </a:endParaRPr>
-          </a:p>
-        </p:txBody>
-      </p:sp>
-    </p:spTree>
-    <p:extLst>
-      <p:ext uri="{BB962C8B-B14F-4D97-AF65-F5344CB8AC3E}">
-        <p14:creationId xmlns:p14="http://schemas.microsoft.com/office/powerpoint/2010/main" val="1197655504"/>
-      </p:ext>
-    </p:extLst>
-  </p:cSld>
-  <p:clrMapOvr>
-    <a:masterClrMapping/>
-  </p:clrMapOvr>
-  <p:timing>
-    <p:tnLst>
-      <p:par>
-        <p:cTn xmlns:p14="http://schemas.microsoft.com/office/powerpoint/2010/main" id="1" dur="indefinite" restart="never" nodeType="tmRoot"/>
-      </p:par>
-    </p:tnLst>
-  </p:timing>
 </p:sld>
 </file>
 
@@ -8791,7 +9464,7 @@
     </a:clrScheme>
     <a:fontScheme name="Mesh">
       <a:majorFont>
-        <a:latin typeface="Century Gothic"/>
+        <a:latin typeface="Century Gothic" panose="020B0502020202020204"/>
         <a:ea typeface=""/>
         <a:cs typeface=""/>
         <a:font script="Jpan" typeface="ＭＳ ゴシック"/>
@@ -8826,7 +9499,7 @@
         <a:font script="Geor" typeface="Sylfaen"/>
       </a:majorFont>
       <a:minorFont>
-        <a:latin typeface="Century Gothic"/>
+        <a:latin typeface="Century Gothic" panose="020B0502020202020204"/>
         <a:ea typeface=""/>
         <a:cs typeface=""/>
         <a:font script="Jpan" typeface="ＭＳ ゴシック"/>
@@ -8998,7 +9671,7 @@
   <a:extraClrSchemeLst/>
   <a:extLst>
     <a:ext uri="{05A4C25C-085E-4340-85A3-A5531E510DB2}">
-      <thm15:themeFamily xmlns:thm15="http://schemas.microsoft.com/office/thememl/2012/main" xmlns="" name="Mesh" id="{789EC3FE-34FD-429C-9918-760025E6C145}" vid="{B8BE45C0-8141-4D58-8C71-A009BC26FBBB}"/>
+      <thm15:themeFamily xmlns:thm15="http://schemas.microsoft.com/office/thememl/2012/main" name="Mesh" id="{789EC3FE-34FD-429C-9918-760025E6C145}" vid="{B8BE45C0-8141-4D58-8C71-A009BC26FBBB}"/>
     </a:ext>
   </a:extLst>
 </a:theme>
@@ -9047,7 +9720,7 @@
     </a:clrScheme>
     <a:fontScheme name="Office">
       <a:majorFont>
-        <a:latin typeface="Calibri Light"/>
+        <a:latin typeface="Calibri Light" panose="020F0302020204030204"/>
         <a:ea typeface=""/>
         <a:cs typeface=""/>
         <a:font script="Jpan" typeface="Yu Gothic Light"/>
@@ -9082,7 +9755,7 @@
         <a:font script="Geor" typeface="Sylfaen"/>
       </a:majorFont>
       <a:minorFont>
-        <a:latin typeface="Calibri"/>
+        <a:latin typeface="Calibri" panose="020F0502020204030204"/>
         <a:ea typeface=""/>
         <a:cs typeface=""/>
         <a:font script="Jpan" typeface="Yu Gothic"/>
@@ -9259,7 +9932,7 @@
   <a:extraClrSchemeLst/>
   <a:extLst>
     <a:ext uri="{05A4C25C-085E-4340-85A3-A5531E510DB2}">
-      <thm15:themeFamily xmlns:thm15="http://schemas.microsoft.com/office/thememl/2012/main" xmlns="" name="Office Theme" id="{62F939B6-93AF-4DB8-9C6B-D6C7DFDC589F}" vid="{4A3C46E8-61CC-4603-A589-7422A47A8E4A}"/>
+      <thm15:themeFamily xmlns:thm15="http://schemas.microsoft.com/office/thememl/2012/main" name="Office Theme" id="{62F939B6-93AF-4DB8-9C6B-D6C7DFDC589F}" vid="{4A3C46E8-61CC-4603-A589-7422A47A8E4A}"/>
     </a:ext>
   </a:extLst>
 </a:theme>
